--- a/Flutterの制作仕様書・アイディア（メモ）.pptx
+++ b/Flutterの制作仕様書・アイディア（メモ）.pptx
@@ -12,8 +12,9 @@
     <p:sldId id="260" r:id="rId6"/>
     <p:sldId id="261" r:id="rId7"/>
     <p:sldId id="264" r:id="rId8"/>
-    <p:sldId id="262" r:id="rId9"/>
-    <p:sldId id="263" r:id="rId10"/>
+    <p:sldId id="265" r:id="rId9"/>
+    <p:sldId id="262" r:id="rId10"/>
+    <p:sldId id="263" r:id="rId11"/>
   </p:sldIdLst>
   <p:sldSz cx="12192000" cy="6858000"/>
   <p:notesSz cx="6858000" cy="9144000"/>
@@ -4054,6 +4055,157 @@
 </p:sld>
 </file>
 
+<file path=ppt/slides/slide10.xml><?xml version="1.0" encoding="utf-8"?>
+<p:sld xmlns:a="http://schemas.openxmlformats.org/drawingml/2006/main" xmlns:r="http://schemas.openxmlformats.org/officeDocument/2006/relationships" xmlns:p="http://schemas.openxmlformats.org/presentationml/2006/main">
+  <p:cSld>
+    <p:spTree>
+      <p:nvGrpSpPr>
+        <p:cNvPr id="1" name="">
+          <a:extLst>
+            <a:ext uri="{FF2B5EF4-FFF2-40B4-BE49-F238E27FC236}">
+              <a16:creationId xmlns:a16="http://schemas.microsoft.com/office/drawing/2014/main" id="{E910D1CE-2907-FEB1-F85A-6F10FFAA7A72}"/>
+            </a:ext>
+          </a:extLst>
+        </p:cNvPr>
+        <p:cNvGrpSpPr/>
+        <p:nvPr/>
+      </p:nvGrpSpPr>
+      <p:grpSpPr>
+        <a:xfrm>
+          <a:off x="0" y="0"/>
+          <a:ext cx="0" cy="0"/>
+          <a:chOff x="0" y="0"/>
+          <a:chExt cx="0" cy="0"/>
+        </a:xfrm>
+      </p:grpSpPr>
+      <p:sp>
+        <p:nvSpPr>
+          <p:cNvPr id="2" name="タイトル 1">
+            <a:extLst>
+              <a:ext uri="{FF2B5EF4-FFF2-40B4-BE49-F238E27FC236}">
+                <a16:creationId xmlns:a16="http://schemas.microsoft.com/office/drawing/2014/main" id="{029C20B8-594E-8273-DBAB-02FFE0061AF2}"/>
+              </a:ext>
+            </a:extLst>
+          </p:cNvPr>
+          <p:cNvSpPr>
+            <a:spLocks noGrp="1"/>
+          </p:cNvSpPr>
+          <p:nvPr>
+            <p:ph type="title"/>
+          </p:nvPr>
+        </p:nvSpPr>
+        <p:spPr/>
+        <p:txBody>
+          <a:bodyPr/>
+          <a:lstStyle/>
+          <a:p>
+            <a:r>
+              <a:rPr kumimoji="1" lang="ja-JP" altLang="en-US" dirty="0"/>
+              <a:t>仕様のアイディア（メモ）</a:t>
+            </a:r>
+          </a:p>
+        </p:txBody>
+      </p:sp>
+      <p:sp>
+        <p:nvSpPr>
+          <p:cNvPr id="3" name="コンテンツ プレースホルダー 2">
+            <a:extLst>
+              <a:ext uri="{FF2B5EF4-FFF2-40B4-BE49-F238E27FC236}">
+                <a16:creationId xmlns:a16="http://schemas.microsoft.com/office/drawing/2014/main" id="{0A6B0ADE-08BF-99E1-7205-6A6527354DD1}"/>
+              </a:ext>
+            </a:extLst>
+          </p:cNvPr>
+          <p:cNvSpPr>
+            <a:spLocks noGrp="1"/>
+          </p:cNvSpPr>
+          <p:nvPr>
+            <p:ph idx="1"/>
+          </p:nvPr>
+        </p:nvSpPr>
+        <p:spPr>
+          <a:xfrm>
+            <a:off x="961644" y="2589863"/>
+            <a:ext cx="10268712" cy="3938954"/>
+          </a:xfrm>
+        </p:spPr>
+        <p:txBody>
+          <a:bodyPr/>
+          <a:lstStyle/>
+          <a:p>
+            <a:r>
+              <a:rPr kumimoji="1" lang="ja-JP" altLang="en-US" dirty="0">
+                <a:latin typeface="ＭＳ ゴシック" panose="020B0609070205080204" pitchFamily="49" charset="-128"/>
+                <a:ea typeface="ＭＳ ゴシック" panose="020B0609070205080204" pitchFamily="49" charset="-128"/>
+              </a:rPr>
+              <a:t>お気に入り登録ができる</a:t>
+            </a:r>
+            <a:endParaRPr kumimoji="1" lang="en-US" altLang="ja-JP" dirty="0">
+              <a:latin typeface="ＭＳ ゴシック" panose="020B0609070205080204" pitchFamily="49" charset="-128"/>
+              <a:ea typeface="ＭＳ ゴシック" panose="020B0609070205080204" pitchFamily="49" charset="-128"/>
+            </a:endParaRPr>
+          </a:p>
+          <a:p>
+            <a:r>
+              <a:rPr kumimoji="1" lang="ja-JP" altLang="en-US" dirty="0">
+                <a:latin typeface="ＭＳ ゴシック" panose="020B0609070205080204" pitchFamily="49" charset="-128"/>
+                <a:ea typeface="ＭＳ ゴシック" panose="020B0609070205080204" pitchFamily="49" charset="-128"/>
+              </a:rPr>
+              <a:t>お気に入り登録ができて、マイページで見ることができる。</a:t>
+            </a:r>
+            <a:endParaRPr kumimoji="1" lang="en-US" altLang="ja-JP" dirty="0">
+              <a:latin typeface="ＭＳ ゴシック" panose="020B0609070205080204" pitchFamily="49" charset="-128"/>
+              <a:ea typeface="ＭＳ ゴシック" panose="020B0609070205080204" pitchFamily="49" charset="-128"/>
+            </a:endParaRPr>
+          </a:p>
+          <a:p>
+            <a:r>
+              <a:rPr kumimoji="1" lang="ja-JP" altLang="en-US" dirty="0">
+                <a:latin typeface="ＭＳ ゴシック" panose="020B0609070205080204" pitchFamily="49" charset="-128"/>
+                <a:ea typeface="ＭＳ ゴシック" panose="020B0609070205080204" pitchFamily="49" charset="-128"/>
+              </a:rPr>
+              <a:t>エラー時：同じものが登録された時に確認する、お気に入り登録が失敗したらエラーメッセージを出す。</a:t>
+            </a:r>
+            <a:endParaRPr kumimoji="1" lang="en-US" altLang="ja-JP" dirty="0">
+              <a:latin typeface="ＭＳ ゴシック" panose="020B0609070205080204" pitchFamily="49" charset="-128"/>
+              <a:ea typeface="ＭＳ ゴシック" panose="020B0609070205080204" pitchFamily="49" charset="-128"/>
+            </a:endParaRPr>
+          </a:p>
+          <a:p>
+            <a:r>
+              <a:rPr lang="ja-JP" altLang="en-US" sz="2800" b="0" i="0" dirty="0">
+                <a:effectLst/>
+                <a:latin typeface="fkGroteskNeue"/>
+              </a:rPr>
+              <a:t>操作後：変更が出来たら変更出来たというメッセージを表示する、失敗ならエラー表示</a:t>
+            </a:r>
+          </a:p>
+          <a:p>
+            <a:endParaRPr kumimoji="1" lang="en-US" altLang="ja-JP" dirty="0">
+              <a:latin typeface="ＭＳ ゴシック" panose="020B0609070205080204" pitchFamily="49" charset="-128"/>
+              <a:ea typeface="ＭＳ ゴシック" panose="020B0609070205080204" pitchFamily="49" charset="-128"/>
+            </a:endParaRPr>
+          </a:p>
+          <a:p>
+            <a:endParaRPr kumimoji="1" lang="ja-JP" altLang="en-US" dirty="0">
+              <a:latin typeface="ＭＳ ゴシック" panose="020B0609070205080204" pitchFamily="49" charset="-128"/>
+              <a:ea typeface="ＭＳ ゴシック" panose="020B0609070205080204" pitchFamily="49" charset="-128"/>
+            </a:endParaRPr>
+          </a:p>
+        </p:txBody>
+      </p:sp>
+    </p:spTree>
+    <p:extLst>
+      <p:ext uri="{BB962C8B-B14F-4D97-AF65-F5344CB8AC3E}">
+        <p14:creationId xmlns:p14="http://schemas.microsoft.com/office/powerpoint/2010/main" val="3700468261"/>
+      </p:ext>
+    </p:extLst>
+  </p:cSld>
+  <p:clrMapOvr>
+    <a:masterClrMapping/>
+  </p:clrMapOvr>
+</p:sld>
+</file>
+
 <file path=ppt/slides/slide2.xml><?xml version="1.0" encoding="utf-8"?>
 <p:sld xmlns:a="http://schemas.openxmlformats.org/drawingml/2006/main" xmlns:r="http://schemas.openxmlformats.org/officeDocument/2006/relationships" xmlns:p="http://schemas.openxmlformats.org/presentationml/2006/main">
   <p:cSld>
@@ -5291,7 +5443,7 @@
         <p:cNvPr id="1" name="">
           <a:extLst>
             <a:ext uri="{FF2B5EF4-FFF2-40B4-BE49-F238E27FC236}">
-              <a16:creationId xmlns:a16="http://schemas.microsoft.com/office/drawing/2014/main" id="{7447B179-C4A1-F359-DBB2-E8195E8C2AD4}"/>
+              <a16:creationId xmlns:a16="http://schemas.microsoft.com/office/drawing/2014/main" id="{8362D783-4924-FD17-4618-CC93972CB880}"/>
             </a:ext>
           </a:extLst>
         </p:cNvPr>
@@ -5311,7 +5463,7 @@
           <p:cNvPr id="2" name="タイトル 1">
             <a:extLst>
               <a:ext uri="{FF2B5EF4-FFF2-40B4-BE49-F238E27FC236}">
-                <a16:creationId xmlns:a16="http://schemas.microsoft.com/office/drawing/2014/main" id="{8417AA28-7871-ED17-744C-4B186BBE5F56}"/>
+                <a16:creationId xmlns:a16="http://schemas.microsoft.com/office/drawing/2014/main" id="{84F7E00C-8E17-02B9-55A7-020491E6570C}"/>
               </a:ext>
             </a:extLst>
           </p:cNvPr>
@@ -5329,7 +5481,7 @@
           <a:p>
             <a:r>
               <a:rPr kumimoji="1" lang="ja-JP" altLang="en-US" dirty="0"/>
-              <a:t>仕様のアイディア（メモ）</a:t>
+              <a:t>行動（メモ）</a:t>
             </a:r>
           </a:p>
         </p:txBody>
@@ -5339,7 +5491,7 @@
           <p:cNvPr id="3" name="コンテンツ プレースホルダー 2">
             <a:extLst>
               <a:ext uri="{FF2B5EF4-FFF2-40B4-BE49-F238E27FC236}">
-                <a16:creationId xmlns:a16="http://schemas.microsoft.com/office/drawing/2014/main" id="{796B572A-57DF-55C2-7884-709E673E4978}"/>
+                <a16:creationId xmlns:a16="http://schemas.microsoft.com/office/drawing/2014/main" id="{A27F554A-5F26-464A-81AF-4A5A83807923}"/>
               </a:ext>
             </a:extLst>
           </p:cNvPr>
@@ -5352,8 +5504,8 @@
         </p:nvSpPr>
         <p:spPr>
           <a:xfrm>
-            <a:off x="961643" y="2589863"/>
-            <a:ext cx="10521111" cy="3938954"/>
+            <a:off x="961644" y="2589863"/>
+            <a:ext cx="10268712" cy="3938954"/>
           </a:xfrm>
         </p:spPr>
         <p:txBody>
@@ -5361,177 +5513,44 @@
           <a:lstStyle/>
           <a:p>
             <a:r>
-              <a:rPr kumimoji="1" lang="ja-JP" altLang="en-US" sz="2000" dirty="0">
-                <a:latin typeface="ＭＳ ゴシック" panose="020B0609070205080204" pitchFamily="49" charset="-128"/>
-                <a:ea typeface="ＭＳ ゴシック" panose="020B0609070205080204" pitchFamily="49" charset="-128"/>
-              </a:rPr>
-              <a:t>マイページ画面</a:t>
-            </a:r>
-            <a:endParaRPr kumimoji="1" lang="en-US" altLang="ja-JP" sz="2000" dirty="0">
-              <a:latin typeface="ＭＳ ゴシック" panose="020B0609070205080204" pitchFamily="49" charset="-128"/>
-              <a:ea typeface="ＭＳ ゴシック" panose="020B0609070205080204" pitchFamily="49" charset="-128"/>
+              <a:rPr lang="en-US" altLang="ja-JP" b="1" i="0" dirty="0">
+                <a:effectLst/>
+                <a:latin typeface="-apple-system"/>
+              </a:rPr>
+              <a:t>5/7 firebase</a:t>
+            </a:r>
+            <a:r>
+              <a:rPr lang="ja-JP" altLang="en-US" b="1" i="0" dirty="0">
+                <a:effectLst/>
+                <a:latin typeface="-apple-system"/>
+              </a:rPr>
+              <a:t>と</a:t>
+            </a:r>
+            <a:r>
+              <a:rPr lang="en-US" altLang="ja-JP" b="1" i="0" dirty="0">
+                <a:effectLst/>
+                <a:latin typeface="-apple-system"/>
+              </a:rPr>
+              <a:t>flutter</a:t>
+            </a:r>
+            <a:r>
+              <a:rPr lang="ja-JP" altLang="en-US" b="1" i="0" dirty="0">
+                <a:effectLst/>
+                <a:latin typeface="-apple-system"/>
+              </a:rPr>
+              <a:t>の連携のところを行って</a:t>
+            </a:r>
+            <a:r>
+              <a:rPr lang="ja-JP" altLang="en-US" b="1" i="0">
+                <a:effectLst/>
+                <a:latin typeface="-apple-system"/>
+              </a:rPr>
+              <a:t>いる。</a:t>
+            </a:r>
+            <a:endParaRPr lang="en-US" altLang="ja-JP" b="1" i="0" dirty="0">
+              <a:effectLst/>
+              <a:latin typeface="-apple-system"/>
             </a:endParaRPr>
-          </a:p>
-          <a:p>
-            <a:r>
-              <a:rPr kumimoji="1" lang="ja-JP" altLang="en-US" sz="2000" dirty="0">
-                <a:latin typeface="ＭＳ ゴシック" panose="020B0609070205080204" pitchFamily="49" charset="-128"/>
-                <a:ea typeface="ＭＳ ゴシック" panose="020B0609070205080204" pitchFamily="49" charset="-128"/>
-              </a:rPr>
-              <a:t>ユーザー</a:t>
-            </a:r>
-            <a:r>
-              <a:rPr kumimoji="1" lang="en-US" altLang="ja-JP" sz="2000" dirty="0">
-                <a:latin typeface="ＭＳ ゴシック" panose="020B0609070205080204" pitchFamily="49" charset="-128"/>
-                <a:ea typeface="ＭＳ ゴシック" panose="020B0609070205080204" pitchFamily="49" charset="-128"/>
-              </a:rPr>
-              <a:t>ID</a:t>
-            </a:r>
-            <a:r>
-              <a:rPr kumimoji="1" lang="ja-JP" altLang="en-US" sz="2000" dirty="0">
-                <a:latin typeface="ＭＳ ゴシック" panose="020B0609070205080204" pitchFamily="49" charset="-128"/>
-                <a:ea typeface="ＭＳ ゴシック" panose="020B0609070205080204" pitchFamily="49" charset="-128"/>
-              </a:rPr>
-              <a:t>とパスワードの情報を表示、変更できる</a:t>
-            </a:r>
-            <a:endParaRPr kumimoji="1" lang="en-US" altLang="ja-JP" sz="2000" dirty="0">
-              <a:latin typeface="ＭＳ ゴシック" panose="020B0609070205080204" pitchFamily="49" charset="-128"/>
-              <a:ea typeface="ＭＳ ゴシック" panose="020B0609070205080204" pitchFamily="49" charset="-128"/>
-            </a:endParaRPr>
-          </a:p>
-          <a:p>
-            <a:pPr algn="l"/>
-            <a:r>
-              <a:rPr lang="ja-JP" altLang="en-US" sz="2000" b="0" i="0" dirty="0">
-                <a:effectLst/>
-                <a:latin typeface="fkGroteskNeue"/>
-              </a:rPr>
-              <a:t>入力項目：ユーザー</a:t>
-            </a:r>
-            <a:r>
-              <a:rPr lang="en-US" altLang="ja-JP" sz="2000" b="0" i="0" dirty="0">
-                <a:effectLst/>
-                <a:latin typeface="fkGroteskNeue"/>
-              </a:rPr>
-              <a:t>ID</a:t>
-            </a:r>
-            <a:r>
-              <a:rPr lang="ja-JP" altLang="en-US" sz="2000" b="0" i="0" dirty="0">
-                <a:effectLst/>
-                <a:latin typeface="fkGroteskNeue"/>
-              </a:rPr>
-              <a:t>（半角英数字</a:t>
-            </a:r>
-            <a:r>
-              <a:rPr lang="en-US" altLang="ja-JP" sz="2000" b="0" i="0" dirty="0">
-                <a:effectLst/>
-                <a:latin typeface="fkGroteskNeue"/>
-              </a:rPr>
-              <a:t>20</a:t>
-            </a:r>
-            <a:r>
-              <a:rPr lang="ja-JP" altLang="en-US" sz="2000" b="0" i="0" dirty="0">
-                <a:effectLst/>
-                <a:latin typeface="fkGroteskNeue"/>
-              </a:rPr>
-              <a:t>文字以内）</a:t>
-            </a:r>
-            <a:endParaRPr lang="en-US" altLang="ja-JP" sz="2000" b="0" i="0" dirty="0">
-              <a:effectLst/>
-              <a:latin typeface="fkGroteskNeue"/>
-            </a:endParaRPr>
-          </a:p>
-          <a:p>
-            <a:pPr algn="l"/>
-            <a:r>
-              <a:rPr lang="ja-JP" altLang="en-US" sz="2000" dirty="0">
-                <a:latin typeface="fkGroteskNeue"/>
-              </a:rPr>
-              <a:t>　　　　　</a:t>
-            </a:r>
-            <a:r>
-              <a:rPr lang="ja-JP" altLang="en-US" sz="2000" b="0" i="0" dirty="0">
-                <a:effectLst/>
-                <a:latin typeface="fkGroteskNeue"/>
-              </a:rPr>
-              <a:t>パスワード（</a:t>
-            </a:r>
-            <a:r>
-              <a:rPr lang="en-US" altLang="ja-JP" sz="2000" b="0" i="0" dirty="0">
-                <a:effectLst/>
-                <a:latin typeface="fkGroteskNeue"/>
-              </a:rPr>
-              <a:t>8</a:t>
-            </a:r>
-            <a:r>
-              <a:rPr lang="ja-JP" altLang="en-US" sz="2000" b="0" i="0" dirty="0">
-                <a:effectLst/>
-                <a:latin typeface="fkGroteskNeue"/>
-              </a:rPr>
-              <a:t>文字以上、記号含む）</a:t>
-            </a:r>
-            <a:endParaRPr lang="en-US" altLang="ja-JP" sz="2000" b="0" i="0" dirty="0">
-              <a:effectLst/>
-              <a:latin typeface="fkGroteskNeue"/>
-            </a:endParaRPr>
-          </a:p>
-          <a:p>
-            <a:pPr algn="l"/>
-            <a:r>
-              <a:rPr lang="ja-JP" altLang="en-US" sz="2000" b="0" i="0" dirty="0">
-                <a:effectLst/>
-                <a:latin typeface="fkGroteskNeue"/>
-              </a:rPr>
-              <a:t>変更ボタン：変更ボタンを押すとユーザー</a:t>
-            </a:r>
-            <a:r>
-              <a:rPr lang="en-US" altLang="ja-JP" sz="2000" b="0" i="0" dirty="0">
-                <a:effectLst/>
-                <a:latin typeface="fkGroteskNeue"/>
-              </a:rPr>
-              <a:t>ID</a:t>
-            </a:r>
-            <a:r>
-              <a:rPr lang="ja-JP" altLang="en-US" sz="2000" b="0" i="0" dirty="0">
-                <a:effectLst/>
-                <a:latin typeface="fkGroteskNeue"/>
-              </a:rPr>
-              <a:t>とパスワードの変更ができる</a:t>
-            </a:r>
-          </a:p>
-          <a:p>
-            <a:pPr algn="l"/>
-            <a:r>
-              <a:rPr lang="ja-JP" altLang="en-US" sz="2000" b="0" i="0" dirty="0">
-                <a:effectLst/>
-                <a:latin typeface="fkGroteskNeue"/>
-              </a:rPr>
-              <a:t>エラー時：入力漏れや不正な</a:t>
-            </a:r>
-            <a:r>
-              <a:rPr lang="en-US" altLang="ja-JP" sz="2000" b="0" i="0" dirty="0">
-                <a:effectLst/>
-                <a:latin typeface="fkGroteskNeue"/>
-              </a:rPr>
-              <a:t>ID</a:t>
-            </a:r>
-            <a:r>
-              <a:rPr lang="ja-JP" altLang="en-US" sz="2000" b="0" i="0" dirty="0">
-                <a:effectLst/>
-                <a:latin typeface="fkGroteskNeue"/>
-              </a:rPr>
-              <a:t>の場合はエラーメッセージを表示</a:t>
-            </a:r>
-          </a:p>
-          <a:p>
-            <a:pPr algn="l"/>
-            <a:r>
-              <a:rPr lang="ja-JP" altLang="en-US" sz="2000" b="0" i="0" dirty="0">
-                <a:effectLst/>
-                <a:latin typeface="fkGroteskNeue"/>
-              </a:rPr>
-              <a:t>操作後：変更が出来たら変更出来たというメッセージを表示する、失敗ならエラー表示</a:t>
-            </a:r>
           </a:p>
           <a:p>
             <a:endParaRPr kumimoji="1" lang="ja-JP" altLang="en-US" dirty="0">
@@ -5544,7 +5563,7 @@
     </p:spTree>
     <p:extLst>
       <p:ext uri="{BB962C8B-B14F-4D97-AF65-F5344CB8AC3E}">
-        <p14:creationId xmlns:p14="http://schemas.microsoft.com/office/powerpoint/2010/main" val="876100504"/>
+        <p14:creationId xmlns:p14="http://schemas.microsoft.com/office/powerpoint/2010/main" val="3848398883"/>
       </p:ext>
     </p:extLst>
   </p:cSld>
@@ -5562,7 +5581,7 @@
         <p:cNvPr id="1" name="">
           <a:extLst>
             <a:ext uri="{FF2B5EF4-FFF2-40B4-BE49-F238E27FC236}">
-              <a16:creationId xmlns:a16="http://schemas.microsoft.com/office/drawing/2014/main" id="{E910D1CE-2907-FEB1-F85A-6F10FFAA7A72}"/>
+              <a16:creationId xmlns:a16="http://schemas.microsoft.com/office/drawing/2014/main" id="{7447B179-C4A1-F359-DBB2-E8195E8C2AD4}"/>
             </a:ext>
           </a:extLst>
         </p:cNvPr>
@@ -5582,7 +5601,7 @@
           <p:cNvPr id="2" name="タイトル 1">
             <a:extLst>
               <a:ext uri="{FF2B5EF4-FFF2-40B4-BE49-F238E27FC236}">
-                <a16:creationId xmlns:a16="http://schemas.microsoft.com/office/drawing/2014/main" id="{029C20B8-594E-8273-DBAB-02FFE0061AF2}"/>
+                <a16:creationId xmlns:a16="http://schemas.microsoft.com/office/drawing/2014/main" id="{8417AA28-7871-ED17-744C-4B186BBE5F56}"/>
               </a:ext>
             </a:extLst>
           </p:cNvPr>
@@ -5610,7 +5629,7 @@
           <p:cNvPr id="3" name="コンテンツ プレースホルダー 2">
             <a:extLst>
               <a:ext uri="{FF2B5EF4-FFF2-40B4-BE49-F238E27FC236}">
-                <a16:creationId xmlns:a16="http://schemas.microsoft.com/office/drawing/2014/main" id="{0A6B0ADE-08BF-99E1-7205-6A6527354DD1}"/>
+                <a16:creationId xmlns:a16="http://schemas.microsoft.com/office/drawing/2014/main" id="{796B572A-57DF-55C2-7884-709E673E4978}"/>
               </a:ext>
             </a:extLst>
           </p:cNvPr>
@@ -5623,8 +5642,8 @@
         </p:nvSpPr>
         <p:spPr>
           <a:xfrm>
-            <a:off x="961644" y="2589863"/>
-            <a:ext cx="10268712" cy="3938954"/>
+            <a:off x="961643" y="2589863"/>
+            <a:ext cx="10521111" cy="3938954"/>
           </a:xfrm>
         </p:spPr>
         <p:txBody>
@@ -5632,57 +5651,177 @@
           <a:lstStyle/>
           <a:p>
             <a:r>
-              <a:rPr kumimoji="1" lang="ja-JP" altLang="en-US" dirty="0">
-                <a:latin typeface="ＭＳ ゴシック" panose="020B0609070205080204" pitchFamily="49" charset="-128"/>
-                <a:ea typeface="ＭＳ ゴシック" panose="020B0609070205080204" pitchFamily="49" charset="-128"/>
-              </a:rPr>
-              <a:t>お気に入り登録ができる</a:t>
-            </a:r>
-            <a:endParaRPr kumimoji="1" lang="en-US" altLang="ja-JP" dirty="0">
+              <a:rPr kumimoji="1" lang="ja-JP" altLang="en-US" sz="2000" dirty="0">
+                <a:latin typeface="ＭＳ ゴシック" panose="020B0609070205080204" pitchFamily="49" charset="-128"/>
+                <a:ea typeface="ＭＳ ゴシック" panose="020B0609070205080204" pitchFamily="49" charset="-128"/>
+              </a:rPr>
+              <a:t>マイページ画面</a:t>
+            </a:r>
+            <a:endParaRPr kumimoji="1" lang="en-US" altLang="ja-JP" sz="2000" dirty="0">
               <a:latin typeface="ＭＳ ゴシック" panose="020B0609070205080204" pitchFamily="49" charset="-128"/>
               <a:ea typeface="ＭＳ ゴシック" panose="020B0609070205080204" pitchFamily="49" charset="-128"/>
             </a:endParaRPr>
           </a:p>
           <a:p>
             <a:r>
-              <a:rPr kumimoji="1" lang="ja-JP" altLang="en-US" dirty="0">
-                <a:latin typeface="ＭＳ ゴシック" panose="020B0609070205080204" pitchFamily="49" charset="-128"/>
-                <a:ea typeface="ＭＳ ゴシック" panose="020B0609070205080204" pitchFamily="49" charset="-128"/>
-              </a:rPr>
-              <a:t>お気に入り登録ができて、マイページで見ることができる。</a:t>
-            </a:r>
-            <a:endParaRPr kumimoji="1" lang="en-US" altLang="ja-JP" dirty="0">
+              <a:rPr kumimoji="1" lang="ja-JP" altLang="en-US" sz="2000" dirty="0">
+                <a:latin typeface="ＭＳ ゴシック" panose="020B0609070205080204" pitchFamily="49" charset="-128"/>
+                <a:ea typeface="ＭＳ ゴシック" panose="020B0609070205080204" pitchFamily="49" charset="-128"/>
+              </a:rPr>
+              <a:t>ユーザー</a:t>
+            </a:r>
+            <a:r>
+              <a:rPr kumimoji="1" lang="en-US" altLang="ja-JP" sz="2000" dirty="0">
+                <a:latin typeface="ＭＳ ゴシック" panose="020B0609070205080204" pitchFamily="49" charset="-128"/>
+                <a:ea typeface="ＭＳ ゴシック" panose="020B0609070205080204" pitchFamily="49" charset="-128"/>
+              </a:rPr>
+              <a:t>ID</a:t>
+            </a:r>
+            <a:r>
+              <a:rPr kumimoji="1" lang="ja-JP" altLang="en-US" sz="2000" dirty="0">
+                <a:latin typeface="ＭＳ ゴシック" panose="020B0609070205080204" pitchFamily="49" charset="-128"/>
+                <a:ea typeface="ＭＳ ゴシック" panose="020B0609070205080204" pitchFamily="49" charset="-128"/>
+              </a:rPr>
+              <a:t>とパスワードの情報を表示、変更できる</a:t>
+            </a:r>
+            <a:endParaRPr kumimoji="1" lang="en-US" altLang="ja-JP" sz="2000" dirty="0">
               <a:latin typeface="ＭＳ ゴシック" panose="020B0609070205080204" pitchFamily="49" charset="-128"/>
               <a:ea typeface="ＭＳ ゴシック" panose="020B0609070205080204" pitchFamily="49" charset="-128"/>
             </a:endParaRPr>
           </a:p>
           <a:p>
-            <a:r>
-              <a:rPr kumimoji="1" lang="ja-JP" altLang="en-US" dirty="0">
-                <a:latin typeface="ＭＳ ゴシック" panose="020B0609070205080204" pitchFamily="49" charset="-128"/>
-                <a:ea typeface="ＭＳ ゴシック" panose="020B0609070205080204" pitchFamily="49" charset="-128"/>
-              </a:rPr>
-              <a:t>エラー時：同じものが登録された時に確認する、お気に入り登録が失敗したらエラーメッセージを出す。</a:t>
-            </a:r>
-            <a:endParaRPr kumimoji="1" lang="en-US" altLang="ja-JP" dirty="0">
-              <a:latin typeface="ＭＳ ゴシック" panose="020B0609070205080204" pitchFamily="49" charset="-128"/>
-              <a:ea typeface="ＭＳ ゴシック" panose="020B0609070205080204" pitchFamily="49" charset="-128"/>
-            </a:endParaRPr>
-          </a:p>
-          <a:p>
-            <a:r>
-              <a:rPr lang="ja-JP" altLang="en-US" sz="2800" b="0" i="0" dirty="0">
+            <a:pPr algn="l"/>
+            <a:r>
+              <a:rPr lang="ja-JP" altLang="en-US" sz="2000" b="0" i="0" dirty="0">
                 <a:effectLst/>
                 <a:latin typeface="fkGroteskNeue"/>
               </a:rPr>
+              <a:t>入力項目：ユーザー</a:t>
+            </a:r>
+            <a:r>
+              <a:rPr lang="en-US" altLang="ja-JP" sz="2000" b="0" i="0" dirty="0">
+                <a:effectLst/>
+                <a:latin typeface="fkGroteskNeue"/>
+              </a:rPr>
+              <a:t>ID</a:t>
+            </a:r>
+            <a:r>
+              <a:rPr lang="ja-JP" altLang="en-US" sz="2000" b="0" i="0" dirty="0">
+                <a:effectLst/>
+                <a:latin typeface="fkGroteskNeue"/>
+              </a:rPr>
+              <a:t>（半角英数字</a:t>
+            </a:r>
+            <a:r>
+              <a:rPr lang="en-US" altLang="ja-JP" sz="2000" b="0" i="0" dirty="0">
+                <a:effectLst/>
+                <a:latin typeface="fkGroteskNeue"/>
+              </a:rPr>
+              <a:t>20</a:t>
+            </a:r>
+            <a:r>
+              <a:rPr lang="ja-JP" altLang="en-US" sz="2000" b="0" i="0" dirty="0">
+                <a:effectLst/>
+                <a:latin typeface="fkGroteskNeue"/>
+              </a:rPr>
+              <a:t>文字以内）</a:t>
+            </a:r>
+            <a:endParaRPr lang="en-US" altLang="ja-JP" sz="2000" b="0" i="0" dirty="0">
+              <a:effectLst/>
+              <a:latin typeface="fkGroteskNeue"/>
+            </a:endParaRPr>
+          </a:p>
+          <a:p>
+            <a:pPr algn="l"/>
+            <a:r>
+              <a:rPr lang="ja-JP" altLang="en-US" sz="2000" dirty="0">
+                <a:latin typeface="fkGroteskNeue"/>
+              </a:rPr>
+              <a:t>　　　　　</a:t>
+            </a:r>
+            <a:r>
+              <a:rPr lang="ja-JP" altLang="en-US" sz="2000" b="0" i="0" dirty="0">
+                <a:effectLst/>
+                <a:latin typeface="fkGroteskNeue"/>
+              </a:rPr>
+              <a:t>パスワード（</a:t>
+            </a:r>
+            <a:r>
+              <a:rPr lang="en-US" altLang="ja-JP" sz="2000" b="0" i="0" dirty="0">
+                <a:effectLst/>
+                <a:latin typeface="fkGroteskNeue"/>
+              </a:rPr>
+              <a:t>8</a:t>
+            </a:r>
+            <a:r>
+              <a:rPr lang="ja-JP" altLang="en-US" sz="2000" b="0" i="0" dirty="0">
+                <a:effectLst/>
+                <a:latin typeface="fkGroteskNeue"/>
+              </a:rPr>
+              <a:t>文字以上、記号含む）</a:t>
+            </a:r>
+            <a:endParaRPr lang="en-US" altLang="ja-JP" sz="2000" b="0" i="0" dirty="0">
+              <a:effectLst/>
+              <a:latin typeface="fkGroteskNeue"/>
+            </a:endParaRPr>
+          </a:p>
+          <a:p>
+            <a:pPr algn="l"/>
+            <a:r>
+              <a:rPr lang="ja-JP" altLang="en-US" sz="2000" b="0" i="0" dirty="0">
+                <a:effectLst/>
+                <a:latin typeface="fkGroteskNeue"/>
+              </a:rPr>
+              <a:t>変更ボタン：変更ボタンを押すとユーザー</a:t>
+            </a:r>
+            <a:r>
+              <a:rPr lang="en-US" altLang="ja-JP" sz="2000" b="0" i="0" dirty="0">
+                <a:effectLst/>
+                <a:latin typeface="fkGroteskNeue"/>
+              </a:rPr>
+              <a:t>ID</a:t>
+            </a:r>
+            <a:r>
+              <a:rPr lang="ja-JP" altLang="en-US" sz="2000" b="0" i="0" dirty="0">
+                <a:effectLst/>
+                <a:latin typeface="fkGroteskNeue"/>
+              </a:rPr>
+              <a:t>とパスワードの変更ができる</a:t>
+            </a:r>
+          </a:p>
+          <a:p>
+            <a:pPr algn="l"/>
+            <a:r>
+              <a:rPr lang="ja-JP" altLang="en-US" sz="2000" b="0" i="0" dirty="0">
+                <a:effectLst/>
+                <a:latin typeface="fkGroteskNeue"/>
+              </a:rPr>
+              <a:t>エラー時：入力漏れや不正な</a:t>
+            </a:r>
+            <a:r>
+              <a:rPr lang="en-US" altLang="ja-JP" sz="2000" b="0" i="0" dirty="0">
+                <a:effectLst/>
+                <a:latin typeface="fkGroteskNeue"/>
+              </a:rPr>
+              <a:t>ID</a:t>
+            </a:r>
+            <a:r>
+              <a:rPr lang="ja-JP" altLang="en-US" sz="2000" b="0" i="0" dirty="0">
+                <a:effectLst/>
+                <a:latin typeface="fkGroteskNeue"/>
+              </a:rPr>
+              <a:t>の場合はエラーメッセージを表示</a:t>
+            </a:r>
+          </a:p>
+          <a:p>
+            <a:pPr algn="l"/>
+            <a:r>
+              <a:rPr lang="ja-JP" altLang="en-US" sz="2000" b="0" i="0" dirty="0">
+                <a:effectLst/>
+                <a:latin typeface="fkGroteskNeue"/>
+              </a:rPr>
               <a:t>操作後：変更が出来たら変更出来たというメッセージを表示する、失敗ならエラー表示</a:t>
             </a:r>
-          </a:p>
-          <a:p>
-            <a:endParaRPr kumimoji="1" lang="en-US" altLang="ja-JP" dirty="0">
-              <a:latin typeface="ＭＳ ゴシック" panose="020B0609070205080204" pitchFamily="49" charset="-128"/>
-              <a:ea typeface="ＭＳ ゴシック" panose="020B0609070205080204" pitchFamily="49" charset="-128"/>
-            </a:endParaRPr>
           </a:p>
           <a:p>
             <a:endParaRPr kumimoji="1" lang="ja-JP" altLang="en-US" dirty="0">
@@ -5695,7 +5834,7 @@
     </p:spTree>
     <p:extLst>
       <p:ext uri="{BB962C8B-B14F-4D97-AF65-F5344CB8AC3E}">
-        <p14:creationId xmlns:p14="http://schemas.microsoft.com/office/powerpoint/2010/main" val="3700468261"/>
+        <p14:creationId xmlns:p14="http://schemas.microsoft.com/office/powerpoint/2010/main" val="876100504"/>
       </p:ext>
     </p:extLst>
   </p:cSld>

--- a/Flutterの制作仕様書・アイディア（メモ）.pptx
+++ b/Flutterの制作仕様書・アイディア（メモ）.pptx
@@ -10,11 +10,12 @@
     <p:sldId id="257" r:id="rId4"/>
     <p:sldId id="259" r:id="rId5"/>
     <p:sldId id="260" r:id="rId6"/>
-    <p:sldId id="261" r:id="rId7"/>
-    <p:sldId id="264" r:id="rId8"/>
-    <p:sldId id="265" r:id="rId9"/>
-    <p:sldId id="262" r:id="rId10"/>
-    <p:sldId id="263" r:id="rId11"/>
+    <p:sldId id="266" r:id="rId7"/>
+    <p:sldId id="261" r:id="rId8"/>
+    <p:sldId id="264" r:id="rId9"/>
+    <p:sldId id="265" r:id="rId10"/>
+    <p:sldId id="262" r:id="rId11"/>
+    <p:sldId id="263" r:id="rId12"/>
   </p:sldIdLst>
   <p:sldSz cx="12192000" cy="6858000"/>
   <p:notesSz cx="6858000" cy="9144000"/>
@@ -4063,6 +4064,277 @@
         <p:cNvPr id="1" name="">
           <a:extLst>
             <a:ext uri="{FF2B5EF4-FFF2-40B4-BE49-F238E27FC236}">
+              <a16:creationId xmlns:a16="http://schemas.microsoft.com/office/drawing/2014/main" id="{7447B179-C4A1-F359-DBB2-E8195E8C2AD4}"/>
+            </a:ext>
+          </a:extLst>
+        </p:cNvPr>
+        <p:cNvGrpSpPr/>
+        <p:nvPr/>
+      </p:nvGrpSpPr>
+      <p:grpSpPr>
+        <a:xfrm>
+          <a:off x="0" y="0"/>
+          <a:ext cx="0" cy="0"/>
+          <a:chOff x="0" y="0"/>
+          <a:chExt cx="0" cy="0"/>
+        </a:xfrm>
+      </p:grpSpPr>
+      <p:sp>
+        <p:nvSpPr>
+          <p:cNvPr id="2" name="タイトル 1">
+            <a:extLst>
+              <a:ext uri="{FF2B5EF4-FFF2-40B4-BE49-F238E27FC236}">
+                <a16:creationId xmlns:a16="http://schemas.microsoft.com/office/drawing/2014/main" id="{8417AA28-7871-ED17-744C-4B186BBE5F56}"/>
+              </a:ext>
+            </a:extLst>
+          </p:cNvPr>
+          <p:cNvSpPr>
+            <a:spLocks noGrp="1"/>
+          </p:cNvSpPr>
+          <p:nvPr>
+            <p:ph type="title"/>
+          </p:nvPr>
+        </p:nvSpPr>
+        <p:spPr/>
+        <p:txBody>
+          <a:bodyPr/>
+          <a:lstStyle/>
+          <a:p>
+            <a:r>
+              <a:rPr kumimoji="1" lang="ja-JP" altLang="en-US" dirty="0"/>
+              <a:t>仕様のアイディア（メモ）</a:t>
+            </a:r>
+          </a:p>
+        </p:txBody>
+      </p:sp>
+      <p:sp>
+        <p:nvSpPr>
+          <p:cNvPr id="3" name="コンテンツ プレースホルダー 2">
+            <a:extLst>
+              <a:ext uri="{FF2B5EF4-FFF2-40B4-BE49-F238E27FC236}">
+                <a16:creationId xmlns:a16="http://schemas.microsoft.com/office/drawing/2014/main" id="{796B572A-57DF-55C2-7884-709E673E4978}"/>
+              </a:ext>
+            </a:extLst>
+          </p:cNvPr>
+          <p:cNvSpPr>
+            <a:spLocks noGrp="1"/>
+          </p:cNvSpPr>
+          <p:nvPr>
+            <p:ph idx="1"/>
+          </p:nvPr>
+        </p:nvSpPr>
+        <p:spPr>
+          <a:xfrm>
+            <a:off x="961643" y="2589863"/>
+            <a:ext cx="10521111" cy="3938954"/>
+          </a:xfrm>
+        </p:spPr>
+        <p:txBody>
+          <a:bodyPr/>
+          <a:lstStyle/>
+          <a:p>
+            <a:r>
+              <a:rPr kumimoji="1" lang="ja-JP" altLang="en-US" sz="2000" dirty="0">
+                <a:latin typeface="ＭＳ ゴシック" panose="020B0609070205080204" pitchFamily="49" charset="-128"/>
+                <a:ea typeface="ＭＳ ゴシック" panose="020B0609070205080204" pitchFamily="49" charset="-128"/>
+              </a:rPr>
+              <a:t>マイページ画面</a:t>
+            </a:r>
+            <a:endParaRPr kumimoji="1" lang="en-US" altLang="ja-JP" sz="2000" dirty="0">
+              <a:latin typeface="ＭＳ ゴシック" panose="020B0609070205080204" pitchFamily="49" charset="-128"/>
+              <a:ea typeface="ＭＳ ゴシック" panose="020B0609070205080204" pitchFamily="49" charset="-128"/>
+            </a:endParaRPr>
+          </a:p>
+          <a:p>
+            <a:r>
+              <a:rPr kumimoji="1" lang="ja-JP" altLang="en-US" sz="2000" dirty="0">
+                <a:latin typeface="ＭＳ ゴシック" panose="020B0609070205080204" pitchFamily="49" charset="-128"/>
+                <a:ea typeface="ＭＳ ゴシック" panose="020B0609070205080204" pitchFamily="49" charset="-128"/>
+              </a:rPr>
+              <a:t>ユーザー</a:t>
+            </a:r>
+            <a:r>
+              <a:rPr kumimoji="1" lang="en-US" altLang="ja-JP" sz="2000" dirty="0">
+                <a:latin typeface="ＭＳ ゴシック" panose="020B0609070205080204" pitchFamily="49" charset="-128"/>
+                <a:ea typeface="ＭＳ ゴシック" panose="020B0609070205080204" pitchFamily="49" charset="-128"/>
+              </a:rPr>
+              <a:t>ID</a:t>
+            </a:r>
+            <a:r>
+              <a:rPr kumimoji="1" lang="ja-JP" altLang="en-US" sz="2000" dirty="0">
+                <a:latin typeface="ＭＳ ゴシック" panose="020B0609070205080204" pitchFamily="49" charset="-128"/>
+                <a:ea typeface="ＭＳ ゴシック" panose="020B0609070205080204" pitchFamily="49" charset="-128"/>
+              </a:rPr>
+              <a:t>とパスワードの情報を表示、変更できる</a:t>
+            </a:r>
+            <a:endParaRPr kumimoji="1" lang="en-US" altLang="ja-JP" sz="2000" dirty="0">
+              <a:latin typeface="ＭＳ ゴシック" panose="020B0609070205080204" pitchFamily="49" charset="-128"/>
+              <a:ea typeface="ＭＳ ゴシック" panose="020B0609070205080204" pitchFamily="49" charset="-128"/>
+            </a:endParaRPr>
+          </a:p>
+          <a:p>
+            <a:pPr algn="l"/>
+            <a:r>
+              <a:rPr lang="ja-JP" altLang="en-US" sz="2000" b="0" i="0" dirty="0">
+                <a:effectLst/>
+                <a:latin typeface="fkGroteskNeue"/>
+              </a:rPr>
+              <a:t>入力項目：ユーザー</a:t>
+            </a:r>
+            <a:r>
+              <a:rPr lang="en-US" altLang="ja-JP" sz="2000" b="0" i="0" dirty="0">
+                <a:effectLst/>
+                <a:latin typeface="fkGroteskNeue"/>
+              </a:rPr>
+              <a:t>ID</a:t>
+            </a:r>
+            <a:r>
+              <a:rPr lang="ja-JP" altLang="en-US" sz="2000" b="0" i="0" dirty="0">
+                <a:effectLst/>
+                <a:latin typeface="fkGroteskNeue"/>
+              </a:rPr>
+              <a:t>（半角英数字</a:t>
+            </a:r>
+            <a:r>
+              <a:rPr lang="en-US" altLang="ja-JP" sz="2000" b="0" i="0" dirty="0">
+                <a:effectLst/>
+                <a:latin typeface="fkGroteskNeue"/>
+              </a:rPr>
+              <a:t>20</a:t>
+            </a:r>
+            <a:r>
+              <a:rPr lang="ja-JP" altLang="en-US" sz="2000" b="0" i="0" dirty="0">
+                <a:effectLst/>
+                <a:latin typeface="fkGroteskNeue"/>
+              </a:rPr>
+              <a:t>文字以内）</a:t>
+            </a:r>
+            <a:endParaRPr lang="en-US" altLang="ja-JP" sz="2000" b="0" i="0" dirty="0">
+              <a:effectLst/>
+              <a:latin typeface="fkGroteskNeue"/>
+            </a:endParaRPr>
+          </a:p>
+          <a:p>
+            <a:pPr algn="l"/>
+            <a:r>
+              <a:rPr lang="ja-JP" altLang="en-US" sz="2000" dirty="0">
+                <a:latin typeface="fkGroteskNeue"/>
+              </a:rPr>
+              <a:t>　　　　　</a:t>
+            </a:r>
+            <a:r>
+              <a:rPr lang="ja-JP" altLang="en-US" sz="2000" b="0" i="0" dirty="0">
+                <a:effectLst/>
+                <a:latin typeface="fkGroteskNeue"/>
+              </a:rPr>
+              <a:t>パスワード（</a:t>
+            </a:r>
+            <a:r>
+              <a:rPr lang="en-US" altLang="ja-JP" sz="2000" b="0" i="0" dirty="0">
+                <a:effectLst/>
+                <a:latin typeface="fkGroteskNeue"/>
+              </a:rPr>
+              <a:t>8</a:t>
+            </a:r>
+            <a:r>
+              <a:rPr lang="ja-JP" altLang="en-US" sz="2000" b="0" i="0" dirty="0">
+                <a:effectLst/>
+                <a:latin typeface="fkGroteskNeue"/>
+              </a:rPr>
+              <a:t>文字以上、記号含む）</a:t>
+            </a:r>
+            <a:endParaRPr lang="en-US" altLang="ja-JP" sz="2000" b="0" i="0" dirty="0">
+              <a:effectLst/>
+              <a:latin typeface="fkGroteskNeue"/>
+            </a:endParaRPr>
+          </a:p>
+          <a:p>
+            <a:pPr algn="l"/>
+            <a:r>
+              <a:rPr lang="ja-JP" altLang="en-US" sz="2000" b="0" i="0" dirty="0">
+                <a:effectLst/>
+                <a:latin typeface="fkGroteskNeue"/>
+              </a:rPr>
+              <a:t>変更ボタン：変更ボタンを押すとユーザー</a:t>
+            </a:r>
+            <a:r>
+              <a:rPr lang="en-US" altLang="ja-JP" sz="2000" b="0" i="0" dirty="0">
+                <a:effectLst/>
+                <a:latin typeface="fkGroteskNeue"/>
+              </a:rPr>
+              <a:t>ID</a:t>
+            </a:r>
+            <a:r>
+              <a:rPr lang="ja-JP" altLang="en-US" sz="2000" b="0" i="0" dirty="0">
+                <a:effectLst/>
+                <a:latin typeface="fkGroteskNeue"/>
+              </a:rPr>
+              <a:t>とパスワードの変更ができる</a:t>
+            </a:r>
+          </a:p>
+          <a:p>
+            <a:pPr algn="l"/>
+            <a:r>
+              <a:rPr lang="ja-JP" altLang="en-US" sz="2000" b="0" i="0" dirty="0">
+                <a:effectLst/>
+                <a:latin typeface="fkGroteskNeue"/>
+              </a:rPr>
+              <a:t>エラー時：入力漏れや不正な</a:t>
+            </a:r>
+            <a:r>
+              <a:rPr lang="en-US" altLang="ja-JP" sz="2000" b="0" i="0" dirty="0">
+                <a:effectLst/>
+                <a:latin typeface="fkGroteskNeue"/>
+              </a:rPr>
+              <a:t>ID</a:t>
+            </a:r>
+            <a:r>
+              <a:rPr lang="ja-JP" altLang="en-US" sz="2000" b="0" i="0" dirty="0">
+                <a:effectLst/>
+                <a:latin typeface="fkGroteskNeue"/>
+              </a:rPr>
+              <a:t>の場合はエラーメッセージを表示</a:t>
+            </a:r>
+          </a:p>
+          <a:p>
+            <a:pPr algn="l"/>
+            <a:r>
+              <a:rPr lang="ja-JP" altLang="en-US" sz="2000" b="0" i="0" dirty="0">
+                <a:effectLst/>
+                <a:latin typeface="fkGroteskNeue"/>
+              </a:rPr>
+              <a:t>操作後：変更が出来たら変更出来たというメッセージを表示する、失敗ならエラー表示</a:t>
+            </a:r>
+          </a:p>
+          <a:p>
+            <a:endParaRPr kumimoji="1" lang="ja-JP" altLang="en-US" dirty="0">
+              <a:latin typeface="ＭＳ ゴシック" panose="020B0609070205080204" pitchFamily="49" charset="-128"/>
+              <a:ea typeface="ＭＳ ゴシック" panose="020B0609070205080204" pitchFamily="49" charset="-128"/>
+            </a:endParaRPr>
+          </a:p>
+        </p:txBody>
+      </p:sp>
+    </p:spTree>
+    <p:extLst>
+      <p:ext uri="{BB962C8B-B14F-4D97-AF65-F5344CB8AC3E}">
+        <p14:creationId xmlns:p14="http://schemas.microsoft.com/office/powerpoint/2010/main" val="876100504"/>
+      </p:ext>
+    </p:extLst>
+  </p:cSld>
+  <p:clrMapOvr>
+    <a:masterClrMapping/>
+  </p:clrMapOvr>
+</p:sld>
+</file>
+
+<file path=ppt/slides/slide11.xml><?xml version="1.0" encoding="utf-8"?>
+<p:sld xmlns:a="http://schemas.openxmlformats.org/drawingml/2006/main" xmlns:r="http://schemas.openxmlformats.org/officeDocument/2006/relationships" xmlns:p="http://schemas.openxmlformats.org/presentationml/2006/main">
+  <p:cSld>
+    <p:spTree>
+      <p:nvGrpSpPr>
+        <p:cNvPr id="1" name="">
+          <a:extLst>
+            <a:ext uri="{FF2B5EF4-FFF2-40B4-BE49-F238E27FC236}">
               <a16:creationId xmlns:a16="http://schemas.microsoft.com/office/drawing/2014/main" id="{E910D1CE-2907-FEB1-F85A-6F10FFAA7A72}"/>
             </a:ext>
           </a:extLst>
@@ -4999,6 +5271,141 @@
         <p:cNvPr id="1" name="">
           <a:extLst>
             <a:ext uri="{FF2B5EF4-FFF2-40B4-BE49-F238E27FC236}">
+              <a16:creationId xmlns:a16="http://schemas.microsoft.com/office/drawing/2014/main" id="{8A00D6DE-3D6B-67FB-1EF3-F2A9AC77E783}"/>
+            </a:ext>
+          </a:extLst>
+        </p:cNvPr>
+        <p:cNvGrpSpPr/>
+        <p:nvPr/>
+      </p:nvGrpSpPr>
+      <p:grpSpPr>
+        <a:xfrm>
+          <a:off x="0" y="0"/>
+          <a:ext cx="0" cy="0"/>
+          <a:chOff x="0" y="0"/>
+          <a:chExt cx="0" cy="0"/>
+        </a:xfrm>
+      </p:grpSpPr>
+      <p:sp>
+        <p:nvSpPr>
+          <p:cNvPr id="2" name="タイトル 1">
+            <a:extLst>
+              <a:ext uri="{FF2B5EF4-FFF2-40B4-BE49-F238E27FC236}">
+                <a16:creationId xmlns:a16="http://schemas.microsoft.com/office/drawing/2014/main" id="{64816B42-702B-C823-462B-BCC8759F5BE1}"/>
+              </a:ext>
+            </a:extLst>
+          </p:cNvPr>
+          <p:cNvSpPr>
+            <a:spLocks noGrp="1"/>
+          </p:cNvSpPr>
+          <p:nvPr>
+            <p:ph type="title"/>
+          </p:nvPr>
+        </p:nvSpPr>
+        <p:spPr>
+          <a:xfrm>
+            <a:off x="791307" y="317814"/>
+            <a:ext cx="10779369" cy="1700784"/>
+          </a:xfrm>
+        </p:spPr>
+        <p:txBody>
+          <a:bodyPr/>
+          <a:lstStyle/>
+          <a:p>
+            <a:r>
+              <a:rPr kumimoji="1" lang="ja-JP" altLang="en-US" dirty="0"/>
+              <a:t>メモ（アプリのアイディア）</a:t>
+            </a:r>
+          </a:p>
+        </p:txBody>
+      </p:sp>
+      <p:sp>
+        <p:nvSpPr>
+          <p:cNvPr id="3" name="コンテンツ プレースホルダー 2">
+            <a:extLst>
+              <a:ext uri="{FF2B5EF4-FFF2-40B4-BE49-F238E27FC236}">
+                <a16:creationId xmlns:a16="http://schemas.microsoft.com/office/drawing/2014/main" id="{F97E72BA-324D-3D18-8DDE-C32C4942D624}"/>
+              </a:ext>
+            </a:extLst>
+          </p:cNvPr>
+          <p:cNvSpPr>
+            <a:spLocks noGrp="1"/>
+          </p:cNvSpPr>
+          <p:nvPr>
+            <p:ph idx="1"/>
+          </p:nvPr>
+        </p:nvSpPr>
+        <p:spPr>
+          <a:xfrm>
+            <a:off x="960120" y="2321169"/>
+            <a:ext cx="10268712" cy="4536831"/>
+          </a:xfrm>
+        </p:spPr>
+        <p:txBody>
+          <a:bodyPr/>
+          <a:lstStyle/>
+          <a:p>
+            <a:r>
+              <a:rPr kumimoji="1" lang="ja-JP" altLang="en-US" sz="3600" b="1" dirty="0">
+                <a:latin typeface="ＭＳ ゴシック" panose="020B0609070205080204" pitchFamily="49" charset="-128"/>
+                <a:ea typeface="ＭＳ ゴシック" panose="020B0609070205080204" pitchFamily="49" charset="-128"/>
+              </a:rPr>
+              <a:t>案１．豆知識か雑学か判断するクイズアプリ</a:t>
+            </a:r>
+            <a:endParaRPr kumimoji="1" lang="en-US" altLang="ja-JP" sz="3600" b="1" dirty="0">
+              <a:latin typeface="ＭＳ ゴシック" panose="020B0609070205080204" pitchFamily="49" charset="-128"/>
+              <a:ea typeface="ＭＳ ゴシック" panose="020B0609070205080204" pitchFamily="49" charset="-128"/>
+            </a:endParaRPr>
+          </a:p>
+          <a:p>
+            <a:r>
+              <a:rPr kumimoji="1" lang="ja-JP" altLang="en-US" sz="3600" b="1" dirty="0">
+                <a:latin typeface="ＭＳ ゴシック" panose="020B0609070205080204" pitchFamily="49" charset="-128"/>
+                <a:ea typeface="ＭＳ ゴシック" panose="020B0609070205080204" pitchFamily="49" charset="-128"/>
+              </a:rPr>
+              <a:t>案２</a:t>
+            </a:r>
+            <a:r>
+              <a:rPr kumimoji="1" lang="en-US" altLang="ja-JP" sz="3600" b="1" dirty="0">
+                <a:latin typeface="ＭＳ ゴシック" panose="020B0609070205080204" pitchFamily="49" charset="-128"/>
+                <a:ea typeface="ＭＳ ゴシック" panose="020B0609070205080204" pitchFamily="49" charset="-128"/>
+              </a:rPr>
+              <a:t>.</a:t>
+            </a:r>
+            <a:endParaRPr kumimoji="1" lang="ja-JP" altLang="en-US" sz="3600" b="1" dirty="0">
+              <a:latin typeface="ＭＳ ゴシック" panose="020B0609070205080204" pitchFamily="49" charset="-128"/>
+              <a:ea typeface="ＭＳ ゴシック" panose="020B0609070205080204" pitchFamily="49" charset="-128"/>
+            </a:endParaRPr>
+          </a:p>
+          <a:p>
+            <a:endParaRPr kumimoji="1" lang="ja-JP" altLang="en-US" dirty="0">
+              <a:latin typeface="ＭＳ ゴシック" panose="020B0609070205080204" pitchFamily="49" charset="-128"/>
+              <a:ea typeface="ＭＳ ゴシック" panose="020B0609070205080204" pitchFamily="49" charset="-128"/>
+            </a:endParaRPr>
+          </a:p>
+        </p:txBody>
+      </p:sp>
+    </p:spTree>
+    <p:extLst>
+      <p:ext uri="{BB962C8B-B14F-4D97-AF65-F5344CB8AC3E}">
+        <p14:creationId xmlns:p14="http://schemas.microsoft.com/office/powerpoint/2010/main" val="1076528430"/>
+      </p:ext>
+    </p:extLst>
+  </p:cSld>
+  <p:clrMapOvr>
+    <a:masterClrMapping/>
+  </p:clrMapOvr>
+</p:sld>
+</file>
+
+<file path=ppt/slides/slide7.xml><?xml version="1.0" encoding="utf-8"?>
+<p:sld xmlns:a="http://schemas.openxmlformats.org/drawingml/2006/main" xmlns:r="http://schemas.openxmlformats.org/officeDocument/2006/relationships" xmlns:p="http://schemas.openxmlformats.org/presentationml/2006/main">
+  <p:cSld>
+    <p:spTree>
+      <p:nvGrpSpPr>
+        <p:cNvPr id="1" name="">
+          <a:extLst>
+            <a:ext uri="{FF2B5EF4-FFF2-40B4-BE49-F238E27FC236}">
               <a16:creationId xmlns:a16="http://schemas.microsoft.com/office/drawing/2014/main" id="{D3887894-AA1E-B547-F69E-0B83D1E79D7D}"/>
             </a:ext>
           </a:extLst>
@@ -5214,7 +5621,7 @@
 </p:sld>
 </file>
 
-<file path=ppt/slides/slide7.xml><?xml version="1.0" encoding="utf-8"?>
+<file path=ppt/slides/slide8.xml><?xml version="1.0" encoding="utf-8"?>
 <p:sld xmlns:a="http://schemas.openxmlformats.org/drawingml/2006/main" xmlns:r="http://schemas.openxmlformats.org/officeDocument/2006/relationships" xmlns:p="http://schemas.openxmlformats.org/presentationml/2006/main">
   <p:cSld>
     <p:spTree>
@@ -5435,7 +5842,7 @@
 </p:sld>
 </file>
 
-<file path=ppt/slides/slide8.xml><?xml version="1.0" encoding="utf-8"?>
+<file path=ppt/slides/slide9.xml><?xml version="1.0" encoding="utf-8"?>
 <p:sld xmlns:a="http://schemas.openxmlformats.org/drawingml/2006/main" xmlns:r="http://schemas.openxmlformats.org/officeDocument/2006/relationships" xmlns:p="http://schemas.openxmlformats.org/presentationml/2006/main">
   <p:cSld>
     <p:spTree>
@@ -5513,39 +5920,50 @@
           <a:lstStyle/>
           <a:p>
             <a:r>
-              <a:rPr lang="en-US" altLang="ja-JP" b="1" i="0" dirty="0">
-                <a:effectLst/>
-                <a:latin typeface="-apple-system"/>
-              </a:rPr>
-              <a:t>5/7 firebase</a:t>
-            </a:r>
-            <a:r>
-              <a:rPr lang="ja-JP" altLang="en-US" b="1" i="0" dirty="0">
-                <a:effectLst/>
-                <a:latin typeface="-apple-system"/>
-              </a:rPr>
-              <a:t>と</a:t>
-            </a:r>
-            <a:r>
-              <a:rPr lang="en-US" altLang="ja-JP" b="1" i="0" dirty="0">
-                <a:effectLst/>
-                <a:latin typeface="-apple-system"/>
-              </a:rPr>
-              <a:t>flutter</a:t>
-            </a:r>
-            <a:r>
-              <a:rPr lang="ja-JP" altLang="en-US" b="1" i="0" dirty="0">
-                <a:effectLst/>
-                <a:latin typeface="-apple-system"/>
-              </a:rPr>
-              <a:t>の連携のところを行って</a:t>
-            </a:r>
-            <a:r>
-              <a:rPr lang="ja-JP" altLang="en-US" b="1" i="0">
-                <a:effectLst/>
-                <a:latin typeface="-apple-system"/>
-              </a:rPr>
-              <a:t>いる。</a:t>
+              <a:rPr lang="ja-JP" altLang="en-US" dirty="0">
+                <a:latin typeface="ＭＳ ゴシック" panose="020B0609070205080204" pitchFamily="49" charset="-128"/>
+                <a:ea typeface="ＭＳ ゴシック" panose="020B0609070205080204" pitchFamily="49" charset="-128"/>
+              </a:rPr>
+              <a:t>参考</a:t>
+            </a:r>
+            <a:r>
+              <a:rPr lang="en-US" altLang="ja-JP" dirty="0">
+                <a:latin typeface="ＭＳ ゴシック" panose="020B0609070205080204" pitchFamily="49" charset="-128"/>
+                <a:ea typeface="ＭＳ ゴシック" panose="020B0609070205080204" pitchFamily="49" charset="-128"/>
+              </a:rPr>
+              <a:t>URL</a:t>
+            </a:r>
+          </a:p>
+          <a:p>
+            <a:r>
+              <a:rPr lang="ja-JP" altLang="en-US" dirty="0">
+                <a:hlinkClick r:id="rId2"/>
+              </a:rPr>
+              <a:t>　</a:t>
+            </a:r>
+            <a:r>
+              <a:rPr lang="en-US" altLang="ja-JP" dirty="0">
+                <a:hlinkClick r:id="rId2"/>
+              </a:rPr>
+              <a:t>01.Firebase</a:t>
+            </a:r>
+            <a:r>
+              <a:rPr lang="ja-JP" altLang="en-US" dirty="0">
+                <a:hlinkClick r:id="rId2"/>
+              </a:rPr>
+              <a:t>の概要｜</a:t>
+            </a:r>
+            <a:r>
+              <a:rPr lang="en-US" altLang="ja-JP" dirty="0">
+                <a:hlinkClick r:id="rId2"/>
+              </a:rPr>
+              <a:t>Flutter</a:t>
+            </a:r>
+            <a:r>
+              <a:rPr lang="ja-JP" altLang="en-US" dirty="0">
+                <a:hlinkClick r:id="rId2"/>
+              </a:rPr>
+              <a:t>実践入門</a:t>
             </a:r>
             <a:endParaRPr lang="en-US" altLang="ja-JP" b="1" i="0" dirty="0">
               <a:effectLst/>
@@ -5553,6 +5971,73 @@
             </a:endParaRPr>
           </a:p>
           <a:p>
+            <a:r>
+              <a:rPr lang="en-US" altLang="ja-JP" b="1" i="0" dirty="0">
+                <a:effectLst/>
+                <a:latin typeface="-apple-system"/>
+              </a:rPr>
+              <a:t>5/7 firebase</a:t>
+            </a:r>
+            <a:r>
+              <a:rPr lang="ja-JP" altLang="en-US" b="1" i="0" dirty="0">
+                <a:effectLst/>
+                <a:latin typeface="-apple-system"/>
+              </a:rPr>
+              <a:t>と</a:t>
+            </a:r>
+            <a:r>
+              <a:rPr lang="en-US" altLang="ja-JP" b="1" i="0" dirty="0">
+                <a:effectLst/>
+                <a:latin typeface="-apple-system"/>
+              </a:rPr>
+              <a:t>flutter</a:t>
+            </a:r>
+            <a:r>
+              <a:rPr lang="ja-JP" altLang="en-US" b="1" i="0" dirty="0">
+                <a:effectLst/>
+                <a:latin typeface="-apple-system"/>
+              </a:rPr>
+              <a:t>の連携のところを行っている。</a:t>
+            </a:r>
+            <a:endParaRPr lang="en-US" altLang="ja-JP" b="1" dirty="0">
+              <a:latin typeface="-apple-system"/>
+            </a:endParaRPr>
+          </a:p>
+          <a:p>
+            <a:r>
+              <a:rPr lang="en-US" altLang="ja-JP" b="1" i="0" dirty="0">
+                <a:effectLst/>
+                <a:latin typeface="-apple-system"/>
+              </a:rPr>
+              <a:t>Firebase</a:t>
+            </a:r>
+            <a:r>
+              <a:rPr lang="ja-JP" altLang="en-US" b="1" i="0" dirty="0">
+                <a:effectLst/>
+                <a:latin typeface="-apple-system"/>
+              </a:rPr>
+              <a:t>と</a:t>
+            </a:r>
+            <a:r>
+              <a:rPr lang="en-US" altLang="ja-JP" b="1" i="0" dirty="0">
+                <a:effectLst/>
+                <a:latin typeface="-apple-system"/>
+              </a:rPr>
+              <a:t>flutter</a:t>
+            </a:r>
+            <a:r>
+              <a:rPr lang="ja-JP" altLang="en-US" b="1" i="0" dirty="0">
+                <a:effectLst/>
+                <a:latin typeface="-apple-system"/>
+              </a:rPr>
+              <a:t>を連携させるところまではできた。</a:t>
+            </a:r>
+            <a:endParaRPr lang="en-US" altLang="ja-JP" b="1" i="0" dirty="0">
+              <a:effectLst/>
+              <a:latin typeface="-apple-system"/>
+            </a:endParaRPr>
+          </a:p>
+          <a:p>
             <a:endParaRPr kumimoji="1" lang="ja-JP" altLang="en-US" dirty="0">
               <a:latin typeface="ＭＳ ゴシック" panose="020B0609070205080204" pitchFamily="49" charset="-128"/>
               <a:ea typeface="ＭＳ ゴシック" panose="020B0609070205080204" pitchFamily="49" charset="-128"/>
@@ -5564,277 +6049,6 @@
     <p:extLst>
       <p:ext uri="{BB962C8B-B14F-4D97-AF65-F5344CB8AC3E}">
         <p14:creationId xmlns:p14="http://schemas.microsoft.com/office/powerpoint/2010/main" val="3848398883"/>
-      </p:ext>
-    </p:extLst>
-  </p:cSld>
-  <p:clrMapOvr>
-    <a:masterClrMapping/>
-  </p:clrMapOvr>
-</p:sld>
-</file>
-
-<file path=ppt/slides/slide9.xml><?xml version="1.0" encoding="utf-8"?>
-<p:sld xmlns:a="http://schemas.openxmlformats.org/drawingml/2006/main" xmlns:r="http://schemas.openxmlformats.org/officeDocument/2006/relationships" xmlns:p="http://schemas.openxmlformats.org/presentationml/2006/main">
-  <p:cSld>
-    <p:spTree>
-      <p:nvGrpSpPr>
-        <p:cNvPr id="1" name="">
-          <a:extLst>
-            <a:ext uri="{FF2B5EF4-FFF2-40B4-BE49-F238E27FC236}">
-              <a16:creationId xmlns:a16="http://schemas.microsoft.com/office/drawing/2014/main" id="{7447B179-C4A1-F359-DBB2-E8195E8C2AD4}"/>
-            </a:ext>
-          </a:extLst>
-        </p:cNvPr>
-        <p:cNvGrpSpPr/>
-        <p:nvPr/>
-      </p:nvGrpSpPr>
-      <p:grpSpPr>
-        <a:xfrm>
-          <a:off x="0" y="0"/>
-          <a:ext cx="0" cy="0"/>
-          <a:chOff x="0" y="0"/>
-          <a:chExt cx="0" cy="0"/>
-        </a:xfrm>
-      </p:grpSpPr>
-      <p:sp>
-        <p:nvSpPr>
-          <p:cNvPr id="2" name="タイトル 1">
-            <a:extLst>
-              <a:ext uri="{FF2B5EF4-FFF2-40B4-BE49-F238E27FC236}">
-                <a16:creationId xmlns:a16="http://schemas.microsoft.com/office/drawing/2014/main" id="{8417AA28-7871-ED17-744C-4B186BBE5F56}"/>
-              </a:ext>
-            </a:extLst>
-          </p:cNvPr>
-          <p:cNvSpPr>
-            <a:spLocks noGrp="1"/>
-          </p:cNvSpPr>
-          <p:nvPr>
-            <p:ph type="title"/>
-          </p:nvPr>
-        </p:nvSpPr>
-        <p:spPr/>
-        <p:txBody>
-          <a:bodyPr/>
-          <a:lstStyle/>
-          <a:p>
-            <a:r>
-              <a:rPr kumimoji="1" lang="ja-JP" altLang="en-US" dirty="0"/>
-              <a:t>仕様のアイディア（メモ）</a:t>
-            </a:r>
-          </a:p>
-        </p:txBody>
-      </p:sp>
-      <p:sp>
-        <p:nvSpPr>
-          <p:cNvPr id="3" name="コンテンツ プレースホルダー 2">
-            <a:extLst>
-              <a:ext uri="{FF2B5EF4-FFF2-40B4-BE49-F238E27FC236}">
-                <a16:creationId xmlns:a16="http://schemas.microsoft.com/office/drawing/2014/main" id="{796B572A-57DF-55C2-7884-709E673E4978}"/>
-              </a:ext>
-            </a:extLst>
-          </p:cNvPr>
-          <p:cNvSpPr>
-            <a:spLocks noGrp="1"/>
-          </p:cNvSpPr>
-          <p:nvPr>
-            <p:ph idx="1"/>
-          </p:nvPr>
-        </p:nvSpPr>
-        <p:spPr>
-          <a:xfrm>
-            <a:off x="961643" y="2589863"/>
-            <a:ext cx="10521111" cy="3938954"/>
-          </a:xfrm>
-        </p:spPr>
-        <p:txBody>
-          <a:bodyPr/>
-          <a:lstStyle/>
-          <a:p>
-            <a:r>
-              <a:rPr kumimoji="1" lang="ja-JP" altLang="en-US" sz="2000" dirty="0">
-                <a:latin typeface="ＭＳ ゴシック" panose="020B0609070205080204" pitchFamily="49" charset="-128"/>
-                <a:ea typeface="ＭＳ ゴシック" panose="020B0609070205080204" pitchFamily="49" charset="-128"/>
-              </a:rPr>
-              <a:t>マイページ画面</a:t>
-            </a:r>
-            <a:endParaRPr kumimoji="1" lang="en-US" altLang="ja-JP" sz="2000" dirty="0">
-              <a:latin typeface="ＭＳ ゴシック" panose="020B0609070205080204" pitchFamily="49" charset="-128"/>
-              <a:ea typeface="ＭＳ ゴシック" panose="020B0609070205080204" pitchFamily="49" charset="-128"/>
-            </a:endParaRPr>
-          </a:p>
-          <a:p>
-            <a:r>
-              <a:rPr kumimoji="1" lang="ja-JP" altLang="en-US" sz="2000" dirty="0">
-                <a:latin typeface="ＭＳ ゴシック" panose="020B0609070205080204" pitchFamily="49" charset="-128"/>
-                <a:ea typeface="ＭＳ ゴシック" panose="020B0609070205080204" pitchFamily="49" charset="-128"/>
-              </a:rPr>
-              <a:t>ユーザー</a:t>
-            </a:r>
-            <a:r>
-              <a:rPr kumimoji="1" lang="en-US" altLang="ja-JP" sz="2000" dirty="0">
-                <a:latin typeface="ＭＳ ゴシック" panose="020B0609070205080204" pitchFamily="49" charset="-128"/>
-                <a:ea typeface="ＭＳ ゴシック" panose="020B0609070205080204" pitchFamily="49" charset="-128"/>
-              </a:rPr>
-              <a:t>ID</a:t>
-            </a:r>
-            <a:r>
-              <a:rPr kumimoji="1" lang="ja-JP" altLang="en-US" sz="2000" dirty="0">
-                <a:latin typeface="ＭＳ ゴシック" panose="020B0609070205080204" pitchFamily="49" charset="-128"/>
-                <a:ea typeface="ＭＳ ゴシック" panose="020B0609070205080204" pitchFamily="49" charset="-128"/>
-              </a:rPr>
-              <a:t>とパスワードの情報を表示、変更できる</a:t>
-            </a:r>
-            <a:endParaRPr kumimoji="1" lang="en-US" altLang="ja-JP" sz="2000" dirty="0">
-              <a:latin typeface="ＭＳ ゴシック" panose="020B0609070205080204" pitchFamily="49" charset="-128"/>
-              <a:ea typeface="ＭＳ ゴシック" panose="020B0609070205080204" pitchFamily="49" charset="-128"/>
-            </a:endParaRPr>
-          </a:p>
-          <a:p>
-            <a:pPr algn="l"/>
-            <a:r>
-              <a:rPr lang="ja-JP" altLang="en-US" sz="2000" b="0" i="0" dirty="0">
-                <a:effectLst/>
-                <a:latin typeface="fkGroteskNeue"/>
-              </a:rPr>
-              <a:t>入力項目：ユーザー</a:t>
-            </a:r>
-            <a:r>
-              <a:rPr lang="en-US" altLang="ja-JP" sz="2000" b="0" i="0" dirty="0">
-                <a:effectLst/>
-                <a:latin typeface="fkGroteskNeue"/>
-              </a:rPr>
-              <a:t>ID</a:t>
-            </a:r>
-            <a:r>
-              <a:rPr lang="ja-JP" altLang="en-US" sz="2000" b="0" i="0" dirty="0">
-                <a:effectLst/>
-                <a:latin typeface="fkGroteskNeue"/>
-              </a:rPr>
-              <a:t>（半角英数字</a:t>
-            </a:r>
-            <a:r>
-              <a:rPr lang="en-US" altLang="ja-JP" sz="2000" b="0" i="0" dirty="0">
-                <a:effectLst/>
-                <a:latin typeface="fkGroteskNeue"/>
-              </a:rPr>
-              <a:t>20</a:t>
-            </a:r>
-            <a:r>
-              <a:rPr lang="ja-JP" altLang="en-US" sz="2000" b="0" i="0" dirty="0">
-                <a:effectLst/>
-                <a:latin typeface="fkGroteskNeue"/>
-              </a:rPr>
-              <a:t>文字以内）</a:t>
-            </a:r>
-            <a:endParaRPr lang="en-US" altLang="ja-JP" sz="2000" b="0" i="0" dirty="0">
-              <a:effectLst/>
-              <a:latin typeface="fkGroteskNeue"/>
-            </a:endParaRPr>
-          </a:p>
-          <a:p>
-            <a:pPr algn="l"/>
-            <a:r>
-              <a:rPr lang="ja-JP" altLang="en-US" sz="2000" dirty="0">
-                <a:latin typeface="fkGroteskNeue"/>
-              </a:rPr>
-              <a:t>　　　　　</a:t>
-            </a:r>
-            <a:r>
-              <a:rPr lang="ja-JP" altLang="en-US" sz="2000" b="0" i="0" dirty="0">
-                <a:effectLst/>
-                <a:latin typeface="fkGroteskNeue"/>
-              </a:rPr>
-              <a:t>パスワード（</a:t>
-            </a:r>
-            <a:r>
-              <a:rPr lang="en-US" altLang="ja-JP" sz="2000" b="0" i="0" dirty="0">
-                <a:effectLst/>
-                <a:latin typeface="fkGroteskNeue"/>
-              </a:rPr>
-              <a:t>8</a:t>
-            </a:r>
-            <a:r>
-              <a:rPr lang="ja-JP" altLang="en-US" sz="2000" b="0" i="0" dirty="0">
-                <a:effectLst/>
-                <a:latin typeface="fkGroteskNeue"/>
-              </a:rPr>
-              <a:t>文字以上、記号含む）</a:t>
-            </a:r>
-            <a:endParaRPr lang="en-US" altLang="ja-JP" sz="2000" b="0" i="0" dirty="0">
-              <a:effectLst/>
-              <a:latin typeface="fkGroteskNeue"/>
-            </a:endParaRPr>
-          </a:p>
-          <a:p>
-            <a:pPr algn="l"/>
-            <a:r>
-              <a:rPr lang="ja-JP" altLang="en-US" sz="2000" b="0" i="0" dirty="0">
-                <a:effectLst/>
-                <a:latin typeface="fkGroteskNeue"/>
-              </a:rPr>
-              <a:t>変更ボタン：変更ボタンを押すとユーザー</a:t>
-            </a:r>
-            <a:r>
-              <a:rPr lang="en-US" altLang="ja-JP" sz="2000" b="0" i="0" dirty="0">
-                <a:effectLst/>
-                <a:latin typeface="fkGroteskNeue"/>
-              </a:rPr>
-              <a:t>ID</a:t>
-            </a:r>
-            <a:r>
-              <a:rPr lang="ja-JP" altLang="en-US" sz="2000" b="0" i="0" dirty="0">
-                <a:effectLst/>
-                <a:latin typeface="fkGroteskNeue"/>
-              </a:rPr>
-              <a:t>とパスワードの変更ができる</a:t>
-            </a:r>
-          </a:p>
-          <a:p>
-            <a:pPr algn="l"/>
-            <a:r>
-              <a:rPr lang="ja-JP" altLang="en-US" sz="2000" b="0" i="0" dirty="0">
-                <a:effectLst/>
-                <a:latin typeface="fkGroteskNeue"/>
-              </a:rPr>
-              <a:t>エラー時：入力漏れや不正な</a:t>
-            </a:r>
-            <a:r>
-              <a:rPr lang="en-US" altLang="ja-JP" sz="2000" b="0" i="0" dirty="0">
-                <a:effectLst/>
-                <a:latin typeface="fkGroteskNeue"/>
-              </a:rPr>
-              <a:t>ID</a:t>
-            </a:r>
-            <a:r>
-              <a:rPr lang="ja-JP" altLang="en-US" sz="2000" b="0" i="0" dirty="0">
-                <a:effectLst/>
-                <a:latin typeface="fkGroteskNeue"/>
-              </a:rPr>
-              <a:t>の場合はエラーメッセージを表示</a:t>
-            </a:r>
-          </a:p>
-          <a:p>
-            <a:pPr algn="l"/>
-            <a:r>
-              <a:rPr lang="ja-JP" altLang="en-US" sz="2000" b="0" i="0" dirty="0">
-                <a:effectLst/>
-                <a:latin typeface="fkGroteskNeue"/>
-              </a:rPr>
-              <a:t>操作後：変更が出来たら変更出来たというメッセージを表示する、失敗ならエラー表示</a:t>
-            </a:r>
-          </a:p>
-          <a:p>
-            <a:endParaRPr kumimoji="1" lang="ja-JP" altLang="en-US" dirty="0">
-              <a:latin typeface="ＭＳ ゴシック" panose="020B0609070205080204" pitchFamily="49" charset="-128"/>
-              <a:ea typeface="ＭＳ ゴシック" panose="020B0609070205080204" pitchFamily="49" charset="-128"/>
-            </a:endParaRPr>
-          </a:p>
-        </p:txBody>
-      </p:sp>
-    </p:spTree>
-    <p:extLst>
-      <p:ext uri="{BB962C8B-B14F-4D97-AF65-F5344CB8AC3E}">
-        <p14:creationId xmlns:p14="http://schemas.microsoft.com/office/powerpoint/2010/main" val="876100504"/>
       </p:ext>
     </p:extLst>
   </p:cSld>

--- a/Flutterの制作仕様書・アイディア（メモ）.pptx
+++ b/Flutterの制作仕様書・アイディア（メモ）.pptx
@@ -342,7 +342,7 @@
             <a:fld id="{A37D6D71-8B28-4ED6-B932-04B197003D23}" type="datetimeFigureOut">
               <a:rPr lang="en-US" smtClean="0"/>
               <a:pPr algn="r"/>
-              <a:t>5/7/2025</a:t>
+              <a:t>5/14/2025</a:t>
             </a:fld>
             <a:endParaRPr lang="en-US" dirty="0"/>
           </a:p>
@@ -564,7 +564,7 @@
             <a:fld id="{A37D6D71-8B28-4ED6-B932-04B197003D23}" type="datetimeFigureOut">
               <a:rPr lang="en-US" smtClean="0"/>
               <a:pPr algn="r"/>
-              <a:t>5/7/2025</a:t>
+              <a:t>5/14/2025</a:t>
             </a:fld>
             <a:endParaRPr lang="en-US" dirty="0"/>
           </a:p>
@@ -847,7 +847,7 @@
             <a:fld id="{A37D6D71-8B28-4ED6-B932-04B197003D23}" type="datetimeFigureOut">
               <a:rPr lang="en-US" smtClean="0"/>
               <a:pPr algn="r"/>
-              <a:t>5/7/2025</a:t>
+              <a:t>5/14/2025</a:t>
             </a:fld>
             <a:endParaRPr lang="en-US" dirty="0"/>
           </a:p>
@@ -1061,7 +1061,7 @@
             <a:fld id="{A37D6D71-8B28-4ED6-B932-04B197003D23}" type="datetimeFigureOut">
               <a:rPr lang="en-US" smtClean="0"/>
               <a:pPr algn="r"/>
-              <a:t>5/7/2025</a:t>
+              <a:t>5/14/2025</a:t>
             </a:fld>
             <a:endParaRPr lang="en-US" dirty="0"/>
           </a:p>
@@ -1399,7 +1399,7 @@
             <a:fld id="{A37D6D71-8B28-4ED6-B932-04B197003D23}" type="datetimeFigureOut">
               <a:rPr lang="en-US" smtClean="0"/>
               <a:pPr algn="r"/>
-              <a:t>5/7/2025</a:t>
+              <a:t>5/14/2025</a:t>
             </a:fld>
             <a:endParaRPr lang="en-US" dirty="0"/>
           </a:p>
@@ -1674,7 +1674,7 @@
             <a:fld id="{A37D6D71-8B28-4ED6-B932-04B197003D23}" type="datetimeFigureOut">
               <a:rPr lang="en-US" smtClean="0"/>
               <a:pPr algn="r"/>
-              <a:t>5/7/2025</a:t>
+              <a:t>5/14/2025</a:t>
             </a:fld>
             <a:endParaRPr lang="en-US" dirty="0"/>
           </a:p>
@@ -2063,7 +2063,7 @@
             <a:fld id="{A37D6D71-8B28-4ED6-B932-04B197003D23}" type="datetimeFigureOut">
               <a:rPr lang="en-US" smtClean="0"/>
               <a:pPr algn="r"/>
-              <a:t>5/7/2025</a:t>
+              <a:t>5/14/2025</a:t>
             </a:fld>
             <a:endParaRPr lang="en-US" dirty="0"/>
           </a:p>
@@ -2240,7 +2240,7 @@
             <a:fld id="{A37D6D71-8B28-4ED6-B932-04B197003D23}" type="datetimeFigureOut">
               <a:rPr lang="en-US" smtClean="0"/>
               <a:pPr algn="r"/>
-              <a:t>5/7/2025</a:t>
+              <a:t>5/14/2025</a:t>
             </a:fld>
             <a:endParaRPr lang="en-US" dirty="0"/>
           </a:p>
@@ -2361,7 +2361,7 @@
             <a:fld id="{A37D6D71-8B28-4ED6-B932-04B197003D23}" type="datetimeFigureOut">
               <a:rPr lang="en-US" smtClean="0"/>
               <a:pPr algn="r"/>
-              <a:t>5/7/2025</a:t>
+              <a:t>5/14/2025</a:t>
             </a:fld>
             <a:endParaRPr lang="en-US" dirty="0"/>
           </a:p>
@@ -2646,7 +2646,7 @@
             <a:fld id="{A37D6D71-8B28-4ED6-B932-04B197003D23}" type="datetimeFigureOut">
               <a:rPr lang="en-US" smtClean="0"/>
               <a:pPr algn="r"/>
-              <a:t>5/7/2025</a:t>
+              <a:t>5/14/2025</a:t>
             </a:fld>
             <a:endParaRPr lang="en-US" dirty="0"/>
           </a:p>
@@ -2947,7 +2947,7 @@
             <a:fld id="{A37D6D71-8B28-4ED6-B932-04B197003D23}" type="datetimeFigureOut">
               <a:rPr lang="en-US" smtClean="0"/>
               <a:pPr algn="r"/>
-              <a:t>5/7/2025</a:t>
+              <a:t>5/14/2025</a:t>
             </a:fld>
             <a:endParaRPr lang="en-US" dirty="0"/>
           </a:p>
@@ -3291,7 +3291,7 @@
             <a:fld id="{A37D6D71-8B28-4ED6-B932-04B197003D23}" type="datetimeFigureOut">
               <a:rPr lang="en-US" smtClean="0"/>
               <a:pPr algn="r"/>
-              <a:t>5/7/2025</a:t>
+              <a:t>5/14/2025</a:t>
             </a:fld>
             <a:endParaRPr lang="en-US" spc="50" dirty="0"/>
           </a:p>
@@ -5372,6 +5372,39 @@
               </a:rPr>
               <a:t>.</a:t>
             </a:r>
+            <a:r>
+              <a:rPr kumimoji="1" lang="ja-JP" altLang="en-US" sz="3600" b="1" dirty="0">
+                <a:latin typeface="ＭＳ ゴシック" panose="020B0609070205080204" pitchFamily="49" charset="-128"/>
+                <a:ea typeface="ＭＳ ゴシック" panose="020B0609070205080204" pitchFamily="49" charset="-128"/>
+              </a:rPr>
+              <a:t>マーダーミステリーのクイズアプリ</a:t>
+            </a:r>
+            <a:endParaRPr kumimoji="1" lang="en-US" altLang="ja-JP" sz="3600" b="1" dirty="0">
+              <a:latin typeface="ＭＳ ゴシック" panose="020B0609070205080204" pitchFamily="49" charset="-128"/>
+              <a:ea typeface="ＭＳ ゴシック" panose="020B0609070205080204" pitchFamily="49" charset="-128"/>
+            </a:endParaRPr>
+          </a:p>
+          <a:p>
+            <a:r>
+              <a:rPr kumimoji="1" lang="ja-JP" altLang="en-US" sz="3600" b="1" dirty="0">
+                <a:latin typeface="ＭＳ ゴシック" panose="020B0609070205080204" pitchFamily="49" charset="-128"/>
+                <a:ea typeface="ＭＳ ゴシック" panose="020B0609070205080204" pitchFamily="49" charset="-128"/>
+              </a:rPr>
+              <a:t>今考えているもの</a:t>
+            </a:r>
+            <a:endParaRPr kumimoji="1" lang="en-US" altLang="ja-JP" sz="3600" b="1" dirty="0">
+              <a:latin typeface="ＭＳ ゴシック" panose="020B0609070205080204" pitchFamily="49" charset="-128"/>
+              <a:ea typeface="ＭＳ ゴシック" panose="020B0609070205080204" pitchFamily="49" charset="-128"/>
+            </a:endParaRPr>
+          </a:p>
+          <a:p>
+            <a:r>
+              <a:rPr kumimoji="1" lang="ja-JP" altLang="en-US" sz="3600" b="1">
+                <a:latin typeface="ＭＳ ゴシック" panose="020B0609070205080204" pitchFamily="49" charset="-128"/>
+                <a:ea typeface="ＭＳ ゴシック" panose="020B0609070205080204" pitchFamily="49" charset="-128"/>
+              </a:rPr>
+              <a:t>案２</a:t>
+            </a:r>
             <a:endParaRPr kumimoji="1" lang="ja-JP" altLang="en-US" sz="3600" b="1" dirty="0">
               <a:latin typeface="ＭＳ ゴシック" panose="020B0609070205080204" pitchFamily="49" charset="-128"/>
               <a:ea typeface="ＭＳ ゴシック" panose="020B0609070205080204" pitchFamily="49" charset="-128"/>
@@ -5911,8 +5944,8 @@
         </p:nvSpPr>
         <p:spPr>
           <a:xfrm>
-            <a:off x="961644" y="2589863"/>
-            <a:ext cx="10268712" cy="3938954"/>
+            <a:off x="960120" y="2601232"/>
+            <a:ext cx="10761784" cy="3938954"/>
           </a:xfrm>
         </p:spPr>
         <p:txBody>
@@ -6031,6 +6064,26 @@
                 <a:latin typeface="-apple-system"/>
               </a:rPr>
               <a:t>を連携させるところまではできた。</a:t>
+            </a:r>
+            <a:endParaRPr lang="en-US" altLang="ja-JP" b="1" i="0" dirty="0">
+              <a:effectLst/>
+              <a:latin typeface="-apple-system"/>
+            </a:endParaRPr>
+          </a:p>
+          <a:p>
+            <a:r>
+              <a:rPr lang="en-US" altLang="ja-JP" b="1" i="0" dirty="0">
+                <a:effectLst/>
+                <a:latin typeface="-apple-system"/>
+              </a:rPr>
+              <a:t>5/14firebas</a:t>
+            </a:r>
+            <a:r>
+              <a:rPr lang="ja-JP" altLang="en-US" b="1" i="0" dirty="0">
+                <a:effectLst/>
+                <a:latin typeface="-apple-system"/>
+              </a:rPr>
+              <a:t>を使ってログインのユーザ認証の動作を確認してうまくできたことを確認した。追加したページの雛形が表示される確認</a:t>
             </a:r>
             <a:endParaRPr lang="en-US" altLang="ja-JP" b="1" i="0" dirty="0">
               <a:effectLst/>

--- a/Flutterの制作仕様書・アイディア（メモ）.pptx
+++ b/Flutterの制作仕様書・アイディア（メモ）.pptx
@@ -11,11 +11,16 @@
     <p:sldId id="259" r:id="rId5"/>
     <p:sldId id="260" r:id="rId6"/>
     <p:sldId id="266" r:id="rId7"/>
-    <p:sldId id="261" r:id="rId8"/>
-    <p:sldId id="264" r:id="rId9"/>
-    <p:sldId id="265" r:id="rId10"/>
-    <p:sldId id="262" r:id="rId11"/>
-    <p:sldId id="263" r:id="rId12"/>
+    <p:sldId id="268" r:id="rId8"/>
+    <p:sldId id="269" r:id="rId9"/>
+    <p:sldId id="270" r:id="rId10"/>
+    <p:sldId id="271" r:id="rId11"/>
+    <p:sldId id="261" r:id="rId12"/>
+    <p:sldId id="264" r:id="rId13"/>
+    <p:sldId id="265" r:id="rId14"/>
+    <p:sldId id="267" r:id="rId15"/>
+    <p:sldId id="262" r:id="rId16"/>
+    <p:sldId id="263" r:id="rId17"/>
   </p:sldIdLst>
   <p:sldSz cx="12192000" cy="6858000"/>
   <p:notesSz cx="6858000" cy="9144000"/>
@@ -342,7 +347,7 @@
             <a:fld id="{A37D6D71-8B28-4ED6-B932-04B197003D23}" type="datetimeFigureOut">
               <a:rPr lang="en-US" smtClean="0"/>
               <a:pPr algn="r"/>
-              <a:t>5/14/2025</a:t>
+              <a:t>5/21/2025</a:t>
             </a:fld>
             <a:endParaRPr lang="en-US" dirty="0"/>
           </a:p>
@@ -564,7 +569,7 @@
             <a:fld id="{A37D6D71-8B28-4ED6-B932-04B197003D23}" type="datetimeFigureOut">
               <a:rPr lang="en-US" smtClean="0"/>
               <a:pPr algn="r"/>
-              <a:t>5/14/2025</a:t>
+              <a:t>5/21/2025</a:t>
             </a:fld>
             <a:endParaRPr lang="en-US" dirty="0"/>
           </a:p>
@@ -847,7 +852,7 @@
             <a:fld id="{A37D6D71-8B28-4ED6-B932-04B197003D23}" type="datetimeFigureOut">
               <a:rPr lang="en-US" smtClean="0"/>
               <a:pPr algn="r"/>
-              <a:t>5/14/2025</a:t>
+              <a:t>5/21/2025</a:t>
             </a:fld>
             <a:endParaRPr lang="en-US" dirty="0"/>
           </a:p>
@@ -1061,7 +1066,7 @@
             <a:fld id="{A37D6D71-8B28-4ED6-B932-04B197003D23}" type="datetimeFigureOut">
               <a:rPr lang="en-US" smtClean="0"/>
               <a:pPr algn="r"/>
-              <a:t>5/14/2025</a:t>
+              <a:t>5/21/2025</a:t>
             </a:fld>
             <a:endParaRPr lang="en-US" dirty="0"/>
           </a:p>
@@ -1399,7 +1404,7 @@
             <a:fld id="{A37D6D71-8B28-4ED6-B932-04B197003D23}" type="datetimeFigureOut">
               <a:rPr lang="en-US" smtClean="0"/>
               <a:pPr algn="r"/>
-              <a:t>5/14/2025</a:t>
+              <a:t>5/21/2025</a:t>
             </a:fld>
             <a:endParaRPr lang="en-US" dirty="0"/>
           </a:p>
@@ -1674,7 +1679,7 @@
             <a:fld id="{A37D6D71-8B28-4ED6-B932-04B197003D23}" type="datetimeFigureOut">
               <a:rPr lang="en-US" smtClean="0"/>
               <a:pPr algn="r"/>
-              <a:t>5/14/2025</a:t>
+              <a:t>5/21/2025</a:t>
             </a:fld>
             <a:endParaRPr lang="en-US" dirty="0"/>
           </a:p>
@@ -2063,7 +2068,7 @@
             <a:fld id="{A37D6D71-8B28-4ED6-B932-04B197003D23}" type="datetimeFigureOut">
               <a:rPr lang="en-US" smtClean="0"/>
               <a:pPr algn="r"/>
-              <a:t>5/14/2025</a:t>
+              <a:t>5/21/2025</a:t>
             </a:fld>
             <a:endParaRPr lang="en-US" dirty="0"/>
           </a:p>
@@ -2240,7 +2245,7 @@
             <a:fld id="{A37D6D71-8B28-4ED6-B932-04B197003D23}" type="datetimeFigureOut">
               <a:rPr lang="en-US" smtClean="0"/>
               <a:pPr algn="r"/>
-              <a:t>5/14/2025</a:t>
+              <a:t>5/21/2025</a:t>
             </a:fld>
             <a:endParaRPr lang="en-US" dirty="0"/>
           </a:p>
@@ -2361,7 +2366,7 @@
             <a:fld id="{A37D6D71-8B28-4ED6-B932-04B197003D23}" type="datetimeFigureOut">
               <a:rPr lang="en-US" smtClean="0"/>
               <a:pPr algn="r"/>
-              <a:t>5/14/2025</a:t>
+              <a:t>5/21/2025</a:t>
             </a:fld>
             <a:endParaRPr lang="en-US" dirty="0"/>
           </a:p>
@@ -2646,7 +2651,7 @@
             <a:fld id="{A37D6D71-8B28-4ED6-B932-04B197003D23}" type="datetimeFigureOut">
               <a:rPr lang="en-US" smtClean="0"/>
               <a:pPr algn="r"/>
-              <a:t>5/14/2025</a:t>
+              <a:t>5/21/2025</a:t>
             </a:fld>
             <a:endParaRPr lang="en-US" dirty="0"/>
           </a:p>
@@ -2947,7 +2952,7 @@
             <a:fld id="{A37D6D71-8B28-4ED6-B932-04B197003D23}" type="datetimeFigureOut">
               <a:rPr lang="en-US" smtClean="0"/>
               <a:pPr algn="r"/>
-              <a:t>5/14/2025</a:t>
+              <a:t>5/21/2025</a:t>
             </a:fld>
             <a:endParaRPr lang="en-US" dirty="0"/>
           </a:p>
@@ -3291,7 +3296,7 @@
             <a:fld id="{A37D6D71-8B28-4ED6-B932-04B197003D23}" type="datetimeFigureOut">
               <a:rPr lang="en-US" smtClean="0"/>
               <a:pPr algn="r"/>
-              <a:t>5/14/2025</a:t>
+              <a:t>5/21/2025</a:t>
             </a:fld>
             <a:endParaRPr lang="en-US" spc="50" dirty="0"/>
           </a:p>
@@ -4064,6 +4069,1106 @@
         <p:cNvPr id="1" name="">
           <a:extLst>
             <a:ext uri="{FF2B5EF4-FFF2-40B4-BE49-F238E27FC236}">
+              <a16:creationId xmlns:a16="http://schemas.microsoft.com/office/drawing/2014/main" id="{2007609D-9158-EB54-AAE3-72D6BFAD6C8D}"/>
+            </a:ext>
+          </a:extLst>
+        </p:cNvPr>
+        <p:cNvGrpSpPr/>
+        <p:nvPr/>
+      </p:nvGrpSpPr>
+      <p:grpSpPr>
+        <a:xfrm>
+          <a:off x="0" y="0"/>
+          <a:ext cx="0" cy="0"/>
+          <a:chOff x="0" y="0"/>
+          <a:chExt cx="0" cy="0"/>
+        </a:xfrm>
+      </p:grpSpPr>
+      <p:sp>
+        <p:nvSpPr>
+          <p:cNvPr id="2" name="タイトル 1">
+            <a:extLst>
+              <a:ext uri="{FF2B5EF4-FFF2-40B4-BE49-F238E27FC236}">
+                <a16:creationId xmlns:a16="http://schemas.microsoft.com/office/drawing/2014/main" id="{7A093B7E-6117-E26A-1CD6-733AECD44285}"/>
+              </a:ext>
+            </a:extLst>
+          </p:cNvPr>
+          <p:cNvSpPr>
+            <a:spLocks noGrp="1"/>
+          </p:cNvSpPr>
+          <p:nvPr>
+            <p:ph type="title"/>
+          </p:nvPr>
+        </p:nvSpPr>
+        <p:spPr>
+          <a:xfrm>
+            <a:off x="791307" y="317814"/>
+            <a:ext cx="10779369" cy="1700784"/>
+          </a:xfrm>
+        </p:spPr>
+        <p:txBody>
+          <a:bodyPr/>
+          <a:lstStyle/>
+          <a:p>
+            <a:r>
+              <a:rPr kumimoji="1" lang="ja-JP" altLang="en-US" dirty="0"/>
+              <a:t>メモ（アプリの考えまとめ）</a:t>
+            </a:r>
+          </a:p>
+        </p:txBody>
+      </p:sp>
+      <p:sp>
+        <p:nvSpPr>
+          <p:cNvPr id="3" name="コンテンツ プレースホルダー 2">
+            <a:extLst>
+              <a:ext uri="{FF2B5EF4-FFF2-40B4-BE49-F238E27FC236}">
+                <a16:creationId xmlns:a16="http://schemas.microsoft.com/office/drawing/2014/main" id="{43B6FCBE-33EC-BF63-5438-BCE2DE50B043}"/>
+              </a:ext>
+            </a:extLst>
+          </p:cNvPr>
+          <p:cNvSpPr>
+            <a:spLocks noGrp="1"/>
+          </p:cNvSpPr>
+          <p:nvPr>
+            <p:ph idx="1"/>
+          </p:nvPr>
+        </p:nvSpPr>
+        <p:spPr>
+          <a:xfrm>
+            <a:off x="961644" y="2321169"/>
+            <a:ext cx="10200937" cy="4536831"/>
+          </a:xfrm>
+        </p:spPr>
+        <p:txBody>
+          <a:bodyPr/>
+          <a:lstStyle/>
+          <a:p>
+            <a:r>
+              <a:rPr kumimoji="1" lang="ja-JP" altLang="en-US" sz="2400" dirty="0">
+                <a:latin typeface="ＭＳ ゴシック" panose="020B0609070205080204" pitchFamily="49" charset="-128"/>
+                <a:ea typeface="ＭＳ ゴシック" panose="020B0609070205080204" pitchFamily="49" charset="-128"/>
+              </a:rPr>
+              <a:t>話の流れ</a:t>
+            </a:r>
+          </a:p>
+          <a:p>
+            <a:r>
+              <a:rPr kumimoji="1" lang="ja-JP" altLang="en-US" sz="2400" dirty="0">
+                <a:latin typeface="ＭＳ ゴシック" panose="020B0609070205080204" pitchFamily="49" charset="-128"/>
+                <a:ea typeface="ＭＳ ゴシック" panose="020B0609070205080204" pitchFamily="49" charset="-128"/>
+              </a:rPr>
+              <a:t>最初に全体で話し合いをさせる</a:t>
+            </a:r>
+          </a:p>
+          <a:p>
+            <a:r>
+              <a:rPr kumimoji="1" lang="ja-JP" altLang="en-US" sz="2400" dirty="0">
+                <a:latin typeface="ＭＳ ゴシック" panose="020B0609070205080204" pitchFamily="49" charset="-128"/>
+                <a:ea typeface="ＭＳ ゴシック" panose="020B0609070205080204" pitchFamily="49" charset="-128"/>
+              </a:rPr>
+              <a:t>その後順番に組合せで個別で話し合いをさせる（二回行う）</a:t>
+            </a:r>
+          </a:p>
+          <a:p>
+            <a:r>
+              <a:rPr kumimoji="1" lang="ja-JP" altLang="en-US" sz="2400" dirty="0">
+                <a:latin typeface="ＭＳ ゴシック" panose="020B0609070205080204" pitchFamily="49" charset="-128"/>
+                <a:ea typeface="ＭＳ ゴシック" panose="020B0609070205080204" pitchFamily="49" charset="-128"/>
+              </a:rPr>
+              <a:t>その後誰があやしいか順番に聞いていく</a:t>
+            </a:r>
+          </a:p>
+          <a:p>
+            <a:r>
+              <a:rPr kumimoji="1" lang="ja-JP" altLang="en-US" sz="2400" dirty="0">
+                <a:latin typeface="ＭＳ ゴシック" panose="020B0609070205080204" pitchFamily="49" charset="-128"/>
+                <a:ea typeface="ＭＳ ゴシック" panose="020B0609070205080204" pitchFamily="49" charset="-128"/>
+              </a:rPr>
+              <a:t>　なぜ怪しいと思うのかを理由も言ってもらい</a:t>
+            </a:r>
+          </a:p>
+          <a:p>
+            <a:r>
+              <a:rPr kumimoji="1" lang="ja-JP" altLang="en-US" sz="2400" dirty="0">
+                <a:latin typeface="ＭＳ ゴシック" panose="020B0609070205080204" pitchFamily="49" charset="-128"/>
+                <a:ea typeface="ＭＳ ゴシック" panose="020B0609070205080204" pitchFamily="49" charset="-128"/>
+              </a:rPr>
+              <a:t>　それに対して質問したい人が質問していく</a:t>
+            </a:r>
+          </a:p>
+          <a:p>
+            <a:r>
+              <a:rPr kumimoji="1" lang="ja-JP" altLang="en-US" sz="2400" dirty="0">
+                <a:latin typeface="ＭＳ ゴシック" panose="020B0609070205080204" pitchFamily="49" charset="-128"/>
+                <a:ea typeface="ＭＳ ゴシック" panose="020B0609070205080204" pitchFamily="49" charset="-128"/>
+              </a:rPr>
+              <a:t>最後に投票させる</a:t>
+            </a:r>
+          </a:p>
+          <a:p>
+            <a:r>
+              <a:rPr kumimoji="1" lang="ja-JP" altLang="en-US" sz="2400" dirty="0">
+                <a:latin typeface="ＭＳ ゴシック" panose="020B0609070205080204" pitchFamily="49" charset="-128"/>
+                <a:ea typeface="ＭＳ ゴシック" panose="020B0609070205080204" pitchFamily="49" charset="-128"/>
+              </a:rPr>
+              <a:t>投票結果で犯人がどのような結果になるかを言い</a:t>
+            </a:r>
+          </a:p>
+          <a:p>
+            <a:r>
+              <a:rPr kumimoji="1" lang="ja-JP" altLang="en-US" sz="2400" dirty="0">
+                <a:latin typeface="ＭＳ ゴシック" panose="020B0609070205080204" pitchFamily="49" charset="-128"/>
+                <a:ea typeface="ＭＳ ゴシック" panose="020B0609070205080204" pitchFamily="49" charset="-128"/>
+              </a:rPr>
+              <a:t>その後の人物がどうなったかを説明する</a:t>
+            </a:r>
+          </a:p>
+          <a:p>
+            <a:r>
+              <a:rPr kumimoji="1" lang="ja-JP" altLang="en-US" sz="2400" dirty="0">
+                <a:latin typeface="ＭＳ ゴシック" panose="020B0609070205080204" pitchFamily="49" charset="-128"/>
+                <a:ea typeface="ＭＳ ゴシック" panose="020B0609070205080204" pitchFamily="49" charset="-128"/>
+              </a:rPr>
+              <a:t>最後にだれが犯人だったのかを教える</a:t>
+            </a:r>
+          </a:p>
+          <a:p>
+            <a:endParaRPr kumimoji="1" lang="ja-JP" altLang="en-US" dirty="0">
+              <a:latin typeface="ＭＳ ゴシック" panose="020B0609070205080204" pitchFamily="49" charset="-128"/>
+              <a:ea typeface="ＭＳ ゴシック" panose="020B0609070205080204" pitchFamily="49" charset="-128"/>
+            </a:endParaRPr>
+          </a:p>
+        </p:txBody>
+      </p:sp>
+    </p:spTree>
+    <p:extLst>
+      <p:ext uri="{BB962C8B-B14F-4D97-AF65-F5344CB8AC3E}">
+        <p14:creationId xmlns:p14="http://schemas.microsoft.com/office/powerpoint/2010/main" val="494369503"/>
+      </p:ext>
+    </p:extLst>
+  </p:cSld>
+  <p:clrMapOvr>
+    <a:masterClrMapping/>
+  </p:clrMapOvr>
+</p:sld>
+</file>
+
+<file path=ppt/slides/slide11.xml><?xml version="1.0" encoding="utf-8"?>
+<p:sld xmlns:a="http://schemas.openxmlformats.org/drawingml/2006/main" xmlns:r="http://schemas.openxmlformats.org/officeDocument/2006/relationships" xmlns:p="http://schemas.openxmlformats.org/presentationml/2006/main">
+  <p:cSld>
+    <p:spTree>
+      <p:nvGrpSpPr>
+        <p:cNvPr id="1" name="">
+          <a:extLst>
+            <a:ext uri="{FF2B5EF4-FFF2-40B4-BE49-F238E27FC236}">
+              <a16:creationId xmlns:a16="http://schemas.microsoft.com/office/drawing/2014/main" id="{D3887894-AA1E-B547-F69E-0B83D1E79D7D}"/>
+            </a:ext>
+          </a:extLst>
+        </p:cNvPr>
+        <p:cNvGrpSpPr/>
+        <p:nvPr/>
+      </p:nvGrpSpPr>
+      <p:grpSpPr>
+        <a:xfrm>
+          <a:off x="0" y="0"/>
+          <a:ext cx="0" cy="0"/>
+          <a:chOff x="0" y="0"/>
+          <a:chExt cx="0" cy="0"/>
+        </a:xfrm>
+      </p:grpSpPr>
+      <p:sp>
+        <p:nvSpPr>
+          <p:cNvPr id="2" name="タイトル 1">
+            <a:extLst>
+              <a:ext uri="{FF2B5EF4-FFF2-40B4-BE49-F238E27FC236}">
+                <a16:creationId xmlns:a16="http://schemas.microsoft.com/office/drawing/2014/main" id="{4CE5FD40-263F-33F7-13AB-2D1F79BFD831}"/>
+              </a:ext>
+            </a:extLst>
+          </p:cNvPr>
+          <p:cNvSpPr>
+            <a:spLocks noGrp="1"/>
+          </p:cNvSpPr>
+          <p:nvPr>
+            <p:ph type="title"/>
+          </p:nvPr>
+        </p:nvSpPr>
+        <p:spPr/>
+        <p:txBody>
+          <a:bodyPr/>
+          <a:lstStyle/>
+          <a:p>
+            <a:r>
+              <a:rPr kumimoji="1" lang="ja-JP" altLang="en-US" dirty="0"/>
+              <a:t>仕様のアイディア（メモ）</a:t>
+            </a:r>
+          </a:p>
+        </p:txBody>
+      </p:sp>
+      <p:sp>
+        <p:nvSpPr>
+          <p:cNvPr id="3" name="コンテンツ プレースホルダー 2">
+            <a:extLst>
+              <a:ext uri="{FF2B5EF4-FFF2-40B4-BE49-F238E27FC236}">
+                <a16:creationId xmlns:a16="http://schemas.microsoft.com/office/drawing/2014/main" id="{8BB2BF59-0E47-1B8F-9591-8C9B6AA2D71C}"/>
+              </a:ext>
+            </a:extLst>
+          </p:cNvPr>
+          <p:cNvSpPr>
+            <a:spLocks noGrp="1"/>
+          </p:cNvSpPr>
+          <p:nvPr>
+            <p:ph idx="1"/>
+          </p:nvPr>
+        </p:nvSpPr>
+        <p:spPr>
+          <a:xfrm>
+            <a:off x="961644" y="2589863"/>
+            <a:ext cx="10268712" cy="3938954"/>
+          </a:xfrm>
+        </p:spPr>
+        <p:txBody>
+          <a:bodyPr/>
+          <a:lstStyle/>
+          <a:p>
+            <a:r>
+              <a:rPr kumimoji="1" lang="ja-JP" altLang="en-US" dirty="0">
+                <a:latin typeface="ＭＳ ゴシック" panose="020B0609070205080204" pitchFamily="49" charset="-128"/>
+                <a:ea typeface="ＭＳ ゴシック" panose="020B0609070205080204" pitchFamily="49" charset="-128"/>
+              </a:rPr>
+              <a:t>ログイン画面</a:t>
+            </a:r>
+            <a:endParaRPr kumimoji="1" lang="en-US" altLang="ja-JP" dirty="0">
+              <a:latin typeface="ＭＳ ゴシック" panose="020B0609070205080204" pitchFamily="49" charset="-128"/>
+              <a:ea typeface="ＭＳ ゴシック" panose="020B0609070205080204" pitchFamily="49" charset="-128"/>
+            </a:endParaRPr>
+          </a:p>
+          <a:p>
+            <a:r>
+              <a:rPr kumimoji="1" lang="ja-JP" altLang="en-US" dirty="0">
+                <a:latin typeface="ＭＳ ゴシック" panose="020B0609070205080204" pitchFamily="49" charset="-128"/>
+                <a:ea typeface="ＭＳ ゴシック" panose="020B0609070205080204" pitchFamily="49" charset="-128"/>
+              </a:rPr>
+              <a:t>ユーザー</a:t>
+            </a:r>
+            <a:r>
+              <a:rPr kumimoji="1" lang="en-US" altLang="ja-JP" dirty="0">
+                <a:latin typeface="ＭＳ ゴシック" panose="020B0609070205080204" pitchFamily="49" charset="-128"/>
+                <a:ea typeface="ＭＳ ゴシック" panose="020B0609070205080204" pitchFamily="49" charset="-128"/>
+              </a:rPr>
+              <a:t>ID</a:t>
+            </a:r>
+            <a:r>
+              <a:rPr kumimoji="1" lang="ja-JP" altLang="en-US" dirty="0">
+                <a:latin typeface="ＭＳ ゴシック" panose="020B0609070205080204" pitchFamily="49" charset="-128"/>
+                <a:ea typeface="ＭＳ ゴシック" panose="020B0609070205080204" pitchFamily="49" charset="-128"/>
+              </a:rPr>
+              <a:t>とパスワードを入力して認証する</a:t>
+            </a:r>
+            <a:endParaRPr kumimoji="1" lang="en-US" altLang="ja-JP" dirty="0">
+              <a:latin typeface="ＭＳ ゴシック" panose="020B0609070205080204" pitchFamily="49" charset="-128"/>
+              <a:ea typeface="ＭＳ ゴシック" panose="020B0609070205080204" pitchFamily="49" charset="-128"/>
+            </a:endParaRPr>
+          </a:p>
+          <a:p>
+            <a:pPr algn="l"/>
+            <a:r>
+              <a:rPr lang="ja-JP" altLang="en-US" b="0" i="0" dirty="0">
+                <a:effectLst/>
+                <a:latin typeface="fkGroteskNeue"/>
+              </a:rPr>
+              <a:t>入力項目：ユーザー</a:t>
+            </a:r>
+            <a:r>
+              <a:rPr lang="en-US" altLang="ja-JP" b="0" i="0" dirty="0">
+                <a:effectLst/>
+                <a:latin typeface="fkGroteskNeue"/>
+              </a:rPr>
+              <a:t>ID</a:t>
+            </a:r>
+            <a:r>
+              <a:rPr lang="ja-JP" altLang="en-US" b="0" i="0" dirty="0">
+                <a:effectLst/>
+                <a:latin typeface="fkGroteskNeue"/>
+              </a:rPr>
+              <a:t>（半角英数字</a:t>
+            </a:r>
+            <a:r>
+              <a:rPr lang="en-US" altLang="ja-JP" b="0" i="0" dirty="0">
+                <a:effectLst/>
+                <a:latin typeface="fkGroteskNeue"/>
+              </a:rPr>
+              <a:t>20</a:t>
+            </a:r>
+            <a:r>
+              <a:rPr lang="ja-JP" altLang="en-US" b="0" i="0" dirty="0">
+                <a:effectLst/>
+                <a:latin typeface="fkGroteskNeue"/>
+              </a:rPr>
+              <a:t>文字以内）、パスワード（</a:t>
+            </a:r>
+            <a:r>
+              <a:rPr lang="en-US" altLang="ja-JP" b="0" i="0" dirty="0">
+                <a:effectLst/>
+                <a:latin typeface="fkGroteskNeue"/>
+              </a:rPr>
+              <a:t>8</a:t>
+            </a:r>
+            <a:r>
+              <a:rPr lang="ja-JP" altLang="en-US" b="0" i="0" dirty="0">
+                <a:effectLst/>
+                <a:latin typeface="fkGroteskNeue"/>
+              </a:rPr>
+              <a:t>文字以上、記号含む）</a:t>
+            </a:r>
+          </a:p>
+          <a:p>
+            <a:pPr algn="l"/>
+            <a:r>
+              <a:rPr lang="ja-JP" altLang="en-US" b="0" i="0" dirty="0">
+                <a:effectLst/>
+                <a:latin typeface="fkGroteskNeue"/>
+              </a:rPr>
+              <a:t>エラー時：入力漏れや不正な</a:t>
+            </a:r>
+            <a:r>
+              <a:rPr lang="en-US" altLang="ja-JP" b="0" i="0" dirty="0">
+                <a:effectLst/>
+                <a:latin typeface="fkGroteskNeue"/>
+              </a:rPr>
+              <a:t>ID</a:t>
+            </a:r>
+            <a:r>
+              <a:rPr lang="ja-JP" altLang="en-US" b="0" i="0" dirty="0">
+                <a:effectLst/>
+                <a:latin typeface="fkGroteskNeue"/>
+              </a:rPr>
+              <a:t>の場合はエラーメッセージを表示</a:t>
+            </a:r>
+          </a:p>
+          <a:p>
+            <a:pPr algn="l"/>
+            <a:r>
+              <a:rPr lang="ja-JP" altLang="en-US" b="0" i="0" dirty="0">
+                <a:effectLst/>
+                <a:latin typeface="fkGroteskNeue"/>
+              </a:rPr>
+              <a:t>操作後：認証成功ならホーム画面へ遷移、失敗ならエラー表示</a:t>
+            </a:r>
+          </a:p>
+          <a:p>
+            <a:endParaRPr kumimoji="1" lang="ja-JP" altLang="en-US" dirty="0">
+              <a:latin typeface="ＭＳ ゴシック" panose="020B0609070205080204" pitchFamily="49" charset="-128"/>
+              <a:ea typeface="ＭＳ ゴシック" panose="020B0609070205080204" pitchFamily="49" charset="-128"/>
+            </a:endParaRPr>
+          </a:p>
+        </p:txBody>
+      </p:sp>
+    </p:spTree>
+    <p:extLst>
+      <p:ext uri="{BB962C8B-B14F-4D97-AF65-F5344CB8AC3E}">
+        <p14:creationId xmlns:p14="http://schemas.microsoft.com/office/powerpoint/2010/main" val="678821310"/>
+      </p:ext>
+    </p:extLst>
+  </p:cSld>
+  <p:clrMapOvr>
+    <a:masterClrMapping/>
+  </p:clrMapOvr>
+</p:sld>
+</file>
+
+<file path=ppt/slides/slide12.xml><?xml version="1.0" encoding="utf-8"?>
+<p:sld xmlns:a="http://schemas.openxmlformats.org/drawingml/2006/main" xmlns:r="http://schemas.openxmlformats.org/officeDocument/2006/relationships" xmlns:p="http://schemas.openxmlformats.org/presentationml/2006/main">
+  <p:cSld>
+    <p:spTree>
+      <p:nvGrpSpPr>
+        <p:cNvPr id="1" name="">
+          <a:extLst>
+            <a:ext uri="{FF2B5EF4-FFF2-40B4-BE49-F238E27FC236}">
+              <a16:creationId xmlns:a16="http://schemas.microsoft.com/office/drawing/2014/main" id="{DEBA5D54-CE44-B035-32D9-41BBA9CA96CC}"/>
+            </a:ext>
+          </a:extLst>
+        </p:cNvPr>
+        <p:cNvGrpSpPr/>
+        <p:nvPr/>
+      </p:nvGrpSpPr>
+      <p:grpSpPr>
+        <a:xfrm>
+          <a:off x="0" y="0"/>
+          <a:ext cx="0" cy="0"/>
+          <a:chOff x="0" y="0"/>
+          <a:chExt cx="0" cy="0"/>
+        </a:xfrm>
+      </p:grpSpPr>
+      <p:sp>
+        <p:nvSpPr>
+          <p:cNvPr id="2" name="タイトル 1">
+            <a:extLst>
+              <a:ext uri="{FF2B5EF4-FFF2-40B4-BE49-F238E27FC236}">
+                <a16:creationId xmlns:a16="http://schemas.microsoft.com/office/drawing/2014/main" id="{3BCA6D30-149D-06F2-DFED-ABF1EE3A5AA8}"/>
+              </a:ext>
+            </a:extLst>
+          </p:cNvPr>
+          <p:cNvSpPr>
+            <a:spLocks noGrp="1"/>
+          </p:cNvSpPr>
+          <p:nvPr>
+            <p:ph type="title"/>
+          </p:nvPr>
+        </p:nvSpPr>
+        <p:spPr/>
+        <p:txBody>
+          <a:bodyPr/>
+          <a:lstStyle/>
+          <a:p>
+            <a:r>
+              <a:rPr kumimoji="1" lang="ja-JP" altLang="en-US" dirty="0"/>
+              <a:t>ログインについて（メモ）</a:t>
+            </a:r>
+          </a:p>
+        </p:txBody>
+      </p:sp>
+      <p:sp>
+        <p:nvSpPr>
+          <p:cNvPr id="3" name="コンテンツ プレースホルダー 2">
+            <a:extLst>
+              <a:ext uri="{FF2B5EF4-FFF2-40B4-BE49-F238E27FC236}">
+                <a16:creationId xmlns:a16="http://schemas.microsoft.com/office/drawing/2014/main" id="{48654D54-05A1-CA28-078D-22263EE3CAA3}"/>
+              </a:ext>
+            </a:extLst>
+          </p:cNvPr>
+          <p:cNvSpPr>
+            <a:spLocks noGrp="1"/>
+          </p:cNvSpPr>
+          <p:nvPr>
+            <p:ph idx="1"/>
+          </p:nvPr>
+        </p:nvSpPr>
+        <p:spPr>
+          <a:xfrm>
+            <a:off x="961644" y="2589863"/>
+            <a:ext cx="10268712" cy="3938954"/>
+          </a:xfrm>
+        </p:spPr>
+        <p:txBody>
+          <a:bodyPr/>
+          <a:lstStyle/>
+          <a:p>
+            <a:r>
+              <a:rPr kumimoji="1" lang="ja-JP" altLang="en-US" dirty="0">
+                <a:latin typeface="ＭＳ ゴシック" panose="020B0609070205080204" pitchFamily="49" charset="-128"/>
+                <a:ea typeface="ＭＳ ゴシック" panose="020B0609070205080204" pitchFamily="49" charset="-128"/>
+              </a:rPr>
+              <a:t>参考に</a:t>
+            </a:r>
+            <a:r>
+              <a:rPr kumimoji="1" lang="en-US" altLang="ja-JP" dirty="0">
+                <a:latin typeface="ＭＳ ゴシック" panose="020B0609070205080204" pitchFamily="49" charset="-128"/>
+                <a:ea typeface="ＭＳ ゴシック" panose="020B0609070205080204" pitchFamily="49" charset="-128"/>
+              </a:rPr>
+              <a:t>URL</a:t>
+            </a:r>
+          </a:p>
+          <a:p>
+            <a:r>
+              <a:rPr lang="ja-JP" altLang="en-US" dirty="0">
+                <a:hlinkClick r:id="rId2"/>
+              </a:rPr>
+              <a:t>　</a:t>
+            </a:r>
+            <a:r>
+              <a:rPr lang="en-US" altLang="ja-JP" dirty="0">
+                <a:hlinkClick r:id="rId2"/>
+              </a:rPr>
+              <a:t>02.Authentication</a:t>
+            </a:r>
+            <a:r>
+              <a:rPr lang="ja-JP" altLang="en-US" dirty="0">
+                <a:hlinkClick r:id="rId2"/>
+              </a:rPr>
+              <a:t>｜</a:t>
+            </a:r>
+            <a:r>
+              <a:rPr lang="en-US" altLang="ja-JP" dirty="0">
+                <a:hlinkClick r:id="rId2"/>
+              </a:rPr>
+              <a:t>Flutter</a:t>
+            </a:r>
+            <a:r>
+              <a:rPr lang="ja-JP" altLang="en-US" dirty="0">
+                <a:hlinkClick r:id="rId2"/>
+              </a:rPr>
+              <a:t>実践入門</a:t>
+            </a:r>
+            <a:endParaRPr lang="en-US" altLang="ja-JP" dirty="0"/>
+          </a:p>
+          <a:p>
+            <a:r>
+              <a:rPr lang="en-US" altLang="ja-JP" i="0" dirty="0">
+                <a:effectLst/>
+                <a:latin typeface="ＭＳ ゴシック" panose="020B0609070205080204" pitchFamily="49" charset="-128"/>
+                <a:ea typeface="ＭＳ ゴシック" panose="020B0609070205080204" pitchFamily="49" charset="-128"/>
+              </a:rPr>
+              <a:t>Firebase</a:t>
+            </a:r>
+            <a:r>
+              <a:rPr lang="ja-JP" altLang="en-US" i="0" dirty="0">
+                <a:effectLst/>
+                <a:latin typeface="ＭＳ ゴシック" panose="020B0609070205080204" pitchFamily="49" charset="-128"/>
+                <a:ea typeface="ＭＳ ゴシック" panose="020B0609070205080204" pitchFamily="49" charset="-128"/>
+              </a:rPr>
+              <a:t>を使用を考えている（ユーザ認証）</a:t>
+            </a:r>
+            <a:endParaRPr lang="en-US" altLang="ja-JP" i="0" dirty="0">
+              <a:effectLst/>
+              <a:latin typeface="ＭＳ ゴシック" panose="020B0609070205080204" pitchFamily="49" charset="-128"/>
+              <a:ea typeface="ＭＳ ゴシック" panose="020B0609070205080204" pitchFamily="49" charset="-128"/>
+            </a:endParaRPr>
+          </a:p>
+          <a:p>
+            <a:r>
+              <a:rPr lang="ja-JP" altLang="en-US" dirty="0">
+                <a:latin typeface="ＭＳ ゴシック" panose="020B0609070205080204" pitchFamily="49" charset="-128"/>
+                <a:ea typeface="ＭＳ ゴシック" panose="020B0609070205080204" pitchFamily="49" charset="-128"/>
+              </a:rPr>
+              <a:t>参考</a:t>
+            </a:r>
+            <a:r>
+              <a:rPr lang="en-US" altLang="ja-JP" dirty="0">
+                <a:latin typeface="ＭＳ ゴシック" panose="020B0609070205080204" pitchFamily="49" charset="-128"/>
+                <a:ea typeface="ＭＳ ゴシック" panose="020B0609070205080204" pitchFamily="49" charset="-128"/>
+              </a:rPr>
+              <a:t>URL</a:t>
+            </a:r>
+          </a:p>
+          <a:p>
+            <a:r>
+              <a:rPr lang="ja-JP" altLang="en-US" dirty="0">
+                <a:hlinkClick r:id="rId3"/>
+              </a:rPr>
+              <a:t>　</a:t>
+            </a:r>
+            <a:r>
+              <a:rPr lang="en-US" altLang="ja-JP" dirty="0">
+                <a:hlinkClick r:id="rId3"/>
+              </a:rPr>
+              <a:t>01.Firebase</a:t>
+            </a:r>
+            <a:r>
+              <a:rPr lang="ja-JP" altLang="en-US" dirty="0">
+                <a:hlinkClick r:id="rId3"/>
+              </a:rPr>
+              <a:t>の概要｜</a:t>
+            </a:r>
+            <a:r>
+              <a:rPr lang="en-US" altLang="ja-JP" dirty="0">
+                <a:hlinkClick r:id="rId3"/>
+              </a:rPr>
+              <a:t>Flutter</a:t>
+            </a:r>
+            <a:r>
+              <a:rPr lang="ja-JP" altLang="en-US" dirty="0">
+                <a:hlinkClick r:id="rId3"/>
+              </a:rPr>
+              <a:t>実践入門</a:t>
+            </a:r>
+            <a:endParaRPr lang="en-US" altLang="ja-JP" b="1" i="0" dirty="0">
+              <a:effectLst/>
+              <a:latin typeface="-apple-system"/>
+            </a:endParaRPr>
+          </a:p>
+          <a:p>
+            <a:endParaRPr kumimoji="1" lang="ja-JP" altLang="en-US" dirty="0">
+              <a:latin typeface="ＭＳ ゴシック" panose="020B0609070205080204" pitchFamily="49" charset="-128"/>
+              <a:ea typeface="ＭＳ ゴシック" panose="020B0609070205080204" pitchFamily="49" charset="-128"/>
+            </a:endParaRPr>
+          </a:p>
+        </p:txBody>
+      </p:sp>
+    </p:spTree>
+    <p:extLst>
+      <p:ext uri="{BB962C8B-B14F-4D97-AF65-F5344CB8AC3E}">
+        <p14:creationId xmlns:p14="http://schemas.microsoft.com/office/powerpoint/2010/main" val="1799583709"/>
+      </p:ext>
+    </p:extLst>
+  </p:cSld>
+  <p:clrMapOvr>
+    <a:masterClrMapping/>
+  </p:clrMapOvr>
+</p:sld>
+</file>
+
+<file path=ppt/slides/slide13.xml><?xml version="1.0" encoding="utf-8"?>
+<p:sld xmlns:a="http://schemas.openxmlformats.org/drawingml/2006/main" xmlns:r="http://schemas.openxmlformats.org/officeDocument/2006/relationships" xmlns:p="http://schemas.openxmlformats.org/presentationml/2006/main">
+  <p:cSld>
+    <p:spTree>
+      <p:nvGrpSpPr>
+        <p:cNvPr id="1" name="">
+          <a:extLst>
+            <a:ext uri="{FF2B5EF4-FFF2-40B4-BE49-F238E27FC236}">
+              <a16:creationId xmlns:a16="http://schemas.microsoft.com/office/drawing/2014/main" id="{8362D783-4924-FD17-4618-CC93972CB880}"/>
+            </a:ext>
+          </a:extLst>
+        </p:cNvPr>
+        <p:cNvGrpSpPr/>
+        <p:nvPr/>
+      </p:nvGrpSpPr>
+      <p:grpSpPr>
+        <a:xfrm>
+          <a:off x="0" y="0"/>
+          <a:ext cx="0" cy="0"/>
+          <a:chOff x="0" y="0"/>
+          <a:chExt cx="0" cy="0"/>
+        </a:xfrm>
+      </p:grpSpPr>
+      <p:sp>
+        <p:nvSpPr>
+          <p:cNvPr id="2" name="タイトル 1">
+            <a:extLst>
+              <a:ext uri="{FF2B5EF4-FFF2-40B4-BE49-F238E27FC236}">
+                <a16:creationId xmlns:a16="http://schemas.microsoft.com/office/drawing/2014/main" id="{84F7E00C-8E17-02B9-55A7-020491E6570C}"/>
+              </a:ext>
+            </a:extLst>
+          </p:cNvPr>
+          <p:cNvSpPr>
+            <a:spLocks noGrp="1"/>
+          </p:cNvSpPr>
+          <p:nvPr>
+            <p:ph type="title"/>
+          </p:nvPr>
+        </p:nvSpPr>
+        <p:spPr/>
+        <p:txBody>
+          <a:bodyPr/>
+          <a:lstStyle/>
+          <a:p>
+            <a:r>
+              <a:rPr kumimoji="1" lang="ja-JP" altLang="en-US" dirty="0"/>
+              <a:t>行動（メモ）</a:t>
+            </a:r>
+          </a:p>
+        </p:txBody>
+      </p:sp>
+      <p:sp>
+        <p:nvSpPr>
+          <p:cNvPr id="3" name="コンテンツ プレースホルダー 2">
+            <a:extLst>
+              <a:ext uri="{FF2B5EF4-FFF2-40B4-BE49-F238E27FC236}">
+                <a16:creationId xmlns:a16="http://schemas.microsoft.com/office/drawing/2014/main" id="{A27F554A-5F26-464A-81AF-4A5A83807923}"/>
+              </a:ext>
+            </a:extLst>
+          </p:cNvPr>
+          <p:cNvSpPr>
+            <a:spLocks noGrp="1"/>
+          </p:cNvSpPr>
+          <p:nvPr>
+            <p:ph idx="1"/>
+          </p:nvPr>
+        </p:nvSpPr>
+        <p:spPr>
+          <a:xfrm>
+            <a:off x="960120" y="2601232"/>
+            <a:ext cx="10761784" cy="3938954"/>
+          </a:xfrm>
+        </p:spPr>
+        <p:txBody>
+          <a:bodyPr/>
+          <a:lstStyle/>
+          <a:p>
+            <a:r>
+              <a:rPr lang="ja-JP" altLang="en-US" dirty="0">
+                <a:latin typeface="ＭＳ ゴシック" panose="020B0609070205080204" pitchFamily="49" charset="-128"/>
+                <a:ea typeface="ＭＳ ゴシック" panose="020B0609070205080204" pitchFamily="49" charset="-128"/>
+              </a:rPr>
+              <a:t>参考</a:t>
+            </a:r>
+            <a:r>
+              <a:rPr lang="en-US" altLang="ja-JP" dirty="0">
+                <a:latin typeface="ＭＳ ゴシック" panose="020B0609070205080204" pitchFamily="49" charset="-128"/>
+                <a:ea typeface="ＭＳ ゴシック" panose="020B0609070205080204" pitchFamily="49" charset="-128"/>
+              </a:rPr>
+              <a:t>URL</a:t>
+            </a:r>
+          </a:p>
+          <a:p>
+            <a:r>
+              <a:rPr lang="ja-JP" altLang="en-US" dirty="0">
+                <a:hlinkClick r:id="rId2"/>
+              </a:rPr>
+              <a:t>　</a:t>
+            </a:r>
+            <a:r>
+              <a:rPr lang="en-US" altLang="ja-JP" dirty="0">
+                <a:hlinkClick r:id="rId2"/>
+              </a:rPr>
+              <a:t>01.Firebase</a:t>
+            </a:r>
+            <a:r>
+              <a:rPr lang="ja-JP" altLang="en-US" dirty="0">
+                <a:hlinkClick r:id="rId2"/>
+              </a:rPr>
+              <a:t>の概要｜</a:t>
+            </a:r>
+            <a:r>
+              <a:rPr lang="en-US" altLang="ja-JP" dirty="0">
+                <a:hlinkClick r:id="rId2"/>
+              </a:rPr>
+              <a:t>Flutter</a:t>
+            </a:r>
+            <a:r>
+              <a:rPr lang="ja-JP" altLang="en-US" dirty="0">
+                <a:hlinkClick r:id="rId2"/>
+              </a:rPr>
+              <a:t>実践入門</a:t>
+            </a:r>
+            <a:endParaRPr lang="en-US" altLang="ja-JP" b="1" i="0" dirty="0">
+              <a:effectLst/>
+              <a:latin typeface="-apple-system"/>
+            </a:endParaRPr>
+          </a:p>
+          <a:p>
+            <a:r>
+              <a:rPr lang="en-US" altLang="ja-JP" b="1" i="0" dirty="0">
+                <a:effectLst/>
+                <a:latin typeface="-apple-system"/>
+              </a:rPr>
+              <a:t>5/7 firebase</a:t>
+            </a:r>
+            <a:r>
+              <a:rPr lang="ja-JP" altLang="en-US" b="1" i="0" dirty="0">
+                <a:effectLst/>
+                <a:latin typeface="-apple-system"/>
+              </a:rPr>
+              <a:t>と</a:t>
+            </a:r>
+            <a:r>
+              <a:rPr lang="en-US" altLang="ja-JP" b="1" i="0" dirty="0">
+                <a:effectLst/>
+                <a:latin typeface="-apple-system"/>
+              </a:rPr>
+              <a:t>flutter</a:t>
+            </a:r>
+            <a:r>
+              <a:rPr lang="ja-JP" altLang="en-US" b="1" i="0" dirty="0">
+                <a:effectLst/>
+                <a:latin typeface="-apple-system"/>
+              </a:rPr>
+              <a:t>の連携のところを行っている。</a:t>
+            </a:r>
+            <a:endParaRPr lang="en-US" altLang="ja-JP" b="1" dirty="0">
+              <a:latin typeface="-apple-system"/>
+            </a:endParaRPr>
+          </a:p>
+          <a:p>
+            <a:r>
+              <a:rPr lang="en-US" altLang="ja-JP" b="1" i="0" dirty="0">
+                <a:effectLst/>
+                <a:latin typeface="-apple-system"/>
+              </a:rPr>
+              <a:t>Firebase</a:t>
+            </a:r>
+            <a:r>
+              <a:rPr lang="ja-JP" altLang="en-US" b="1" i="0" dirty="0">
+                <a:effectLst/>
+                <a:latin typeface="-apple-system"/>
+              </a:rPr>
+              <a:t>と</a:t>
+            </a:r>
+            <a:r>
+              <a:rPr lang="en-US" altLang="ja-JP" b="1" i="0" dirty="0">
+                <a:effectLst/>
+                <a:latin typeface="-apple-system"/>
+              </a:rPr>
+              <a:t>flutter</a:t>
+            </a:r>
+            <a:r>
+              <a:rPr lang="ja-JP" altLang="en-US" b="1" i="0" dirty="0">
+                <a:effectLst/>
+                <a:latin typeface="-apple-system"/>
+              </a:rPr>
+              <a:t>を連携させるところまではできた。</a:t>
+            </a:r>
+            <a:endParaRPr lang="en-US" altLang="ja-JP" b="1" i="0" dirty="0">
+              <a:effectLst/>
+              <a:latin typeface="-apple-system"/>
+            </a:endParaRPr>
+          </a:p>
+          <a:p>
+            <a:r>
+              <a:rPr lang="en-US" altLang="ja-JP" b="1" i="0" dirty="0">
+                <a:effectLst/>
+                <a:latin typeface="-apple-system"/>
+              </a:rPr>
+              <a:t>5/14firebas</a:t>
+            </a:r>
+            <a:r>
+              <a:rPr lang="ja-JP" altLang="en-US" b="1" i="0" dirty="0">
+                <a:effectLst/>
+                <a:latin typeface="-apple-system"/>
+              </a:rPr>
+              <a:t>を使ってログインのユーザ認証の動作を確認してうまくできたことを確認した。追加したページの雛形が表示されるか確認</a:t>
+            </a:r>
+            <a:endParaRPr lang="en-US" altLang="ja-JP" b="1" i="0" dirty="0">
+              <a:effectLst/>
+              <a:latin typeface="-apple-system"/>
+            </a:endParaRPr>
+          </a:p>
+          <a:p>
+            <a:endParaRPr kumimoji="1" lang="ja-JP" altLang="en-US" dirty="0">
+              <a:latin typeface="ＭＳ ゴシック" panose="020B0609070205080204" pitchFamily="49" charset="-128"/>
+              <a:ea typeface="ＭＳ ゴシック" panose="020B0609070205080204" pitchFamily="49" charset="-128"/>
+            </a:endParaRPr>
+          </a:p>
+        </p:txBody>
+      </p:sp>
+    </p:spTree>
+    <p:extLst>
+      <p:ext uri="{BB962C8B-B14F-4D97-AF65-F5344CB8AC3E}">
+        <p14:creationId xmlns:p14="http://schemas.microsoft.com/office/powerpoint/2010/main" val="3848398883"/>
+      </p:ext>
+    </p:extLst>
+  </p:cSld>
+  <p:clrMapOvr>
+    <a:masterClrMapping/>
+  </p:clrMapOvr>
+</p:sld>
+</file>
+
+<file path=ppt/slides/slide14.xml><?xml version="1.0" encoding="utf-8"?>
+<p:sld xmlns:a="http://schemas.openxmlformats.org/drawingml/2006/main" xmlns:r="http://schemas.openxmlformats.org/officeDocument/2006/relationships" xmlns:p="http://schemas.openxmlformats.org/presentationml/2006/main">
+  <p:cSld>
+    <p:spTree>
+      <p:nvGrpSpPr>
+        <p:cNvPr id="1" name="">
+          <a:extLst>
+            <a:ext uri="{FF2B5EF4-FFF2-40B4-BE49-F238E27FC236}">
+              <a16:creationId xmlns:a16="http://schemas.microsoft.com/office/drawing/2014/main" id="{38A1340E-DC5A-7916-A9D6-0DBD574150A0}"/>
+            </a:ext>
+          </a:extLst>
+        </p:cNvPr>
+        <p:cNvGrpSpPr/>
+        <p:nvPr/>
+      </p:nvGrpSpPr>
+      <p:grpSpPr>
+        <a:xfrm>
+          <a:off x="0" y="0"/>
+          <a:ext cx="0" cy="0"/>
+          <a:chOff x="0" y="0"/>
+          <a:chExt cx="0" cy="0"/>
+        </a:xfrm>
+      </p:grpSpPr>
+      <p:sp>
+        <p:nvSpPr>
+          <p:cNvPr id="2" name="タイトル 1">
+            <a:extLst>
+              <a:ext uri="{FF2B5EF4-FFF2-40B4-BE49-F238E27FC236}">
+                <a16:creationId xmlns:a16="http://schemas.microsoft.com/office/drawing/2014/main" id="{876277C8-9033-7B91-BE00-75C647263225}"/>
+              </a:ext>
+            </a:extLst>
+          </p:cNvPr>
+          <p:cNvSpPr>
+            <a:spLocks noGrp="1"/>
+          </p:cNvSpPr>
+          <p:nvPr>
+            <p:ph type="title"/>
+          </p:nvPr>
+        </p:nvSpPr>
+        <p:spPr/>
+        <p:txBody>
+          <a:bodyPr/>
+          <a:lstStyle/>
+          <a:p>
+            <a:r>
+              <a:rPr kumimoji="1" lang="ja-JP" altLang="en-US" dirty="0"/>
+              <a:t>仕様のアイディア（メモ）</a:t>
+            </a:r>
+          </a:p>
+        </p:txBody>
+      </p:sp>
+      <p:sp>
+        <p:nvSpPr>
+          <p:cNvPr id="3" name="コンテンツ プレースホルダー 2">
+            <a:extLst>
+              <a:ext uri="{FF2B5EF4-FFF2-40B4-BE49-F238E27FC236}">
+                <a16:creationId xmlns:a16="http://schemas.microsoft.com/office/drawing/2014/main" id="{6D7A5B07-649D-6EC8-47D2-119764C25355}"/>
+              </a:ext>
+            </a:extLst>
+          </p:cNvPr>
+          <p:cNvSpPr>
+            <a:spLocks noGrp="1"/>
+          </p:cNvSpPr>
+          <p:nvPr>
+            <p:ph idx="1"/>
+          </p:nvPr>
+        </p:nvSpPr>
+        <p:spPr>
+          <a:xfrm>
+            <a:off x="961644" y="2589863"/>
+            <a:ext cx="10268712" cy="3938954"/>
+          </a:xfrm>
+        </p:spPr>
+        <p:txBody>
+          <a:bodyPr/>
+          <a:lstStyle/>
+          <a:p>
+            <a:r>
+              <a:rPr kumimoji="1" lang="ja-JP" altLang="en-US" dirty="0">
+                <a:latin typeface="ＭＳ ゴシック" panose="020B0609070205080204" pitchFamily="49" charset="-128"/>
+                <a:ea typeface="ＭＳ ゴシック" panose="020B0609070205080204" pitchFamily="49" charset="-128"/>
+              </a:rPr>
+              <a:t>ルーム画面</a:t>
+            </a:r>
+            <a:endParaRPr kumimoji="1" lang="en-US" altLang="ja-JP" dirty="0">
+              <a:latin typeface="ＭＳ ゴシック" panose="020B0609070205080204" pitchFamily="49" charset="-128"/>
+              <a:ea typeface="ＭＳ ゴシック" panose="020B0609070205080204" pitchFamily="49" charset="-128"/>
+            </a:endParaRPr>
+          </a:p>
+          <a:p>
+            <a:r>
+              <a:rPr kumimoji="1" lang="ja-JP" altLang="en-US" dirty="0">
+                <a:latin typeface="ＭＳ ゴシック" panose="020B0609070205080204" pitchFamily="49" charset="-128"/>
+                <a:ea typeface="ＭＳ ゴシック" panose="020B0609070205080204" pitchFamily="49" charset="-128"/>
+              </a:rPr>
+              <a:t>ルーム名とルーム</a:t>
+            </a:r>
+            <a:r>
+              <a:rPr kumimoji="1" lang="en-US" altLang="ja-JP" dirty="0">
+                <a:latin typeface="ＭＳ ゴシック" panose="020B0609070205080204" pitchFamily="49" charset="-128"/>
+                <a:ea typeface="ＭＳ ゴシック" panose="020B0609070205080204" pitchFamily="49" charset="-128"/>
+              </a:rPr>
+              <a:t>ID</a:t>
+            </a:r>
+            <a:r>
+              <a:rPr kumimoji="1" lang="ja-JP" altLang="en-US" dirty="0">
+                <a:latin typeface="ＭＳ ゴシック" panose="020B0609070205080204" pitchFamily="49" charset="-128"/>
+                <a:ea typeface="ＭＳ ゴシック" panose="020B0609070205080204" pitchFamily="49" charset="-128"/>
+              </a:rPr>
+              <a:t>を入力してルームを作成</a:t>
+            </a:r>
+            <a:endParaRPr kumimoji="1" lang="en-US" altLang="ja-JP" dirty="0">
+              <a:latin typeface="ＭＳ ゴシック" panose="020B0609070205080204" pitchFamily="49" charset="-128"/>
+              <a:ea typeface="ＭＳ ゴシック" panose="020B0609070205080204" pitchFamily="49" charset="-128"/>
+            </a:endParaRPr>
+          </a:p>
+          <a:p>
+            <a:pPr algn="l"/>
+            <a:r>
+              <a:rPr lang="ja-JP" altLang="en-US" b="0" i="0" dirty="0">
+                <a:effectLst/>
+                <a:latin typeface="fkGroteskNeue"/>
+              </a:rPr>
+              <a:t>入力項目：</a:t>
+            </a:r>
+            <a:r>
+              <a:rPr lang="ja-JP" altLang="en-US" dirty="0">
+                <a:latin typeface="fkGroteskNeue"/>
+              </a:rPr>
+              <a:t>ルーム名</a:t>
+            </a:r>
+            <a:r>
+              <a:rPr lang="ja-JP" altLang="en-US" b="0" i="0" dirty="0">
+                <a:effectLst/>
+                <a:latin typeface="fkGroteskNeue"/>
+              </a:rPr>
+              <a:t>（</a:t>
+            </a:r>
+            <a:r>
+              <a:rPr lang="en-US" altLang="ja-JP" b="0" i="0" dirty="0">
+                <a:effectLst/>
+                <a:latin typeface="fkGroteskNeue"/>
+              </a:rPr>
+              <a:t>20</a:t>
+            </a:r>
+            <a:r>
+              <a:rPr lang="ja-JP" altLang="en-US" b="0" i="0" dirty="0">
+                <a:effectLst/>
+                <a:latin typeface="fkGroteskNeue"/>
+              </a:rPr>
+              <a:t>文字以内）、パスワード（半角英数字</a:t>
+            </a:r>
+            <a:r>
+              <a:rPr lang="en-US" altLang="ja-JP" b="0" i="0" dirty="0">
+                <a:effectLst/>
+                <a:latin typeface="fkGroteskNeue"/>
+              </a:rPr>
+              <a:t>8</a:t>
+            </a:r>
+            <a:r>
+              <a:rPr lang="ja-JP" altLang="en-US" b="0" i="0" dirty="0">
+                <a:effectLst/>
+                <a:latin typeface="fkGroteskNeue"/>
+              </a:rPr>
+              <a:t>文字以上、記号含む）</a:t>
+            </a:r>
+          </a:p>
+          <a:p>
+            <a:pPr algn="l"/>
+            <a:r>
+              <a:rPr lang="ja-JP" altLang="en-US" b="0" i="0" dirty="0">
+                <a:effectLst/>
+                <a:latin typeface="fkGroteskNeue"/>
+              </a:rPr>
+              <a:t>エラー時：入力漏れや不正な</a:t>
+            </a:r>
+            <a:r>
+              <a:rPr lang="en-US" altLang="ja-JP" b="0" i="0" dirty="0">
+                <a:effectLst/>
+                <a:latin typeface="fkGroteskNeue"/>
+              </a:rPr>
+              <a:t>ID</a:t>
+            </a:r>
+            <a:r>
+              <a:rPr lang="ja-JP" altLang="en-US" dirty="0">
+                <a:latin typeface="fkGroteskNeue"/>
+              </a:rPr>
+              <a:t>など</a:t>
+            </a:r>
+            <a:r>
+              <a:rPr lang="ja-JP" altLang="en-US" b="0" i="0" dirty="0">
+                <a:effectLst/>
+                <a:latin typeface="fkGroteskNeue"/>
+              </a:rPr>
+              <a:t>場合はエラーメッセージを表示</a:t>
+            </a:r>
+          </a:p>
+          <a:p>
+            <a:pPr algn="l"/>
+            <a:r>
+              <a:rPr lang="ja-JP" altLang="en-US" b="0" i="0" dirty="0">
+                <a:effectLst/>
+                <a:latin typeface="fkGroteskNeue"/>
+              </a:rPr>
+              <a:t>操作後：認証成功ならホーム画面へ遷移、失敗ならエラー表示</a:t>
+            </a:r>
+          </a:p>
+          <a:p>
+            <a:endParaRPr kumimoji="1" lang="ja-JP" altLang="en-US" dirty="0">
+              <a:latin typeface="ＭＳ ゴシック" panose="020B0609070205080204" pitchFamily="49" charset="-128"/>
+              <a:ea typeface="ＭＳ ゴシック" panose="020B0609070205080204" pitchFamily="49" charset="-128"/>
+            </a:endParaRPr>
+          </a:p>
+        </p:txBody>
+      </p:sp>
+    </p:spTree>
+    <p:extLst>
+      <p:ext uri="{BB962C8B-B14F-4D97-AF65-F5344CB8AC3E}">
+        <p14:creationId xmlns:p14="http://schemas.microsoft.com/office/powerpoint/2010/main" val="4144041670"/>
+      </p:ext>
+    </p:extLst>
+  </p:cSld>
+  <p:clrMapOvr>
+    <a:masterClrMapping/>
+  </p:clrMapOvr>
+</p:sld>
+</file>
+
+<file path=ppt/slides/slide15.xml><?xml version="1.0" encoding="utf-8"?>
+<p:sld xmlns:a="http://schemas.openxmlformats.org/drawingml/2006/main" xmlns:r="http://schemas.openxmlformats.org/officeDocument/2006/relationships" xmlns:p="http://schemas.openxmlformats.org/presentationml/2006/main">
+  <p:cSld>
+    <p:spTree>
+      <p:nvGrpSpPr>
+        <p:cNvPr id="1" name="">
+          <a:extLst>
+            <a:ext uri="{FF2B5EF4-FFF2-40B4-BE49-F238E27FC236}">
               <a16:creationId xmlns:a16="http://schemas.microsoft.com/office/drawing/2014/main" id="{7447B179-C4A1-F359-DBB2-E8195E8C2AD4}"/>
             </a:ext>
           </a:extLst>
@@ -4327,7 +5432,7 @@
 </p:sld>
 </file>
 
-<file path=ppt/slides/slide11.xml><?xml version="1.0" encoding="utf-8"?>
+<file path=ppt/slides/slide16.xml><?xml version="1.0" encoding="utf-8"?>
 <p:sld xmlns:a="http://schemas.openxmlformats.org/drawingml/2006/main" xmlns:r="http://schemas.openxmlformats.org/officeDocument/2006/relationships" xmlns:p="http://schemas.openxmlformats.org/presentationml/2006/main">
   <p:cSld>
     <p:spTree>
@@ -5439,7 +6544,7 @@
         <p:cNvPr id="1" name="">
           <a:extLst>
             <a:ext uri="{FF2B5EF4-FFF2-40B4-BE49-F238E27FC236}">
-              <a16:creationId xmlns:a16="http://schemas.microsoft.com/office/drawing/2014/main" id="{D3887894-AA1E-B547-F69E-0B83D1E79D7D}"/>
+              <a16:creationId xmlns:a16="http://schemas.microsoft.com/office/drawing/2014/main" id="{7F840BAB-3177-F65B-A499-719F84A06A0E}"/>
             </a:ext>
           </a:extLst>
         </p:cNvPr>
@@ -5459,7 +6564,7 @@
           <p:cNvPr id="2" name="タイトル 1">
             <a:extLst>
               <a:ext uri="{FF2B5EF4-FFF2-40B4-BE49-F238E27FC236}">
-                <a16:creationId xmlns:a16="http://schemas.microsoft.com/office/drawing/2014/main" id="{4CE5FD40-263F-33F7-13AB-2D1F79BFD831}"/>
+                <a16:creationId xmlns:a16="http://schemas.microsoft.com/office/drawing/2014/main" id="{FB961BE5-0DBA-C2A4-4C25-D980975E8E52}"/>
               </a:ext>
             </a:extLst>
           </p:cNvPr>
@@ -5468,40 +6573,12 @@
           </p:cNvSpPr>
           <p:nvPr>
             <p:ph type="title"/>
-          </p:nvPr>
-        </p:nvSpPr>
-        <p:spPr/>
-        <p:txBody>
-          <a:bodyPr/>
-          <a:lstStyle/>
-          <a:p>
-            <a:r>
-              <a:rPr kumimoji="1" lang="ja-JP" altLang="en-US" dirty="0"/>
-              <a:t>仕様のアイディア（メモ）</a:t>
-            </a:r>
-          </a:p>
-        </p:txBody>
-      </p:sp>
-      <p:sp>
-        <p:nvSpPr>
-          <p:cNvPr id="3" name="コンテンツ プレースホルダー 2">
-            <a:extLst>
-              <a:ext uri="{FF2B5EF4-FFF2-40B4-BE49-F238E27FC236}">
-                <a16:creationId xmlns:a16="http://schemas.microsoft.com/office/drawing/2014/main" id="{8BB2BF59-0E47-1B8F-9591-8C9B6AA2D71C}"/>
-              </a:ext>
-            </a:extLst>
-          </p:cNvPr>
-          <p:cNvSpPr>
-            <a:spLocks noGrp="1"/>
-          </p:cNvSpPr>
-          <p:nvPr>
-            <p:ph idx="1"/>
           </p:nvPr>
         </p:nvSpPr>
         <p:spPr>
           <a:xfrm>
-            <a:off x="961644" y="2589863"/>
-            <a:ext cx="10268712" cy="3938954"/>
+            <a:off x="791307" y="317814"/>
+            <a:ext cx="10779369" cy="1700784"/>
           </a:xfrm>
         </p:spPr>
         <p:txBody>
@@ -5509,128 +6586,305 @@
           <a:lstStyle/>
           <a:p>
             <a:r>
-              <a:rPr kumimoji="1" lang="ja-JP" altLang="en-US" dirty="0">
-                <a:latin typeface="ＭＳ ゴシック" panose="020B0609070205080204" pitchFamily="49" charset="-128"/>
-                <a:ea typeface="ＭＳ ゴシック" panose="020B0609070205080204" pitchFamily="49" charset="-128"/>
-              </a:rPr>
-              <a:t>ログイン画面</a:t>
-            </a:r>
-            <a:endParaRPr kumimoji="1" lang="en-US" altLang="ja-JP" dirty="0">
-              <a:latin typeface="ＭＳ ゴシック" panose="020B0609070205080204" pitchFamily="49" charset="-128"/>
-              <a:ea typeface="ＭＳ ゴシック" panose="020B0609070205080204" pitchFamily="49" charset="-128"/>
-            </a:endParaRPr>
-          </a:p>
-          <a:p>
-            <a:r>
-              <a:rPr kumimoji="1" lang="ja-JP" altLang="en-US" dirty="0">
-                <a:latin typeface="ＭＳ ゴシック" panose="020B0609070205080204" pitchFamily="49" charset="-128"/>
-                <a:ea typeface="ＭＳ ゴシック" panose="020B0609070205080204" pitchFamily="49" charset="-128"/>
-              </a:rPr>
-              <a:t>ユーザー</a:t>
+              <a:rPr kumimoji="1" lang="ja-JP" altLang="en-US" dirty="0"/>
+              <a:t>メモ（アプリの考えまとめ）</a:t>
+            </a:r>
+          </a:p>
+        </p:txBody>
+      </p:sp>
+      <p:sp>
+        <p:nvSpPr>
+          <p:cNvPr id="3" name="コンテンツ プレースホルダー 2">
+            <a:extLst>
+              <a:ext uri="{FF2B5EF4-FFF2-40B4-BE49-F238E27FC236}">
+                <a16:creationId xmlns:a16="http://schemas.microsoft.com/office/drawing/2014/main" id="{0C2A0077-37C3-1DB1-E768-828BA1576D40}"/>
+              </a:ext>
+            </a:extLst>
+          </p:cNvPr>
+          <p:cNvSpPr>
+            <a:spLocks noGrp="1"/>
+          </p:cNvSpPr>
+          <p:nvPr>
+            <p:ph idx="1"/>
+          </p:nvPr>
+        </p:nvSpPr>
+        <p:spPr>
+          <a:xfrm>
+            <a:off x="960120" y="2321169"/>
+            <a:ext cx="10268712" cy="4536831"/>
+          </a:xfrm>
+        </p:spPr>
+        <p:txBody>
+          <a:bodyPr/>
+          <a:lstStyle/>
+          <a:p>
+            <a:r>
+              <a:rPr kumimoji="1" lang="ja-JP" altLang="en-US" dirty="0">
+                <a:latin typeface="ＭＳ ゴシック" panose="020B0609070205080204" pitchFamily="49" charset="-128"/>
+                <a:ea typeface="ＭＳ ゴシック" panose="020B0609070205080204" pitchFamily="49" charset="-128"/>
+              </a:rPr>
+              <a:t>マーダーミステリーのゲームを</a:t>
             </a:r>
             <a:r>
               <a:rPr kumimoji="1" lang="en-US" altLang="ja-JP" dirty="0">
                 <a:latin typeface="ＭＳ ゴシック" panose="020B0609070205080204" pitchFamily="49" charset="-128"/>
                 <a:ea typeface="ＭＳ ゴシック" panose="020B0609070205080204" pitchFamily="49" charset="-128"/>
               </a:rPr>
-              <a:t>ID</a:t>
-            </a:r>
-            <a:r>
-              <a:rPr kumimoji="1" lang="ja-JP" altLang="en-US" dirty="0">
-                <a:latin typeface="ＭＳ ゴシック" panose="020B0609070205080204" pitchFamily="49" charset="-128"/>
-                <a:ea typeface="ＭＳ ゴシック" panose="020B0609070205080204" pitchFamily="49" charset="-128"/>
-              </a:rPr>
-              <a:t>とパスワードを入力して認証する</a:t>
-            </a:r>
-            <a:endParaRPr kumimoji="1" lang="en-US" altLang="ja-JP" dirty="0">
-              <a:latin typeface="ＭＳ ゴシック" panose="020B0609070205080204" pitchFamily="49" charset="-128"/>
-              <a:ea typeface="ＭＳ ゴシック" panose="020B0609070205080204" pitchFamily="49" charset="-128"/>
-            </a:endParaRPr>
-          </a:p>
-          <a:p>
-            <a:pPr algn="l"/>
-            <a:r>
-              <a:rPr lang="ja-JP" altLang="en-US" b="0" i="0" dirty="0">
-                <a:effectLst/>
-                <a:latin typeface="fkGroteskNeue"/>
-              </a:rPr>
-              <a:t>入力項目：ユーザー</a:t>
-            </a:r>
-            <a:r>
-              <a:rPr lang="en-US" altLang="ja-JP" b="0" i="0" dirty="0">
-                <a:effectLst/>
-                <a:latin typeface="fkGroteskNeue"/>
-              </a:rPr>
-              <a:t>ID</a:t>
-            </a:r>
-            <a:r>
-              <a:rPr lang="ja-JP" altLang="en-US" b="0" i="0" dirty="0">
-                <a:effectLst/>
-                <a:latin typeface="fkGroteskNeue"/>
-              </a:rPr>
-              <a:t>（半角英数字</a:t>
-            </a:r>
-            <a:r>
-              <a:rPr lang="en-US" altLang="ja-JP" b="0" i="0" dirty="0">
-                <a:effectLst/>
-                <a:latin typeface="fkGroteskNeue"/>
-              </a:rPr>
-              <a:t>20</a:t>
-            </a:r>
-            <a:r>
-              <a:rPr lang="ja-JP" altLang="en-US" b="0" i="0" dirty="0">
-                <a:effectLst/>
-                <a:latin typeface="fkGroteskNeue"/>
-              </a:rPr>
-              <a:t>文字以内）、パスワード（</a:t>
-            </a:r>
-            <a:r>
-              <a:rPr lang="en-US" altLang="ja-JP" b="0" i="0" dirty="0">
-                <a:effectLst/>
-                <a:latin typeface="fkGroteskNeue"/>
-              </a:rPr>
-              <a:t>8</a:t>
-            </a:r>
-            <a:r>
-              <a:rPr lang="ja-JP" altLang="en-US" b="0" i="0" dirty="0">
-                <a:effectLst/>
-                <a:latin typeface="fkGroteskNeue"/>
-              </a:rPr>
-              <a:t>文字以上、記号含む）</a:t>
-            </a:r>
-          </a:p>
-          <a:p>
-            <a:pPr algn="l"/>
-            <a:r>
-              <a:rPr lang="ja-JP" altLang="en-US" b="0" i="0" dirty="0">
-                <a:effectLst/>
-                <a:latin typeface="fkGroteskNeue"/>
-              </a:rPr>
-              <a:t>エラー時：入力漏れや不正な</a:t>
-            </a:r>
-            <a:r>
-              <a:rPr lang="en-US" altLang="ja-JP" b="0" i="0" dirty="0">
-                <a:effectLst/>
-                <a:latin typeface="fkGroteskNeue"/>
-              </a:rPr>
-              <a:t>ID</a:t>
-            </a:r>
-            <a:r>
-              <a:rPr lang="ja-JP" altLang="en-US" b="0" i="0" dirty="0">
-                <a:effectLst/>
-                <a:latin typeface="fkGroteskNeue"/>
-              </a:rPr>
-              <a:t>の場合はエラーメッセージを表示</a:t>
-            </a:r>
-          </a:p>
-          <a:p>
-            <a:pPr algn="l"/>
-            <a:r>
-              <a:rPr lang="ja-JP" altLang="en-US" b="0" i="0" dirty="0">
-                <a:effectLst/>
-                <a:latin typeface="fkGroteskNeue"/>
-              </a:rPr>
-              <a:t>操作後：認証成功ならホーム画面へ遷移、失敗ならエラー表示</a:t>
+              <a:t>Flutter</a:t>
+            </a:r>
+            <a:r>
+              <a:rPr kumimoji="1" lang="ja-JP" altLang="en-US" dirty="0">
+                <a:latin typeface="ＭＳ ゴシック" panose="020B0609070205080204" pitchFamily="49" charset="-128"/>
+                <a:ea typeface="ＭＳ ゴシック" panose="020B0609070205080204" pitchFamily="49" charset="-128"/>
+              </a:rPr>
+              <a:t>で作成する</a:t>
+            </a:r>
+          </a:p>
+          <a:p>
+            <a:r>
+              <a:rPr kumimoji="1" lang="ja-JP" altLang="en-US" dirty="0">
+                <a:latin typeface="ＭＳ ゴシック" panose="020B0609070205080204" pitchFamily="49" charset="-128"/>
+                <a:ea typeface="ＭＳ ゴシック" panose="020B0609070205080204" pitchFamily="49" charset="-128"/>
+              </a:rPr>
+              <a:t>ユーザ認証に関して、</a:t>
+            </a:r>
+            <a:r>
+              <a:rPr kumimoji="1" lang="en-US" altLang="ja-JP" dirty="0">
+                <a:latin typeface="ＭＳ ゴシック" panose="020B0609070205080204" pitchFamily="49" charset="-128"/>
+                <a:ea typeface="ＭＳ ゴシック" panose="020B0609070205080204" pitchFamily="49" charset="-128"/>
+              </a:rPr>
+              <a:t>lib/mock/</a:t>
+            </a:r>
+            <a:r>
+              <a:rPr kumimoji="1" lang="en-US" altLang="ja-JP" dirty="0" err="1">
+                <a:latin typeface="ＭＳ ゴシック" panose="020B0609070205080204" pitchFamily="49" charset="-128"/>
+                <a:ea typeface="ＭＳ ゴシック" panose="020B0609070205080204" pitchFamily="49" charset="-128"/>
+              </a:rPr>
+              <a:t>main.dart</a:t>
+            </a:r>
+            <a:r>
+              <a:rPr kumimoji="1" lang="ja-JP" altLang="en-US" dirty="0">
+                <a:latin typeface="ＭＳ ゴシック" panose="020B0609070205080204" pitchFamily="49" charset="-128"/>
+                <a:ea typeface="ＭＳ ゴシック" panose="020B0609070205080204" pitchFamily="49" charset="-128"/>
+              </a:rPr>
+              <a:t>に実装。</a:t>
+            </a:r>
+          </a:p>
+          <a:p>
+            <a:r>
+              <a:rPr kumimoji="1" lang="ja-JP" altLang="en-US" dirty="0">
+                <a:latin typeface="ＭＳ ゴシック" panose="020B0609070205080204" pitchFamily="49" charset="-128"/>
+                <a:ea typeface="ＭＳ ゴシック" panose="020B0609070205080204" pitchFamily="49" charset="-128"/>
+              </a:rPr>
+              <a:t>その他 今後必要なもの</a:t>
+            </a:r>
+          </a:p>
+          <a:p>
+            <a:r>
+              <a:rPr kumimoji="1" lang="ja-JP" altLang="en-US" dirty="0">
+                <a:latin typeface="ＭＳ ゴシック" panose="020B0609070205080204" pitchFamily="49" charset="-128"/>
+                <a:ea typeface="ＭＳ ゴシック" panose="020B0609070205080204" pitchFamily="49" charset="-128"/>
+              </a:rPr>
+              <a:t>ゲーム機能の追加に向けて必要な構成要素：機能・内容</a:t>
+            </a:r>
+          </a:p>
+          <a:p>
+            <a:r>
+              <a:rPr kumimoji="1" lang="ja-JP" altLang="en-US" dirty="0">
+                <a:latin typeface="ＭＳ ゴシック" panose="020B0609070205080204" pitchFamily="49" charset="-128"/>
+                <a:ea typeface="ＭＳ ゴシック" panose="020B0609070205080204" pitchFamily="49" charset="-128"/>
+              </a:rPr>
+              <a:t>新規登録画面　　ユーザ登録</a:t>
+            </a:r>
+          </a:p>
+          <a:p>
+            <a:r>
+              <a:rPr kumimoji="1" lang="ja-JP" altLang="en-US" dirty="0">
+                <a:latin typeface="ＭＳ ゴシック" panose="020B0609070205080204" pitchFamily="49" charset="-128"/>
+                <a:ea typeface="ＭＳ ゴシック" panose="020B0609070205080204" pitchFamily="49" charset="-128"/>
+              </a:rPr>
+              <a:t>ログイン画面　　新規登録したユーザ情報でログイン</a:t>
+            </a:r>
+          </a:p>
+          <a:p>
+            <a:r>
+              <a:rPr kumimoji="1" lang="ja-JP" altLang="en-US" dirty="0">
+                <a:latin typeface="ＭＳ ゴシック" panose="020B0609070205080204" pitchFamily="49" charset="-128"/>
+                <a:ea typeface="ＭＳ ゴシック" panose="020B0609070205080204" pitchFamily="49" charset="-128"/>
+              </a:rPr>
+              <a:t>起動画面　　　　ゲームスタートを押したらホーム画面へ</a:t>
+            </a:r>
+          </a:p>
+          <a:p>
+            <a:r>
+              <a:rPr kumimoji="1" lang="ja-JP" altLang="en-US" dirty="0">
+                <a:latin typeface="ＭＳ ゴシック" panose="020B0609070205080204" pitchFamily="49" charset="-128"/>
+                <a:ea typeface="ＭＳ ゴシック" panose="020B0609070205080204" pitchFamily="49" charset="-128"/>
+              </a:rPr>
+              <a:t>ホーム画面　　　問題を選べれる　ゲームロビーへ</a:t>
+            </a:r>
+          </a:p>
+          <a:p>
+            <a:r>
+              <a:rPr kumimoji="1" lang="ja-JP" altLang="en-US" dirty="0">
+                <a:latin typeface="ＭＳ ゴシック" panose="020B0609070205080204" pitchFamily="49" charset="-128"/>
+                <a:ea typeface="ＭＳ ゴシック" panose="020B0609070205080204" pitchFamily="49" charset="-128"/>
+              </a:rPr>
+              <a:t>ゲームロビー	プレイヤーの待機、参加、役職配布</a:t>
+            </a:r>
+          </a:p>
+          <a:p>
+            <a:r>
+              <a:rPr kumimoji="1" lang="ja-JP" altLang="en-US" dirty="0">
+                <a:latin typeface="ＭＳ ゴシック" panose="020B0609070205080204" pitchFamily="49" charset="-128"/>
+                <a:ea typeface="ＭＳ ゴシック" panose="020B0609070205080204" pitchFamily="49" charset="-128"/>
+              </a:rPr>
+              <a:t>プレイヤー管理	誰が誰なのか（名前、役職、</a:t>
+            </a:r>
+            <a:r>
+              <a:rPr kumimoji="1" lang="en-US" altLang="ja-JP" dirty="0">
+                <a:latin typeface="ＭＳ ゴシック" panose="020B0609070205080204" pitchFamily="49" charset="-128"/>
+                <a:ea typeface="ＭＳ ゴシック" panose="020B0609070205080204" pitchFamily="49" charset="-128"/>
+              </a:rPr>
+              <a:t>UID</a:t>
+            </a:r>
+            <a:r>
+              <a:rPr kumimoji="1" lang="ja-JP" altLang="en-US" dirty="0">
+                <a:latin typeface="ＭＳ ゴシック" panose="020B0609070205080204" pitchFamily="49" charset="-128"/>
+                <a:ea typeface="ＭＳ ゴシック" panose="020B0609070205080204" pitchFamily="49" charset="-128"/>
+              </a:rPr>
+              <a:t>など）</a:t>
+            </a:r>
+          </a:p>
+          <a:p>
+            <a:r>
+              <a:rPr kumimoji="1" lang="ja-JP" altLang="en-US" dirty="0">
+                <a:latin typeface="ＭＳ ゴシック" panose="020B0609070205080204" pitchFamily="49" charset="-128"/>
+                <a:ea typeface="ＭＳ ゴシック" panose="020B0609070205080204" pitchFamily="49" charset="-128"/>
+              </a:rPr>
+              <a:t>チャット</a:t>
+            </a:r>
+            <a:r>
+              <a:rPr kumimoji="1" lang="en-US" altLang="ja-JP" dirty="0">
+                <a:latin typeface="ＭＳ ゴシック" panose="020B0609070205080204" pitchFamily="49" charset="-128"/>
+                <a:ea typeface="ＭＳ ゴシック" panose="020B0609070205080204" pitchFamily="49" charset="-128"/>
+              </a:rPr>
+              <a:t>/</a:t>
+            </a:r>
+            <a:r>
+              <a:rPr kumimoji="1" lang="ja-JP" altLang="en-US" dirty="0">
+                <a:latin typeface="ＭＳ ゴシック" panose="020B0609070205080204" pitchFamily="49" charset="-128"/>
+                <a:ea typeface="ＭＳ ゴシック" panose="020B0609070205080204" pitchFamily="49" charset="-128"/>
+              </a:rPr>
+              <a:t>会話画面	プレイヤー同士が推理を進めるための</a:t>
+            </a:r>
+            <a:r>
+              <a:rPr kumimoji="1" lang="en-US" altLang="ja-JP" dirty="0">
+                <a:latin typeface="ＭＳ ゴシック" panose="020B0609070205080204" pitchFamily="49" charset="-128"/>
+                <a:ea typeface="ＭＳ ゴシック" panose="020B0609070205080204" pitchFamily="49" charset="-128"/>
+              </a:rPr>
+              <a:t>UI</a:t>
+            </a:r>
+          </a:p>
+          <a:p>
+            <a:r>
+              <a:rPr kumimoji="1" lang="ja-JP" altLang="en-US" dirty="0">
+                <a:latin typeface="ＭＳ ゴシック" panose="020B0609070205080204" pitchFamily="49" charset="-128"/>
+                <a:ea typeface="ＭＳ ゴシック" panose="020B0609070205080204" pitchFamily="49" charset="-128"/>
+              </a:rPr>
+              <a:t>タイマー機能	推理時間、議論時間の制限</a:t>
+            </a:r>
+          </a:p>
+          <a:p>
+            <a:r>
+              <a:rPr kumimoji="1" lang="ja-JP" altLang="en-US" dirty="0">
+                <a:latin typeface="ＭＳ ゴシック" panose="020B0609070205080204" pitchFamily="49" charset="-128"/>
+                <a:ea typeface="ＭＳ ゴシック" panose="020B0609070205080204" pitchFamily="49" charset="-128"/>
+              </a:rPr>
+              <a:t>ゲーム進行ロジック	ゲームのフェーズ管理（例：昼、夜、投票など）</a:t>
+            </a:r>
+          </a:p>
+          <a:p>
+            <a:r>
+              <a:rPr kumimoji="1" lang="ja-JP" altLang="en-US" dirty="0">
+                <a:latin typeface="ＭＳ ゴシック" panose="020B0609070205080204" pitchFamily="49" charset="-128"/>
+                <a:ea typeface="ＭＳ ゴシック" panose="020B0609070205080204" pitchFamily="49" charset="-128"/>
+              </a:rPr>
+              <a:t>状態管理	</a:t>
+            </a:r>
+            <a:r>
+              <a:rPr kumimoji="1" lang="en-US" altLang="ja-JP" dirty="0">
+                <a:latin typeface="ＭＳ ゴシック" panose="020B0609070205080204" pitchFamily="49" charset="-128"/>
+                <a:ea typeface="ＭＳ ゴシック" panose="020B0609070205080204" pitchFamily="49" charset="-128"/>
+              </a:rPr>
+              <a:t>provider </a:t>
+            </a:r>
+            <a:r>
+              <a:rPr kumimoji="1" lang="ja-JP" altLang="en-US" dirty="0">
+                <a:latin typeface="ＭＳ ゴシック" panose="020B0609070205080204" pitchFamily="49" charset="-128"/>
+                <a:ea typeface="ＭＳ ゴシック" panose="020B0609070205080204" pitchFamily="49" charset="-128"/>
+              </a:rPr>
+              <a:t>や </a:t>
+            </a:r>
+            <a:r>
+              <a:rPr kumimoji="1" lang="en-US" altLang="ja-JP" dirty="0" err="1">
+                <a:latin typeface="ＭＳ ゴシック" panose="020B0609070205080204" pitchFamily="49" charset="-128"/>
+                <a:ea typeface="ＭＳ ゴシック" panose="020B0609070205080204" pitchFamily="49" charset="-128"/>
+              </a:rPr>
+              <a:t>riverpod</a:t>
+            </a:r>
+            <a:r>
+              <a:rPr kumimoji="1" lang="ja-JP" altLang="en-US" dirty="0">
+                <a:latin typeface="ＭＳ ゴシック" panose="020B0609070205080204" pitchFamily="49" charset="-128"/>
+                <a:ea typeface="ＭＳ ゴシック" panose="020B0609070205080204" pitchFamily="49" charset="-128"/>
+              </a:rPr>
+              <a:t>、</a:t>
+            </a:r>
+            <a:r>
+              <a:rPr kumimoji="1" lang="en-US" altLang="ja-JP" dirty="0">
+                <a:latin typeface="ＭＳ ゴシック" panose="020B0609070205080204" pitchFamily="49" charset="-128"/>
+                <a:ea typeface="ＭＳ ゴシック" panose="020B0609070205080204" pitchFamily="49" charset="-128"/>
+              </a:rPr>
+              <a:t>bloc </a:t>
+            </a:r>
+            <a:r>
+              <a:rPr kumimoji="1" lang="ja-JP" altLang="en-US" dirty="0">
+                <a:latin typeface="ＭＳ ゴシック" panose="020B0609070205080204" pitchFamily="49" charset="-128"/>
+                <a:ea typeface="ＭＳ ゴシック" panose="020B0609070205080204" pitchFamily="49" charset="-128"/>
+              </a:rPr>
+              <a:t>などの状態管理の導入を検討</a:t>
+            </a:r>
+          </a:p>
+          <a:p>
+            <a:r>
+              <a:rPr kumimoji="1" lang="ja-JP" altLang="en-US" dirty="0">
+                <a:latin typeface="ＭＳ ゴシック" panose="020B0609070205080204" pitchFamily="49" charset="-128"/>
+                <a:ea typeface="ＭＳ ゴシック" panose="020B0609070205080204" pitchFamily="49" charset="-128"/>
+              </a:rPr>
+              <a:t>                今考えているものアプリでゲームを進行させる</a:t>
+            </a:r>
+          </a:p>
+          <a:p>
+            <a:r>
+              <a:rPr kumimoji="1" lang="ja-JP" altLang="en-US" dirty="0">
+                <a:latin typeface="ＭＳ ゴシック" panose="020B0609070205080204" pitchFamily="49" charset="-128"/>
+                <a:ea typeface="ＭＳ ゴシック" panose="020B0609070205080204" pitchFamily="49" charset="-128"/>
+              </a:rPr>
+              <a:t>データ保存	</a:t>
+            </a:r>
+            <a:r>
+              <a:rPr kumimoji="1" lang="en-US" altLang="ja-JP" dirty="0" err="1">
+                <a:latin typeface="ＭＳ ゴシック" panose="020B0609070205080204" pitchFamily="49" charset="-128"/>
+                <a:ea typeface="ＭＳ ゴシック" panose="020B0609070205080204" pitchFamily="49" charset="-128"/>
+              </a:rPr>
+              <a:t>Firestore</a:t>
+            </a:r>
+            <a:r>
+              <a:rPr kumimoji="1" lang="ja-JP" altLang="en-US" dirty="0">
+                <a:latin typeface="ＭＳ ゴシック" panose="020B0609070205080204" pitchFamily="49" charset="-128"/>
+                <a:ea typeface="ＭＳ ゴシック" panose="020B0609070205080204" pitchFamily="49" charset="-128"/>
+              </a:rPr>
+              <a:t>などでリアルタイム同期やログ保存</a:t>
             </a:r>
           </a:p>
           <a:p>
@@ -5639,12 +6893,324 @@
               <a:ea typeface="ＭＳ ゴシック" panose="020B0609070205080204" pitchFamily="49" charset="-128"/>
             </a:endParaRPr>
           </a:p>
+          <a:p>
+            <a:r>
+              <a:rPr kumimoji="1" lang="ja-JP" altLang="en-US" dirty="0">
+                <a:latin typeface="ＭＳ ゴシック" panose="020B0609070205080204" pitchFamily="49" charset="-128"/>
+                <a:ea typeface="ＭＳ ゴシック" panose="020B0609070205080204" pitchFamily="49" charset="-128"/>
+              </a:rPr>
+              <a:t>もし「オンライン対応（複数人参加）」も目指すなら、</a:t>
+            </a:r>
+            <a:r>
+              <a:rPr kumimoji="1" lang="en-US" altLang="ja-JP" dirty="0">
+                <a:latin typeface="ＭＳ ゴシック" panose="020B0609070205080204" pitchFamily="49" charset="-128"/>
+                <a:ea typeface="ＭＳ ゴシック" panose="020B0609070205080204" pitchFamily="49" charset="-128"/>
+              </a:rPr>
+              <a:t>Firebase </a:t>
+            </a:r>
+            <a:r>
+              <a:rPr kumimoji="1" lang="en-US" altLang="ja-JP" dirty="0" err="1">
+                <a:latin typeface="ＭＳ ゴシック" panose="020B0609070205080204" pitchFamily="49" charset="-128"/>
+                <a:ea typeface="ＭＳ ゴシック" panose="020B0609070205080204" pitchFamily="49" charset="-128"/>
+              </a:rPr>
+              <a:t>Firestore</a:t>
+            </a:r>
+            <a:r>
+              <a:rPr kumimoji="1" lang="en-US" altLang="ja-JP" dirty="0">
+                <a:latin typeface="ＭＳ ゴシック" panose="020B0609070205080204" pitchFamily="49" charset="-128"/>
+                <a:ea typeface="ＭＳ ゴシック" panose="020B0609070205080204" pitchFamily="49" charset="-128"/>
+              </a:rPr>
+              <a:t> </a:t>
+            </a:r>
+            <a:r>
+              <a:rPr kumimoji="1" lang="ja-JP" altLang="en-US" dirty="0">
+                <a:latin typeface="ＭＳ ゴシック" panose="020B0609070205080204" pitchFamily="49" charset="-128"/>
+                <a:ea typeface="ＭＳ ゴシック" panose="020B0609070205080204" pitchFamily="49" charset="-128"/>
+              </a:rPr>
+              <a:t>や </a:t>
+            </a:r>
+            <a:r>
+              <a:rPr kumimoji="1" lang="en-US" altLang="ja-JP" dirty="0">
+                <a:latin typeface="ＭＳ ゴシック" panose="020B0609070205080204" pitchFamily="49" charset="-128"/>
+                <a:ea typeface="ＭＳ ゴシック" panose="020B0609070205080204" pitchFamily="49" charset="-128"/>
+              </a:rPr>
+              <a:t>Realtime Database </a:t>
+            </a:r>
+            <a:r>
+              <a:rPr kumimoji="1" lang="ja-JP" altLang="en-US" dirty="0">
+                <a:latin typeface="ＭＳ ゴシック" panose="020B0609070205080204" pitchFamily="49" charset="-128"/>
+                <a:ea typeface="ＭＳ ゴシック" panose="020B0609070205080204" pitchFamily="49" charset="-128"/>
+              </a:rPr>
+              <a:t>を活用してプレイヤー同士の同期も検討</a:t>
+            </a:r>
+          </a:p>
+          <a:p>
+            <a:endParaRPr kumimoji="1" lang="ja-JP" altLang="en-US" dirty="0">
+              <a:latin typeface="ＭＳ ゴシック" panose="020B0609070205080204" pitchFamily="49" charset="-128"/>
+              <a:ea typeface="ＭＳ ゴシック" panose="020B0609070205080204" pitchFamily="49" charset="-128"/>
+            </a:endParaRPr>
+          </a:p>
+          <a:p>
+            <a:endParaRPr kumimoji="1" lang="ja-JP" altLang="en-US" dirty="0">
+              <a:latin typeface="ＭＳ ゴシック" panose="020B0609070205080204" pitchFamily="49" charset="-128"/>
+              <a:ea typeface="ＭＳ ゴシック" panose="020B0609070205080204" pitchFamily="49" charset="-128"/>
+            </a:endParaRPr>
+          </a:p>
+          <a:p>
+            <a:r>
+              <a:rPr kumimoji="1" lang="ja-JP" altLang="en-US" dirty="0">
+                <a:latin typeface="ＭＳ ゴシック" panose="020B0609070205080204" pitchFamily="49" charset="-128"/>
+                <a:ea typeface="ＭＳ ゴシック" panose="020B0609070205080204" pitchFamily="49" charset="-128"/>
+              </a:rPr>
+              <a:t>マーダーミステリー</a:t>
+            </a:r>
+          </a:p>
+          <a:p>
+            <a:r>
+              <a:rPr kumimoji="1" lang="ja-JP" altLang="en-US" dirty="0">
+                <a:latin typeface="ＭＳ ゴシック" panose="020B0609070205080204" pitchFamily="49" charset="-128"/>
+                <a:ea typeface="ＭＳ ゴシック" panose="020B0609070205080204" pitchFamily="49" charset="-128"/>
+              </a:rPr>
+              <a:t>今考えている</a:t>
+            </a:r>
+          </a:p>
+          <a:p>
+            <a:r>
+              <a:rPr kumimoji="1" lang="ja-JP" altLang="en-US" dirty="0">
+                <a:latin typeface="ＭＳ ゴシック" panose="020B0609070205080204" pitchFamily="49" charset="-128"/>
+                <a:ea typeface="ＭＳ ゴシック" panose="020B0609070205080204" pitchFamily="49" charset="-128"/>
+              </a:rPr>
+              <a:t>ゲームの要件</a:t>
+            </a:r>
+          </a:p>
+          <a:p>
+            <a:r>
+              <a:rPr kumimoji="1" lang="ja-JP" altLang="en-US" dirty="0">
+                <a:latin typeface="ＭＳ ゴシック" panose="020B0609070205080204" pitchFamily="49" charset="-128"/>
+                <a:ea typeface="ＭＳ ゴシック" panose="020B0609070205080204" pitchFamily="49" charset="-128"/>
+              </a:rPr>
+              <a:t>できれば一人でもできるようにしたい</a:t>
+            </a:r>
+          </a:p>
+          <a:p>
+            <a:r>
+              <a:rPr kumimoji="1" lang="ja-JP" altLang="en-US" dirty="0">
+                <a:latin typeface="ＭＳ ゴシック" panose="020B0609070205080204" pitchFamily="49" charset="-128"/>
+                <a:ea typeface="ＭＳ ゴシック" panose="020B0609070205080204" pitchFamily="49" charset="-128"/>
+              </a:rPr>
+              <a:t>ルーム参加者待てるところを作る</a:t>
+            </a:r>
+          </a:p>
+          <a:p>
+            <a:r>
+              <a:rPr kumimoji="1" lang="ja-JP" altLang="en-US" dirty="0">
+                <a:latin typeface="ＭＳ ゴシック" panose="020B0609070205080204" pitchFamily="49" charset="-128"/>
+                <a:ea typeface="ＭＳ ゴシック" panose="020B0609070205080204" pitchFamily="49" charset="-128"/>
+              </a:rPr>
+              <a:t>問題を選択できるようにする</a:t>
+            </a:r>
+          </a:p>
+          <a:p>
+            <a:r>
+              <a:rPr kumimoji="1" lang="ja-JP" altLang="en-US" dirty="0">
+                <a:latin typeface="ＭＳ ゴシック" panose="020B0609070205080204" pitchFamily="49" charset="-128"/>
+                <a:ea typeface="ＭＳ ゴシック" panose="020B0609070205080204" pitchFamily="49" charset="-128"/>
+              </a:rPr>
+              <a:t>話ができるところ（チャットできる）</a:t>
+            </a:r>
+          </a:p>
+          <a:p>
+            <a:r>
+              <a:rPr kumimoji="1" lang="ja-JP" altLang="en-US" dirty="0">
+                <a:latin typeface="ＭＳ ゴシック" panose="020B0609070205080204" pitchFamily="49" charset="-128"/>
+                <a:ea typeface="ＭＳ ゴシック" panose="020B0609070205080204" pitchFamily="49" charset="-128"/>
+              </a:rPr>
+              <a:t>個別で話し合いができるところを作る</a:t>
+            </a:r>
+          </a:p>
+          <a:p>
+            <a:r>
+              <a:rPr kumimoji="1" lang="ja-JP" altLang="en-US" dirty="0">
+                <a:latin typeface="ＭＳ ゴシック" panose="020B0609070205080204" pitchFamily="49" charset="-128"/>
+                <a:ea typeface="ＭＳ ゴシック" panose="020B0609070205080204" pitchFamily="49" charset="-128"/>
+              </a:rPr>
+              <a:t>投票できるようにする</a:t>
+            </a:r>
+          </a:p>
+          <a:p>
+            <a:r>
+              <a:rPr kumimoji="1" lang="ja-JP" altLang="en-US" dirty="0">
+                <a:latin typeface="ＭＳ ゴシック" panose="020B0609070205080204" pitchFamily="49" charset="-128"/>
+                <a:ea typeface="ＭＳ ゴシック" panose="020B0609070205080204" pitchFamily="49" charset="-128"/>
+              </a:rPr>
+              <a:t>時間制限で次のステップに行けるようにする</a:t>
+            </a:r>
+          </a:p>
+          <a:p>
+            <a:r>
+              <a:rPr kumimoji="1" lang="ja-JP" altLang="en-US" dirty="0">
+                <a:latin typeface="ＭＳ ゴシック" panose="020B0609070205080204" pitchFamily="49" charset="-128"/>
+                <a:ea typeface="ＭＳ ゴシック" panose="020B0609070205080204" pitchFamily="49" charset="-128"/>
+              </a:rPr>
+              <a:t>ステップ</a:t>
+            </a:r>
+          </a:p>
+          <a:p>
+            <a:r>
+              <a:rPr kumimoji="1" lang="ja-JP" altLang="en-US" dirty="0">
+                <a:latin typeface="ＭＳ ゴシック" panose="020B0609070205080204" pitchFamily="49" charset="-128"/>
+                <a:ea typeface="ＭＳ ゴシック" panose="020B0609070205080204" pitchFamily="49" charset="-128"/>
+              </a:rPr>
+              <a:t>参加者に役割をランダムに割り振る</a:t>
+            </a:r>
+          </a:p>
+          <a:p>
+            <a:r>
+              <a:rPr kumimoji="1" lang="ja-JP" altLang="en-US" dirty="0">
+                <a:latin typeface="ＭＳ ゴシック" panose="020B0609070205080204" pitchFamily="49" charset="-128"/>
+                <a:ea typeface="ＭＳ ゴシック" panose="020B0609070205080204" pitchFamily="49" charset="-128"/>
+              </a:rPr>
+              <a:t>自分の役割を知る</a:t>
+            </a:r>
+          </a:p>
+          <a:p>
+            <a:r>
+              <a:rPr kumimoji="1" lang="ja-JP" altLang="en-US" dirty="0">
+                <a:latin typeface="ＭＳ ゴシック" panose="020B0609070205080204" pitchFamily="49" charset="-128"/>
+                <a:ea typeface="ＭＳ ゴシック" panose="020B0609070205080204" pitchFamily="49" charset="-128"/>
+              </a:rPr>
+              <a:t>確認したら、話し合いへ</a:t>
+            </a:r>
+          </a:p>
+          <a:p>
+            <a:r>
+              <a:rPr kumimoji="1" lang="ja-JP" altLang="en-US" dirty="0">
+                <a:latin typeface="ＭＳ ゴシック" panose="020B0609070205080204" pitchFamily="49" charset="-128"/>
+                <a:ea typeface="ＭＳ ゴシック" panose="020B0609070205080204" pitchFamily="49" charset="-128"/>
+              </a:rPr>
+              <a:t>後から知ることができる証拠を選択させる</a:t>
+            </a:r>
+          </a:p>
+          <a:p>
+            <a:r>
+              <a:rPr kumimoji="1" lang="ja-JP" altLang="en-US" dirty="0">
+                <a:latin typeface="ＭＳ ゴシック" panose="020B0609070205080204" pitchFamily="49" charset="-128"/>
+                <a:ea typeface="ＭＳ ゴシック" panose="020B0609070205080204" pitchFamily="49" charset="-128"/>
+              </a:rPr>
+              <a:t>その後話し合いをさせる</a:t>
+            </a:r>
+          </a:p>
+          <a:p>
+            <a:r>
+              <a:rPr kumimoji="1" lang="ja-JP" altLang="en-US" dirty="0">
+                <a:latin typeface="ＭＳ ゴシック" panose="020B0609070205080204" pitchFamily="49" charset="-128"/>
+                <a:ea typeface="ＭＳ ゴシック" panose="020B0609070205080204" pitchFamily="49" charset="-128"/>
+              </a:rPr>
+              <a:t>話の流れ</a:t>
+            </a:r>
+          </a:p>
+          <a:p>
+            <a:r>
+              <a:rPr kumimoji="1" lang="ja-JP" altLang="en-US" dirty="0">
+                <a:latin typeface="ＭＳ ゴシック" panose="020B0609070205080204" pitchFamily="49" charset="-128"/>
+                <a:ea typeface="ＭＳ ゴシック" panose="020B0609070205080204" pitchFamily="49" charset="-128"/>
+              </a:rPr>
+              <a:t>最初に全体で話し合いをさせる</a:t>
+            </a:r>
+          </a:p>
+          <a:p>
+            <a:r>
+              <a:rPr kumimoji="1" lang="ja-JP" altLang="en-US" dirty="0">
+                <a:latin typeface="ＭＳ ゴシック" panose="020B0609070205080204" pitchFamily="49" charset="-128"/>
+                <a:ea typeface="ＭＳ ゴシック" panose="020B0609070205080204" pitchFamily="49" charset="-128"/>
+              </a:rPr>
+              <a:t>その後順番に組合せで個別で話し合いをさせる</a:t>
+            </a:r>
+          </a:p>
+          <a:p>
+            <a:r>
+              <a:rPr kumimoji="1" lang="ja-JP" altLang="en-US" dirty="0">
+                <a:latin typeface="ＭＳ ゴシック" panose="020B0609070205080204" pitchFamily="49" charset="-128"/>
+                <a:ea typeface="ＭＳ ゴシック" panose="020B0609070205080204" pitchFamily="49" charset="-128"/>
+              </a:rPr>
+              <a:t>上の流れを二回行う</a:t>
+            </a:r>
+          </a:p>
+          <a:p>
+            <a:r>
+              <a:rPr kumimoji="1" lang="ja-JP" altLang="en-US" dirty="0">
+                <a:latin typeface="ＭＳ ゴシック" panose="020B0609070205080204" pitchFamily="49" charset="-128"/>
+                <a:ea typeface="ＭＳ ゴシック" panose="020B0609070205080204" pitchFamily="49" charset="-128"/>
+              </a:rPr>
+              <a:t>その後誰があやしいか順番に聞いていく</a:t>
+            </a:r>
+          </a:p>
+          <a:p>
+            <a:r>
+              <a:rPr kumimoji="1" lang="ja-JP" altLang="en-US" dirty="0">
+                <a:latin typeface="ＭＳ ゴシック" panose="020B0609070205080204" pitchFamily="49" charset="-128"/>
+                <a:ea typeface="ＭＳ ゴシック" panose="020B0609070205080204" pitchFamily="49" charset="-128"/>
+              </a:rPr>
+              <a:t>　なぜ怪しいと思うのかを理由も言ってもらい</a:t>
+            </a:r>
+          </a:p>
+          <a:p>
+            <a:r>
+              <a:rPr kumimoji="1" lang="ja-JP" altLang="en-US" dirty="0">
+                <a:latin typeface="ＭＳ ゴシック" panose="020B0609070205080204" pitchFamily="49" charset="-128"/>
+                <a:ea typeface="ＭＳ ゴシック" panose="020B0609070205080204" pitchFamily="49" charset="-128"/>
+              </a:rPr>
+              <a:t>　それに対して質問したい人が質問していく</a:t>
+            </a:r>
+          </a:p>
+          <a:p>
+            <a:r>
+              <a:rPr kumimoji="1" lang="ja-JP" altLang="en-US" dirty="0">
+                <a:latin typeface="ＭＳ ゴシック" panose="020B0609070205080204" pitchFamily="49" charset="-128"/>
+                <a:ea typeface="ＭＳ ゴシック" panose="020B0609070205080204" pitchFamily="49" charset="-128"/>
+              </a:rPr>
+              <a:t>最後に投票させる</a:t>
+            </a:r>
+          </a:p>
+          <a:p>
+            <a:r>
+              <a:rPr kumimoji="1" lang="ja-JP" altLang="en-US" dirty="0">
+                <a:latin typeface="ＭＳ ゴシック" panose="020B0609070205080204" pitchFamily="49" charset="-128"/>
+                <a:ea typeface="ＭＳ ゴシック" panose="020B0609070205080204" pitchFamily="49" charset="-128"/>
+              </a:rPr>
+              <a:t>投票結果で犯人がどのような結果になるかを言い</a:t>
+            </a:r>
+          </a:p>
+          <a:p>
+            <a:r>
+              <a:rPr kumimoji="1" lang="ja-JP" altLang="en-US" dirty="0">
+                <a:latin typeface="ＭＳ ゴシック" panose="020B0609070205080204" pitchFamily="49" charset="-128"/>
+                <a:ea typeface="ＭＳ ゴシック" panose="020B0609070205080204" pitchFamily="49" charset="-128"/>
+              </a:rPr>
+              <a:t>その後の人物がどうなったかを説明する</a:t>
+            </a:r>
+          </a:p>
+          <a:p>
+            <a:r>
+              <a:rPr kumimoji="1" lang="ja-JP" altLang="en-US" dirty="0">
+                <a:latin typeface="ＭＳ ゴシック" panose="020B0609070205080204" pitchFamily="49" charset="-128"/>
+                <a:ea typeface="ＭＳ ゴシック" panose="020B0609070205080204" pitchFamily="49" charset="-128"/>
+              </a:rPr>
+              <a:t>最後にだれが犯人だったのかを教える</a:t>
+            </a:r>
+          </a:p>
+          <a:p>
+            <a:endParaRPr kumimoji="1" lang="ja-JP" altLang="en-US" dirty="0">
+              <a:latin typeface="ＭＳ ゴシック" panose="020B0609070205080204" pitchFamily="49" charset="-128"/>
+              <a:ea typeface="ＭＳ ゴシック" panose="020B0609070205080204" pitchFamily="49" charset="-128"/>
+            </a:endParaRPr>
+          </a:p>
         </p:txBody>
       </p:sp>
     </p:spTree>
     <p:extLst>
       <p:ext uri="{BB962C8B-B14F-4D97-AF65-F5344CB8AC3E}">
-        <p14:creationId xmlns:p14="http://schemas.microsoft.com/office/powerpoint/2010/main" val="678821310"/>
+        <p14:creationId xmlns:p14="http://schemas.microsoft.com/office/powerpoint/2010/main" val="4135480515"/>
       </p:ext>
     </p:extLst>
   </p:cSld>
@@ -5662,7 +7228,7 @@
         <p:cNvPr id="1" name="">
           <a:extLst>
             <a:ext uri="{FF2B5EF4-FFF2-40B4-BE49-F238E27FC236}">
-              <a16:creationId xmlns:a16="http://schemas.microsoft.com/office/drawing/2014/main" id="{DEBA5D54-CE44-B035-32D9-41BBA9CA96CC}"/>
+              <a16:creationId xmlns:a16="http://schemas.microsoft.com/office/drawing/2014/main" id="{D88CAFAC-285E-C683-20F3-01F9F52839A6}"/>
             </a:ext>
           </a:extLst>
         </p:cNvPr>
@@ -5682,7 +7248,7 @@
           <p:cNvPr id="2" name="タイトル 1">
             <a:extLst>
               <a:ext uri="{FF2B5EF4-FFF2-40B4-BE49-F238E27FC236}">
-                <a16:creationId xmlns:a16="http://schemas.microsoft.com/office/drawing/2014/main" id="{3BCA6D30-149D-06F2-DFED-ABF1EE3A5AA8}"/>
+                <a16:creationId xmlns:a16="http://schemas.microsoft.com/office/drawing/2014/main" id="{42E357A5-1231-0654-E37B-D9406AE8D4D2}"/>
               </a:ext>
             </a:extLst>
           </p:cNvPr>
@@ -5691,40 +7257,12 @@
           </p:cNvSpPr>
           <p:nvPr>
             <p:ph type="title"/>
-          </p:nvPr>
-        </p:nvSpPr>
-        <p:spPr/>
-        <p:txBody>
-          <a:bodyPr/>
-          <a:lstStyle/>
-          <a:p>
-            <a:r>
-              <a:rPr kumimoji="1" lang="ja-JP" altLang="en-US" dirty="0"/>
-              <a:t>ログインについて（メモ）</a:t>
-            </a:r>
-          </a:p>
-        </p:txBody>
-      </p:sp>
-      <p:sp>
-        <p:nvSpPr>
-          <p:cNvPr id="3" name="コンテンツ プレースホルダー 2">
-            <a:extLst>
-              <a:ext uri="{FF2B5EF4-FFF2-40B4-BE49-F238E27FC236}">
-                <a16:creationId xmlns:a16="http://schemas.microsoft.com/office/drawing/2014/main" id="{48654D54-05A1-CA28-078D-22263EE3CAA3}"/>
-              </a:ext>
-            </a:extLst>
-          </p:cNvPr>
-          <p:cNvSpPr>
-            <a:spLocks noGrp="1"/>
-          </p:cNvSpPr>
-          <p:nvPr>
-            <p:ph idx="1"/>
           </p:nvPr>
         </p:nvSpPr>
         <p:spPr>
           <a:xfrm>
-            <a:off x="961644" y="2589863"/>
-            <a:ext cx="10268712" cy="3938954"/>
+            <a:off x="791307" y="317814"/>
+            <a:ext cx="10779369" cy="1700784"/>
           </a:xfrm>
         </p:spPr>
         <p:txBody>
@@ -5732,140 +7270,133 @@
           <a:lstStyle/>
           <a:p>
             <a:r>
-              <a:rPr kumimoji="1" lang="ja-JP" altLang="en-US" dirty="0">
-                <a:latin typeface="ＭＳ ゴシック" panose="020B0609070205080204" pitchFamily="49" charset="-128"/>
-                <a:ea typeface="ＭＳ ゴシック" panose="020B0609070205080204" pitchFamily="49" charset="-128"/>
-              </a:rPr>
-              <a:t>参考に</a:t>
-            </a:r>
-            <a:r>
-              <a:rPr kumimoji="1" lang="en-US" altLang="ja-JP" dirty="0">
-                <a:latin typeface="ＭＳ ゴシック" panose="020B0609070205080204" pitchFamily="49" charset="-128"/>
-                <a:ea typeface="ＭＳ ゴシック" panose="020B0609070205080204" pitchFamily="49" charset="-128"/>
-              </a:rPr>
-              <a:t>URL</a:t>
-            </a:r>
-          </a:p>
-          <a:p>
-            <a:r>
-              <a:rPr lang="ja-JP" altLang="en-US" dirty="0">
-                <a:hlinkClick r:id="rId2"/>
-              </a:rPr>
-              <a:t>　</a:t>
-            </a:r>
-            <a:r>
-              <a:rPr lang="en-US" altLang="ja-JP" dirty="0">
-                <a:hlinkClick r:id="rId2"/>
-              </a:rPr>
-              <a:t>02.Authentication</a:t>
-            </a:r>
-            <a:r>
-              <a:rPr lang="ja-JP" altLang="en-US" dirty="0">
-                <a:hlinkClick r:id="rId2"/>
-              </a:rPr>
-              <a:t>｜</a:t>
-            </a:r>
-            <a:r>
-              <a:rPr lang="en-US" altLang="ja-JP" dirty="0">
-                <a:hlinkClick r:id="rId2"/>
-              </a:rPr>
-              <a:t>Flutter</a:t>
-            </a:r>
-            <a:r>
-              <a:rPr lang="ja-JP" altLang="en-US" dirty="0">
-                <a:hlinkClick r:id="rId2"/>
-              </a:rPr>
-              <a:t>実践入門</a:t>
-            </a:r>
-            <a:endParaRPr lang="en-US" altLang="ja-JP" dirty="0"/>
-          </a:p>
-          <a:p>
-            <a:r>
-              <a:rPr lang="en-US" altLang="ja-JP" i="0" dirty="0">
-                <a:effectLst/>
-                <a:latin typeface="ＭＳ ゴシック" panose="020B0609070205080204" pitchFamily="49" charset="-128"/>
-                <a:ea typeface="ＭＳ ゴシック" panose="020B0609070205080204" pitchFamily="49" charset="-128"/>
-              </a:rPr>
-              <a:t>Firebase</a:t>
-            </a:r>
-            <a:r>
-              <a:rPr lang="ja-JP" altLang="en-US" i="0" dirty="0">
-                <a:effectLst/>
-                <a:latin typeface="ＭＳ ゴシック" panose="020B0609070205080204" pitchFamily="49" charset="-128"/>
-                <a:ea typeface="ＭＳ ゴシック" panose="020B0609070205080204" pitchFamily="49" charset="-128"/>
-              </a:rPr>
-              <a:t>を使用を考えている（ユーザ認証）</a:t>
-            </a:r>
-            <a:endParaRPr lang="en-US" altLang="ja-JP" i="0" dirty="0">
-              <a:effectLst/>
-              <a:latin typeface="ＭＳ ゴシック" panose="020B0609070205080204" pitchFamily="49" charset="-128"/>
-              <a:ea typeface="ＭＳ ゴシック" panose="020B0609070205080204" pitchFamily="49" charset="-128"/>
-            </a:endParaRPr>
-          </a:p>
-          <a:p>
-            <a:r>
-              <a:rPr lang="ja-JP" altLang="en-US" dirty="0">
-                <a:latin typeface="ＭＳ ゴシック" panose="020B0609070205080204" pitchFamily="49" charset="-128"/>
-                <a:ea typeface="ＭＳ ゴシック" panose="020B0609070205080204" pitchFamily="49" charset="-128"/>
-              </a:rPr>
-              <a:t>参考</a:t>
-            </a:r>
-            <a:r>
-              <a:rPr lang="en-US" altLang="ja-JP" dirty="0">
-                <a:latin typeface="ＭＳ ゴシック" panose="020B0609070205080204" pitchFamily="49" charset="-128"/>
-                <a:ea typeface="ＭＳ ゴシック" panose="020B0609070205080204" pitchFamily="49" charset="-128"/>
-              </a:rPr>
-              <a:t>URL</a:t>
-            </a:r>
-          </a:p>
-          <a:p>
-            <a:r>
-              <a:rPr lang="ja-JP" altLang="en-US" dirty="0">
-                <a:hlinkClick r:id="rId3"/>
-              </a:rPr>
-              <a:t>　</a:t>
-            </a:r>
-            <a:r>
-              <a:rPr lang="en-US" altLang="ja-JP" dirty="0">
-                <a:hlinkClick r:id="rId3"/>
-              </a:rPr>
-              <a:t>01.Firebase</a:t>
-            </a:r>
-            <a:r>
-              <a:rPr lang="ja-JP" altLang="en-US" dirty="0">
-                <a:hlinkClick r:id="rId3"/>
-              </a:rPr>
-              <a:t>の概要｜</a:t>
-            </a:r>
-            <a:r>
-              <a:rPr lang="en-US" altLang="ja-JP" dirty="0">
-                <a:hlinkClick r:id="rId3"/>
-              </a:rPr>
-              <a:t>Flutter</a:t>
-            </a:r>
-            <a:r>
-              <a:rPr lang="ja-JP" altLang="en-US" dirty="0">
-                <a:hlinkClick r:id="rId3"/>
-              </a:rPr>
-              <a:t>実践入門</a:t>
-            </a:r>
-            <a:endParaRPr lang="en-US" altLang="ja-JP" b="1" i="0" dirty="0">
-              <a:effectLst/>
-              <a:latin typeface="-apple-system"/>
-            </a:endParaRPr>
-          </a:p>
-          <a:p>
-            <a:endParaRPr kumimoji="1" lang="ja-JP" altLang="en-US" dirty="0">
-              <a:latin typeface="ＭＳ ゴシック" panose="020B0609070205080204" pitchFamily="49" charset="-128"/>
-              <a:ea typeface="ＭＳ ゴシック" panose="020B0609070205080204" pitchFamily="49" charset="-128"/>
-            </a:endParaRPr>
+              <a:rPr kumimoji="1" lang="ja-JP" altLang="en-US" dirty="0"/>
+              <a:t>メモ（アプリの考えまとめ）</a:t>
+            </a:r>
+          </a:p>
+        </p:txBody>
+      </p:sp>
+      <p:sp>
+        <p:nvSpPr>
+          <p:cNvPr id="3" name="コンテンツ プレースホルダー 2">
+            <a:extLst>
+              <a:ext uri="{FF2B5EF4-FFF2-40B4-BE49-F238E27FC236}">
+                <a16:creationId xmlns:a16="http://schemas.microsoft.com/office/drawing/2014/main" id="{DEF5B092-AC38-FDC7-078F-EBAB660DB588}"/>
+              </a:ext>
+            </a:extLst>
+          </p:cNvPr>
+          <p:cNvSpPr>
+            <a:spLocks noGrp="1"/>
+          </p:cNvSpPr>
+          <p:nvPr>
+            <p:ph idx="1"/>
+          </p:nvPr>
+        </p:nvSpPr>
+        <p:spPr>
+          <a:xfrm>
+            <a:off x="960120" y="2321169"/>
+            <a:ext cx="10268712" cy="4536831"/>
+          </a:xfrm>
+        </p:spPr>
+        <p:txBody>
+          <a:bodyPr/>
+          <a:lstStyle/>
+          <a:p>
+            <a:r>
+              <a:rPr kumimoji="1" lang="ja-JP" altLang="en-US" dirty="0">
+                <a:latin typeface="ＭＳ ゴシック" panose="020B0609070205080204" pitchFamily="49" charset="-128"/>
+                <a:ea typeface="ＭＳ ゴシック" panose="020B0609070205080204" pitchFamily="49" charset="-128"/>
+              </a:rPr>
+              <a:t>マーダーミステリー</a:t>
+            </a:r>
+          </a:p>
+          <a:p>
+            <a:r>
+              <a:rPr kumimoji="1" lang="ja-JP" altLang="en-US" dirty="0">
+                <a:latin typeface="ＭＳ ゴシック" panose="020B0609070205080204" pitchFamily="49" charset="-128"/>
+                <a:ea typeface="ＭＳ ゴシック" panose="020B0609070205080204" pitchFamily="49" charset="-128"/>
+              </a:rPr>
+              <a:t>今考えている</a:t>
+            </a:r>
+          </a:p>
+          <a:p>
+            <a:r>
+              <a:rPr kumimoji="1" lang="ja-JP" altLang="en-US" dirty="0">
+                <a:latin typeface="ＭＳ ゴシック" panose="020B0609070205080204" pitchFamily="49" charset="-128"/>
+                <a:ea typeface="ＭＳ ゴシック" panose="020B0609070205080204" pitchFamily="49" charset="-128"/>
+              </a:rPr>
+              <a:t>ゲームの要件</a:t>
+            </a:r>
+          </a:p>
+          <a:p>
+            <a:r>
+              <a:rPr kumimoji="1" lang="ja-JP" altLang="en-US" dirty="0">
+                <a:latin typeface="ＭＳ ゴシック" panose="020B0609070205080204" pitchFamily="49" charset="-128"/>
+                <a:ea typeface="ＭＳ ゴシック" panose="020B0609070205080204" pitchFamily="49" charset="-128"/>
+              </a:rPr>
+              <a:t>できれば一人でもできるようにしたい</a:t>
+            </a:r>
+          </a:p>
+          <a:p>
+            <a:r>
+              <a:rPr kumimoji="1" lang="ja-JP" altLang="en-US" dirty="0">
+                <a:latin typeface="ＭＳ ゴシック" panose="020B0609070205080204" pitchFamily="49" charset="-128"/>
+                <a:ea typeface="ＭＳ ゴシック" panose="020B0609070205080204" pitchFamily="49" charset="-128"/>
+              </a:rPr>
+              <a:t>ルーム参加者待てるところを作る</a:t>
+            </a:r>
+          </a:p>
+          <a:p>
+            <a:r>
+              <a:rPr kumimoji="1" lang="ja-JP" altLang="en-US" dirty="0">
+                <a:latin typeface="ＭＳ ゴシック" panose="020B0609070205080204" pitchFamily="49" charset="-128"/>
+                <a:ea typeface="ＭＳ ゴシック" panose="020B0609070205080204" pitchFamily="49" charset="-128"/>
+              </a:rPr>
+              <a:t>問題を選択できるようにする</a:t>
+            </a:r>
+          </a:p>
+          <a:p>
+            <a:r>
+              <a:rPr kumimoji="1" lang="ja-JP" altLang="en-US" dirty="0">
+                <a:latin typeface="ＭＳ ゴシック" panose="020B0609070205080204" pitchFamily="49" charset="-128"/>
+                <a:ea typeface="ＭＳ ゴシック" panose="020B0609070205080204" pitchFamily="49" charset="-128"/>
+              </a:rPr>
+              <a:t>話ができるところ（チャットできる）</a:t>
+            </a:r>
+          </a:p>
+          <a:p>
+            <a:r>
+              <a:rPr kumimoji="1" lang="ja-JP" altLang="en-US" dirty="0">
+                <a:latin typeface="ＭＳ ゴシック" panose="020B0609070205080204" pitchFamily="49" charset="-128"/>
+                <a:ea typeface="ＭＳ ゴシック" panose="020B0609070205080204" pitchFamily="49" charset="-128"/>
+              </a:rPr>
+              <a:t>個別で話し合いができるところを作る</a:t>
+            </a:r>
+          </a:p>
+          <a:p>
+            <a:r>
+              <a:rPr kumimoji="1" lang="ja-JP" altLang="en-US" dirty="0">
+                <a:latin typeface="ＭＳ ゴシック" panose="020B0609070205080204" pitchFamily="49" charset="-128"/>
+                <a:ea typeface="ＭＳ ゴシック" panose="020B0609070205080204" pitchFamily="49" charset="-128"/>
+              </a:rPr>
+              <a:t>投票できるようにする</a:t>
+            </a:r>
+          </a:p>
+          <a:p>
+            <a:r>
+              <a:rPr kumimoji="1" lang="ja-JP" altLang="en-US" dirty="0">
+                <a:latin typeface="ＭＳ ゴシック" panose="020B0609070205080204" pitchFamily="49" charset="-128"/>
+                <a:ea typeface="ＭＳ ゴシック" panose="020B0609070205080204" pitchFamily="49" charset="-128"/>
+              </a:rPr>
+              <a:t>時間制限で次のステップに行けるようにする</a:t>
+            </a:r>
           </a:p>
         </p:txBody>
       </p:sp>
     </p:spTree>
     <p:extLst>
       <p:ext uri="{BB962C8B-B14F-4D97-AF65-F5344CB8AC3E}">
-        <p14:creationId xmlns:p14="http://schemas.microsoft.com/office/powerpoint/2010/main" val="1799583709"/>
+        <p14:creationId xmlns:p14="http://schemas.microsoft.com/office/powerpoint/2010/main" val="697775195"/>
       </p:ext>
     </p:extLst>
   </p:cSld>
@@ -5883,7 +7414,7 @@
         <p:cNvPr id="1" name="">
           <a:extLst>
             <a:ext uri="{FF2B5EF4-FFF2-40B4-BE49-F238E27FC236}">
-              <a16:creationId xmlns:a16="http://schemas.microsoft.com/office/drawing/2014/main" id="{8362D783-4924-FD17-4618-CC93972CB880}"/>
+              <a16:creationId xmlns:a16="http://schemas.microsoft.com/office/drawing/2014/main" id="{CF7B8974-FCCC-6547-7467-1D50A7C6B3E8}"/>
             </a:ext>
           </a:extLst>
         </p:cNvPr>
@@ -5903,7 +7434,7 @@
           <p:cNvPr id="2" name="タイトル 1">
             <a:extLst>
               <a:ext uri="{FF2B5EF4-FFF2-40B4-BE49-F238E27FC236}">
-                <a16:creationId xmlns:a16="http://schemas.microsoft.com/office/drawing/2014/main" id="{84F7E00C-8E17-02B9-55A7-020491E6570C}"/>
+                <a16:creationId xmlns:a16="http://schemas.microsoft.com/office/drawing/2014/main" id="{0305F752-2253-116C-7DC3-01FFCE4FB63B}"/>
               </a:ext>
             </a:extLst>
           </p:cNvPr>
@@ -5912,40 +7443,12 @@
           </p:cNvSpPr>
           <p:nvPr>
             <p:ph type="title"/>
-          </p:nvPr>
-        </p:nvSpPr>
-        <p:spPr/>
-        <p:txBody>
-          <a:bodyPr/>
-          <a:lstStyle/>
-          <a:p>
-            <a:r>
-              <a:rPr kumimoji="1" lang="ja-JP" altLang="en-US" dirty="0"/>
-              <a:t>行動（メモ）</a:t>
-            </a:r>
-          </a:p>
-        </p:txBody>
-      </p:sp>
-      <p:sp>
-        <p:nvSpPr>
-          <p:cNvPr id="3" name="コンテンツ プレースホルダー 2">
-            <a:extLst>
-              <a:ext uri="{FF2B5EF4-FFF2-40B4-BE49-F238E27FC236}">
-                <a16:creationId xmlns:a16="http://schemas.microsoft.com/office/drawing/2014/main" id="{A27F554A-5F26-464A-81AF-4A5A83807923}"/>
-              </a:ext>
-            </a:extLst>
-          </p:cNvPr>
-          <p:cNvSpPr>
-            <a:spLocks noGrp="1"/>
-          </p:cNvSpPr>
-          <p:nvPr>
-            <p:ph idx="1"/>
           </p:nvPr>
         </p:nvSpPr>
         <p:spPr>
           <a:xfrm>
-            <a:off x="960120" y="2601232"/>
-            <a:ext cx="10761784" cy="3938954"/>
+            <a:off x="791307" y="317814"/>
+            <a:ext cx="10779369" cy="1700784"/>
           </a:xfrm>
         </p:spPr>
         <p:txBody>
@@ -5953,155 +7456,97 @@
           <a:lstStyle/>
           <a:p>
             <a:r>
-              <a:rPr lang="ja-JP" altLang="en-US" dirty="0">
-                <a:latin typeface="ＭＳ ゴシック" panose="020B0609070205080204" pitchFamily="49" charset="-128"/>
-                <a:ea typeface="ＭＳ ゴシック" panose="020B0609070205080204" pitchFamily="49" charset="-128"/>
-              </a:rPr>
-              <a:t>参考</a:t>
-            </a:r>
-            <a:r>
-              <a:rPr lang="en-US" altLang="ja-JP" dirty="0">
-                <a:latin typeface="ＭＳ ゴシック" panose="020B0609070205080204" pitchFamily="49" charset="-128"/>
-                <a:ea typeface="ＭＳ ゴシック" panose="020B0609070205080204" pitchFamily="49" charset="-128"/>
-              </a:rPr>
-              <a:t>URL</a:t>
-            </a:r>
-          </a:p>
-          <a:p>
-            <a:r>
-              <a:rPr lang="ja-JP" altLang="en-US" dirty="0">
-                <a:hlinkClick r:id="rId2"/>
-              </a:rPr>
-              <a:t>　</a:t>
-            </a:r>
-            <a:r>
-              <a:rPr lang="en-US" altLang="ja-JP" dirty="0">
-                <a:hlinkClick r:id="rId2"/>
-              </a:rPr>
-              <a:t>01.Firebase</a:t>
-            </a:r>
-            <a:r>
-              <a:rPr lang="ja-JP" altLang="en-US" dirty="0">
-                <a:hlinkClick r:id="rId2"/>
-              </a:rPr>
-              <a:t>の概要｜</a:t>
-            </a:r>
-            <a:r>
-              <a:rPr lang="en-US" altLang="ja-JP" dirty="0">
-                <a:hlinkClick r:id="rId2"/>
-              </a:rPr>
-              <a:t>Flutter</a:t>
-            </a:r>
-            <a:r>
-              <a:rPr lang="ja-JP" altLang="en-US" dirty="0">
-                <a:hlinkClick r:id="rId2"/>
-              </a:rPr>
-              <a:t>実践入門</a:t>
-            </a:r>
-            <a:endParaRPr lang="en-US" altLang="ja-JP" b="1" i="0" dirty="0">
-              <a:effectLst/>
-              <a:latin typeface="-apple-system"/>
-            </a:endParaRPr>
-          </a:p>
-          <a:p>
-            <a:r>
-              <a:rPr lang="en-US" altLang="ja-JP" b="1" i="0" dirty="0">
-                <a:effectLst/>
-                <a:latin typeface="-apple-system"/>
-              </a:rPr>
-              <a:t>5/7 firebase</a:t>
-            </a:r>
-            <a:r>
-              <a:rPr lang="ja-JP" altLang="en-US" b="1" i="0" dirty="0">
-                <a:effectLst/>
-                <a:latin typeface="-apple-system"/>
-              </a:rPr>
-              <a:t>と</a:t>
-            </a:r>
-            <a:r>
-              <a:rPr lang="en-US" altLang="ja-JP" b="1" i="0" dirty="0">
-                <a:effectLst/>
-                <a:latin typeface="-apple-system"/>
-              </a:rPr>
-              <a:t>flutter</a:t>
-            </a:r>
-            <a:r>
-              <a:rPr lang="ja-JP" altLang="en-US" b="1" i="0" dirty="0">
-                <a:effectLst/>
-                <a:latin typeface="-apple-system"/>
-              </a:rPr>
-              <a:t>の連携のところを行っている。</a:t>
-            </a:r>
-            <a:endParaRPr lang="en-US" altLang="ja-JP" b="1" dirty="0">
-              <a:latin typeface="-apple-system"/>
-            </a:endParaRPr>
-          </a:p>
-          <a:p>
-            <a:r>
-              <a:rPr lang="en-US" altLang="ja-JP" b="1" i="0" dirty="0">
-                <a:effectLst/>
-                <a:latin typeface="-apple-system"/>
-              </a:rPr>
-              <a:t>Firebase</a:t>
-            </a:r>
-            <a:r>
-              <a:rPr lang="ja-JP" altLang="en-US" b="1" i="0" dirty="0">
-                <a:effectLst/>
-                <a:latin typeface="-apple-system"/>
-              </a:rPr>
-              <a:t>と</a:t>
-            </a:r>
-            <a:r>
-              <a:rPr lang="en-US" altLang="ja-JP" b="1" i="0" dirty="0">
-                <a:effectLst/>
-                <a:latin typeface="-apple-system"/>
-              </a:rPr>
-              <a:t>flutter</a:t>
-            </a:r>
-            <a:r>
-              <a:rPr lang="ja-JP" altLang="en-US" b="1" i="0" dirty="0">
-                <a:effectLst/>
-                <a:latin typeface="-apple-system"/>
-              </a:rPr>
-              <a:t>を連携させるところまではできた。</a:t>
-            </a:r>
-            <a:endParaRPr lang="en-US" altLang="ja-JP" b="1" i="0" dirty="0">
-              <a:effectLst/>
-              <a:latin typeface="-apple-system"/>
-            </a:endParaRPr>
-          </a:p>
-          <a:p>
-            <a:r>
-              <a:rPr lang="en-US" altLang="ja-JP" b="1" i="0" dirty="0">
-                <a:effectLst/>
-                <a:latin typeface="-apple-system"/>
-              </a:rPr>
-              <a:t>5/14firebas</a:t>
-            </a:r>
-            <a:r>
-              <a:rPr lang="ja-JP" altLang="en-US" b="1" i="0" dirty="0">
-                <a:effectLst/>
-                <a:latin typeface="-apple-system"/>
-              </a:rPr>
-              <a:t>を使ってログインのユーザ認証の動作を確認してうまくできたことを確認した。追加したページの雛形が表示される確認</a:t>
-            </a:r>
-            <a:endParaRPr lang="en-US" altLang="ja-JP" b="1" i="0" dirty="0">
-              <a:effectLst/>
-              <a:latin typeface="-apple-system"/>
-            </a:endParaRPr>
-          </a:p>
-          <a:p>
-            <a:endParaRPr kumimoji="1" lang="ja-JP" altLang="en-US" dirty="0">
-              <a:latin typeface="ＭＳ ゴシック" panose="020B0609070205080204" pitchFamily="49" charset="-128"/>
-              <a:ea typeface="ＭＳ ゴシック" panose="020B0609070205080204" pitchFamily="49" charset="-128"/>
-            </a:endParaRPr>
+              <a:rPr kumimoji="1" lang="ja-JP" altLang="en-US" dirty="0"/>
+              <a:t>メモ（アプリの考えまとめ）</a:t>
+            </a:r>
+          </a:p>
+        </p:txBody>
+      </p:sp>
+      <p:sp>
+        <p:nvSpPr>
+          <p:cNvPr id="3" name="コンテンツ プレースホルダー 2">
+            <a:extLst>
+              <a:ext uri="{FF2B5EF4-FFF2-40B4-BE49-F238E27FC236}">
+                <a16:creationId xmlns:a16="http://schemas.microsoft.com/office/drawing/2014/main" id="{DB657D88-3588-83FD-DF47-BB9F77C78E6C}"/>
+              </a:ext>
+            </a:extLst>
+          </p:cNvPr>
+          <p:cNvSpPr>
+            <a:spLocks noGrp="1"/>
+          </p:cNvSpPr>
+          <p:nvPr>
+            <p:ph idx="1"/>
+          </p:nvPr>
+        </p:nvSpPr>
+        <p:spPr>
+          <a:xfrm>
+            <a:off x="960120" y="2321169"/>
+            <a:ext cx="10268712" cy="4536831"/>
+          </a:xfrm>
+        </p:spPr>
+        <p:txBody>
+          <a:bodyPr/>
+          <a:lstStyle/>
+          <a:p>
+            <a:r>
+              <a:rPr kumimoji="1" lang="ja-JP" altLang="en-US" dirty="0">
+                <a:latin typeface="ＭＳ ゴシック" panose="020B0609070205080204" pitchFamily="49" charset="-128"/>
+                <a:ea typeface="ＭＳ ゴシック" panose="020B0609070205080204" pitchFamily="49" charset="-128"/>
+              </a:rPr>
+              <a:t>ステップ</a:t>
+            </a:r>
+          </a:p>
+          <a:p>
+            <a:r>
+              <a:rPr kumimoji="1" lang="ja-JP" altLang="en-US" dirty="0">
+                <a:latin typeface="ＭＳ ゴシック" panose="020B0609070205080204" pitchFamily="49" charset="-128"/>
+                <a:ea typeface="ＭＳ ゴシック" panose="020B0609070205080204" pitchFamily="49" charset="-128"/>
+              </a:rPr>
+              <a:t>参加者に役割をランダムに割り振る</a:t>
+            </a:r>
+          </a:p>
+          <a:p>
+            <a:r>
+              <a:rPr kumimoji="1" lang="ja-JP" altLang="en-US" dirty="0">
+                <a:latin typeface="ＭＳ ゴシック" panose="020B0609070205080204" pitchFamily="49" charset="-128"/>
+                <a:ea typeface="ＭＳ ゴシック" panose="020B0609070205080204" pitchFamily="49" charset="-128"/>
+              </a:rPr>
+              <a:t>自分の役割を知る</a:t>
+            </a:r>
+          </a:p>
+          <a:p>
+            <a:r>
+              <a:rPr kumimoji="1" lang="ja-JP" altLang="en-US" dirty="0">
+                <a:latin typeface="ＭＳ ゴシック" panose="020B0609070205080204" pitchFamily="49" charset="-128"/>
+                <a:ea typeface="ＭＳ ゴシック" panose="020B0609070205080204" pitchFamily="49" charset="-128"/>
+              </a:rPr>
+              <a:t>確認したら、話し合いへ</a:t>
+            </a:r>
+          </a:p>
+          <a:p>
+            <a:r>
+              <a:rPr kumimoji="1" lang="ja-JP" altLang="en-US" dirty="0">
+                <a:latin typeface="ＭＳ ゴシック" panose="020B0609070205080204" pitchFamily="49" charset="-128"/>
+                <a:ea typeface="ＭＳ ゴシック" panose="020B0609070205080204" pitchFamily="49" charset="-128"/>
+              </a:rPr>
+              <a:t>後から知ることができる証拠を選択させる</a:t>
+            </a:r>
+          </a:p>
+          <a:p>
+            <a:r>
+              <a:rPr kumimoji="1" lang="ja-JP" altLang="en-US" dirty="0">
+                <a:latin typeface="ＭＳ ゴシック" panose="020B0609070205080204" pitchFamily="49" charset="-128"/>
+                <a:ea typeface="ＭＳ ゴシック" panose="020B0609070205080204" pitchFamily="49" charset="-128"/>
+              </a:rPr>
+              <a:t>その後話し合いをさせる</a:t>
+            </a:r>
           </a:p>
         </p:txBody>
       </p:sp>
     </p:spTree>
     <p:extLst>
       <p:ext uri="{BB962C8B-B14F-4D97-AF65-F5344CB8AC3E}">
-        <p14:creationId xmlns:p14="http://schemas.microsoft.com/office/powerpoint/2010/main" val="3848398883"/>
+        <p14:creationId xmlns:p14="http://schemas.microsoft.com/office/powerpoint/2010/main" val="2890121260"/>
       </p:ext>
     </p:extLst>
   </p:cSld>

--- a/Flutterの制作仕様書・アイディア（メモ）.pptx
+++ b/Flutterの制作仕様書・アイディア（メモ）.pptx
@@ -21,6 +21,11 @@
     <p:sldId id="267" r:id="rId15"/>
     <p:sldId id="262" r:id="rId16"/>
     <p:sldId id="263" r:id="rId17"/>
+    <p:sldId id="272" r:id="rId18"/>
+    <p:sldId id="273" r:id="rId19"/>
+    <p:sldId id="275" r:id="rId20"/>
+    <p:sldId id="276" r:id="rId21"/>
+    <p:sldId id="277" r:id="rId22"/>
   </p:sldIdLst>
   <p:sldSz cx="12192000" cy="6858000"/>
   <p:notesSz cx="6858000" cy="9144000"/>
@@ -347,7 +352,7 @@
             <a:fld id="{A37D6D71-8B28-4ED6-B932-04B197003D23}" type="datetimeFigureOut">
               <a:rPr lang="en-US" smtClean="0"/>
               <a:pPr algn="r"/>
-              <a:t>5/21/2025</a:t>
+              <a:t>6/11/2025</a:t>
             </a:fld>
             <a:endParaRPr lang="en-US" dirty="0"/>
           </a:p>
@@ -569,7 +574,7 @@
             <a:fld id="{A37D6D71-8B28-4ED6-B932-04B197003D23}" type="datetimeFigureOut">
               <a:rPr lang="en-US" smtClean="0"/>
               <a:pPr algn="r"/>
-              <a:t>5/21/2025</a:t>
+              <a:t>6/11/2025</a:t>
             </a:fld>
             <a:endParaRPr lang="en-US" dirty="0"/>
           </a:p>
@@ -852,7 +857,7 @@
             <a:fld id="{A37D6D71-8B28-4ED6-B932-04B197003D23}" type="datetimeFigureOut">
               <a:rPr lang="en-US" smtClean="0"/>
               <a:pPr algn="r"/>
-              <a:t>5/21/2025</a:t>
+              <a:t>6/11/2025</a:t>
             </a:fld>
             <a:endParaRPr lang="en-US" dirty="0"/>
           </a:p>
@@ -1066,7 +1071,7 @@
             <a:fld id="{A37D6D71-8B28-4ED6-B932-04B197003D23}" type="datetimeFigureOut">
               <a:rPr lang="en-US" smtClean="0"/>
               <a:pPr algn="r"/>
-              <a:t>5/21/2025</a:t>
+              <a:t>6/11/2025</a:t>
             </a:fld>
             <a:endParaRPr lang="en-US" dirty="0"/>
           </a:p>
@@ -1404,7 +1409,7 @@
             <a:fld id="{A37D6D71-8B28-4ED6-B932-04B197003D23}" type="datetimeFigureOut">
               <a:rPr lang="en-US" smtClean="0"/>
               <a:pPr algn="r"/>
-              <a:t>5/21/2025</a:t>
+              <a:t>6/11/2025</a:t>
             </a:fld>
             <a:endParaRPr lang="en-US" dirty="0"/>
           </a:p>
@@ -1679,7 +1684,7 @@
             <a:fld id="{A37D6D71-8B28-4ED6-B932-04B197003D23}" type="datetimeFigureOut">
               <a:rPr lang="en-US" smtClean="0"/>
               <a:pPr algn="r"/>
-              <a:t>5/21/2025</a:t>
+              <a:t>6/11/2025</a:t>
             </a:fld>
             <a:endParaRPr lang="en-US" dirty="0"/>
           </a:p>
@@ -2068,7 +2073,7 @@
             <a:fld id="{A37D6D71-8B28-4ED6-B932-04B197003D23}" type="datetimeFigureOut">
               <a:rPr lang="en-US" smtClean="0"/>
               <a:pPr algn="r"/>
-              <a:t>5/21/2025</a:t>
+              <a:t>6/11/2025</a:t>
             </a:fld>
             <a:endParaRPr lang="en-US" dirty="0"/>
           </a:p>
@@ -2245,7 +2250,7 @@
             <a:fld id="{A37D6D71-8B28-4ED6-B932-04B197003D23}" type="datetimeFigureOut">
               <a:rPr lang="en-US" smtClean="0"/>
               <a:pPr algn="r"/>
-              <a:t>5/21/2025</a:t>
+              <a:t>6/11/2025</a:t>
             </a:fld>
             <a:endParaRPr lang="en-US" dirty="0"/>
           </a:p>
@@ -2366,7 +2371,7 @@
             <a:fld id="{A37D6D71-8B28-4ED6-B932-04B197003D23}" type="datetimeFigureOut">
               <a:rPr lang="en-US" smtClean="0"/>
               <a:pPr algn="r"/>
-              <a:t>5/21/2025</a:t>
+              <a:t>6/11/2025</a:t>
             </a:fld>
             <a:endParaRPr lang="en-US" dirty="0"/>
           </a:p>
@@ -2651,7 +2656,7 @@
             <a:fld id="{A37D6D71-8B28-4ED6-B932-04B197003D23}" type="datetimeFigureOut">
               <a:rPr lang="en-US" smtClean="0"/>
               <a:pPr algn="r"/>
-              <a:t>5/21/2025</a:t>
+              <a:t>6/11/2025</a:t>
             </a:fld>
             <a:endParaRPr lang="en-US" dirty="0"/>
           </a:p>
@@ -2952,7 +2957,7 @@
             <a:fld id="{A37D6D71-8B28-4ED6-B932-04B197003D23}" type="datetimeFigureOut">
               <a:rPr lang="en-US" smtClean="0"/>
               <a:pPr algn="r"/>
-              <a:t>5/21/2025</a:t>
+              <a:t>6/11/2025</a:t>
             </a:fld>
             <a:endParaRPr lang="en-US" dirty="0"/>
           </a:p>
@@ -3296,7 +3301,7 @@
             <a:fld id="{A37D6D71-8B28-4ED6-B932-04B197003D23}" type="datetimeFigureOut">
               <a:rPr lang="en-US" smtClean="0"/>
               <a:pPr algn="r"/>
-              <a:t>5/21/2025</a:t>
+              <a:t>6/11/2025</a:t>
             </a:fld>
             <a:endParaRPr lang="en-US" spc="50" dirty="0"/>
           </a:p>
@@ -5583,6 +5588,722 @@
 </p:sld>
 </file>
 
+<file path=ppt/slides/slide17.xml><?xml version="1.0" encoding="utf-8"?>
+<p:sld xmlns:a="http://schemas.openxmlformats.org/drawingml/2006/main" xmlns:r="http://schemas.openxmlformats.org/officeDocument/2006/relationships" xmlns:p="http://schemas.openxmlformats.org/presentationml/2006/main">
+  <p:cSld>
+    <p:spTree>
+      <p:nvGrpSpPr>
+        <p:cNvPr id="1" name="">
+          <a:extLst>
+            <a:ext uri="{FF2B5EF4-FFF2-40B4-BE49-F238E27FC236}">
+              <a16:creationId xmlns:a16="http://schemas.microsoft.com/office/drawing/2014/main" id="{20664139-F357-3452-6B31-D1A399061408}"/>
+            </a:ext>
+          </a:extLst>
+        </p:cNvPr>
+        <p:cNvGrpSpPr/>
+        <p:nvPr/>
+      </p:nvGrpSpPr>
+      <p:grpSpPr>
+        <a:xfrm>
+          <a:off x="0" y="0"/>
+          <a:ext cx="0" cy="0"/>
+          <a:chOff x="0" y="0"/>
+          <a:chExt cx="0" cy="0"/>
+        </a:xfrm>
+      </p:grpSpPr>
+      <p:sp>
+        <p:nvSpPr>
+          <p:cNvPr id="2" name="タイトル 1">
+            <a:extLst>
+              <a:ext uri="{FF2B5EF4-FFF2-40B4-BE49-F238E27FC236}">
+                <a16:creationId xmlns:a16="http://schemas.microsoft.com/office/drawing/2014/main" id="{6D7EE989-1C40-BDE1-823C-D3400BF91AE1}"/>
+              </a:ext>
+            </a:extLst>
+          </p:cNvPr>
+          <p:cNvSpPr>
+            <a:spLocks noGrp="1"/>
+          </p:cNvSpPr>
+          <p:nvPr>
+            <p:ph type="title"/>
+          </p:nvPr>
+        </p:nvSpPr>
+        <p:spPr/>
+        <p:txBody>
+          <a:bodyPr/>
+          <a:lstStyle/>
+          <a:p>
+            <a:r>
+              <a:rPr kumimoji="1" lang="ja-JP" altLang="en-US" dirty="0"/>
+              <a:t>仕様のアイディア（メモ）</a:t>
+            </a:r>
+          </a:p>
+        </p:txBody>
+      </p:sp>
+      <p:sp>
+        <p:nvSpPr>
+          <p:cNvPr id="3" name="コンテンツ プレースホルダー 2">
+            <a:extLst>
+              <a:ext uri="{FF2B5EF4-FFF2-40B4-BE49-F238E27FC236}">
+                <a16:creationId xmlns:a16="http://schemas.microsoft.com/office/drawing/2014/main" id="{5F1AD385-6531-A5F2-FD58-05DC979BA95F}"/>
+              </a:ext>
+            </a:extLst>
+          </p:cNvPr>
+          <p:cNvSpPr>
+            <a:spLocks noGrp="1"/>
+          </p:cNvSpPr>
+          <p:nvPr>
+            <p:ph idx="1"/>
+          </p:nvPr>
+        </p:nvSpPr>
+        <p:spPr>
+          <a:xfrm>
+            <a:off x="960120" y="2601232"/>
+            <a:ext cx="10268712" cy="3938954"/>
+          </a:xfrm>
+        </p:spPr>
+        <p:txBody>
+          <a:bodyPr/>
+          <a:lstStyle/>
+          <a:p>
+            <a:r>
+              <a:rPr kumimoji="1" lang="ja-JP" altLang="en-US" sz="1600" dirty="0">
+                <a:latin typeface="ＭＳ ゴシック" panose="020B0609070205080204" pitchFamily="49" charset="-128"/>
+                <a:ea typeface="ＭＳ ゴシック" panose="020B0609070205080204" pitchFamily="49" charset="-128"/>
+              </a:rPr>
+              <a:t>ゲームロビー	プレイヤーの待機、参加、役職配布</a:t>
+            </a:r>
+          </a:p>
+          <a:p>
+            <a:r>
+              <a:rPr kumimoji="1" lang="ja-JP" altLang="en-US" sz="1600" dirty="0">
+                <a:latin typeface="ＭＳ ゴシック" panose="020B0609070205080204" pitchFamily="49" charset="-128"/>
+                <a:ea typeface="ＭＳ ゴシック" panose="020B0609070205080204" pitchFamily="49" charset="-128"/>
+              </a:rPr>
+              <a:t>プレイヤー管理	誰が誰なのか（名前、役職、</a:t>
+            </a:r>
+            <a:r>
+              <a:rPr kumimoji="1" lang="en-US" altLang="ja-JP" sz="1600" dirty="0">
+                <a:latin typeface="ＭＳ ゴシック" panose="020B0609070205080204" pitchFamily="49" charset="-128"/>
+                <a:ea typeface="ＭＳ ゴシック" panose="020B0609070205080204" pitchFamily="49" charset="-128"/>
+              </a:rPr>
+              <a:t>UID</a:t>
+            </a:r>
+            <a:r>
+              <a:rPr kumimoji="1" lang="ja-JP" altLang="en-US" sz="1600" dirty="0">
+                <a:latin typeface="ＭＳ ゴシック" panose="020B0609070205080204" pitchFamily="49" charset="-128"/>
+                <a:ea typeface="ＭＳ ゴシック" panose="020B0609070205080204" pitchFamily="49" charset="-128"/>
+              </a:rPr>
+              <a:t>など）</a:t>
+            </a:r>
+          </a:p>
+          <a:p>
+            <a:r>
+              <a:rPr kumimoji="1" lang="ja-JP" altLang="en-US" sz="1600" dirty="0">
+                <a:latin typeface="ＭＳ ゴシック" panose="020B0609070205080204" pitchFamily="49" charset="-128"/>
+                <a:ea typeface="ＭＳ ゴシック" panose="020B0609070205080204" pitchFamily="49" charset="-128"/>
+              </a:rPr>
+              <a:t>チャット</a:t>
+            </a:r>
+            <a:r>
+              <a:rPr kumimoji="1" lang="en-US" altLang="ja-JP" sz="1600" dirty="0">
+                <a:latin typeface="ＭＳ ゴシック" panose="020B0609070205080204" pitchFamily="49" charset="-128"/>
+                <a:ea typeface="ＭＳ ゴシック" panose="020B0609070205080204" pitchFamily="49" charset="-128"/>
+              </a:rPr>
+              <a:t>/</a:t>
+            </a:r>
+            <a:r>
+              <a:rPr kumimoji="1" lang="ja-JP" altLang="en-US" sz="1600" dirty="0">
+                <a:latin typeface="ＭＳ ゴシック" panose="020B0609070205080204" pitchFamily="49" charset="-128"/>
+                <a:ea typeface="ＭＳ ゴシック" panose="020B0609070205080204" pitchFamily="49" charset="-128"/>
+              </a:rPr>
+              <a:t>会話画面	プレイヤー同士が推理を進めるための</a:t>
+            </a:r>
+            <a:r>
+              <a:rPr kumimoji="1" lang="en-US" altLang="ja-JP" sz="1600" dirty="0">
+                <a:latin typeface="ＭＳ ゴシック" panose="020B0609070205080204" pitchFamily="49" charset="-128"/>
+                <a:ea typeface="ＭＳ ゴシック" panose="020B0609070205080204" pitchFamily="49" charset="-128"/>
+              </a:rPr>
+              <a:t>UI</a:t>
+            </a:r>
+          </a:p>
+          <a:p>
+            <a:r>
+              <a:rPr kumimoji="1" lang="ja-JP" altLang="en-US" sz="1600" dirty="0">
+                <a:latin typeface="ＭＳ ゴシック" panose="020B0609070205080204" pitchFamily="49" charset="-128"/>
+                <a:ea typeface="ＭＳ ゴシック" panose="020B0609070205080204" pitchFamily="49" charset="-128"/>
+              </a:rPr>
+              <a:t>タイマー機能	推理時間、議論時間の制限</a:t>
+            </a:r>
+          </a:p>
+          <a:p>
+            <a:r>
+              <a:rPr kumimoji="1" lang="ja-JP" altLang="en-US" sz="1600" dirty="0">
+                <a:latin typeface="ＭＳ ゴシック" panose="020B0609070205080204" pitchFamily="49" charset="-128"/>
+                <a:ea typeface="ＭＳ ゴシック" panose="020B0609070205080204" pitchFamily="49" charset="-128"/>
+              </a:rPr>
+              <a:t>ゲーム進行ロジック　ゲームのフェーズ管理（例：昼、夜、投票など）</a:t>
+            </a:r>
+          </a:p>
+          <a:p>
+            <a:r>
+              <a:rPr kumimoji="1" lang="ja-JP" altLang="en-US" sz="1600" dirty="0">
+                <a:latin typeface="ＭＳ ゴシック" panose="020B0609070205080204" pitchFamily="49" charset="-128"/>
+                <a:ea typeface="ＭＳ ゴシック" panose="020B0609070205080204" pitchFamily="49" charset="-128"/>
+              </a:rPr>
+              <a:t>状態管理	</a:t>
+            </a:r>
+            <a:r>
+              <a:rPr kumimoji="1" lang="en-US" altLang="ja-JP" sz="1600" dirty="0">
+                <a:latin typeface="ＭＳ ゴシック" panose="020B0609070205080204" pitchFamily="49" charset="-128"/>
+                <a:ea typeface="ＭＳ ゴシック" panose="020B0609070205080204" pitchFamily="49" charset="-128"/>
+              </a:rPr>
+              <a:t>provider </a:t>
+            </a:r>
+            <a:r>
+              <a:rPr kumimoji="1" lang="ja-JP" altLang="en-US" sz="1600" dirty="0">
+                <a:latin typeface="ＭＳ ゴシック" panose="020B0609070205080204" pitchFamily="49" charset="-128"/>
+                <a:ea typeface="ＭＳ ゴシック" panose="020B0609070205080204" pitchFamily="49" charset="-128"/>
+              </a:rPr>
+              <a:t>や </a:t>
+            </a:r>
+            <a:r>
+              <a:rPr kumimoji="1" lang="en-US" altLang="ja-JP" sz="1600" dirty="0" err="1">
+                <a:latin typeface="ＭＳ ゴシック" panose="020B0609070205080204" pitchFamily="49" charset="-128"/>
+                <a:ea typeface="ＭＳ ゴシック" panose="020B0609070205080204" pitchFamily="49" charset="-128"/>
+              </a:rPr>
+              <a:t>riverpod</a:t>
+            </a:r>
+            <a:r>
+              <a:rPr kumimoji="1" lang="ja-JP" altLang="en-US" sz="1600" dirty="0">
+                <a:latin typeface="ＭＳ ゴシック" panose="020B0609070205080204" pitchFamily="49" charset="-128"/>
+                <a:ea typeface="ＭＳ ゴシック" panose="020B0609070205080204" pitchFamily="49" charset="-128"/>
+              </a:rPr>
+              <a:t>、</a:t>
+            </a:r>
+            <a:r>
+              <a:rPr kumimoji="1" lang="en-US" altLang="ja-JP" sz="1600" dirty="0">
+                <a:latin typeface="ＭＳ ゴシック" panose="020B0609070205080204" pitchFamily="49" charset="-128"/>
+                <a:ea typeface="ＭＳ ゴシック" panose="020B0609070205080204" pitchFamily="49" charset="-128"/>
+              </a:rPr>
+              <a:t>bloc </a:t>
+            </a:r>
+            <a:r>
+              <a:rPr kumimoji="1" lang="ja-JP" altLang="en-US" sz="1600" dirty="0">
+                <a:latin typeface="ＭＳ ゴシック" panose="020B0609070205080204" pitchFamily="49" charset="-128"/>
+                <a:ea typeface="ＭＳ ゴシック" panose="020B0609070205080204" pitchFamily="49" charset="-128"/>
+              </a:rPr>
+              <a:t>などの状態管理の導入を検討</a:t>
+            </a:r>
+          </a:p>
+          <a:p>
+            <a:r>
+              <a:rPr kumimoji="1" lang="ja-JP" altLang="en-US" sz="1600" dirty="0">
+                <a:latin typeface="ＭＳ ゴシック" panose="020B0609070205080204" pitchFamily="49" charset="-128"/>
+                <a:ea typeface="ＭＳ ゴシック" panose="020B0609070205080204" pitchFamily="49" charset="-128"/>
+              </a:rPr>
+              <a:t>                今考えているものアプリでゲームを進行させる</a:t>
+            </a:r>
+          </a:p>
+          <a:p>
+            <a:r>
+              <a:rPr kumimoji="1" lang="ja-JP" altLang="en-US" sz="1600" dirty="0">
+                <a:latin typeface="ＭＳ ゴシック" panose="020B0609070205080204" pitchFamily="49" charset="-128"/>
+                <a:ea typeface="ＭＳ ゴシック" panose="020B0609070205080204" pitchFamily="49" charset="-128"/>
+              </a:rPr>
+              <a:t>データ保存	</a:t>
+            </a:r>
+            <a:r>
+              <a:rPr kumimoji="1" lang="en-US" altLang="ja-JP" sz="1600" dirty="0" err="1">
+                <a:latin typeface="ＭＳ ゴシック" panose="020B0609070205080204" pitchFamily="49" charset="-128"/>
+                <a:ea typeface="ＭＳ ゴシック" panose="020B0609070205080204" pitchFamily="49" charset="-128"/>
+              </a:rPr>
+              <a:t>Firestore</a:t>
+            </a:r>
+            <a:r>
+              <a:rPr kumimoji="1" lang="ja-JP" altLang="en-US" sz="1600" dirty="0">
+                <a:latin typeface="ＭＳ ゴシック" panose="020B0609070205080204" pitchFamily="49" charset="-128"/>
+                <a:ea typeface="ＭＳ ゴシック" panose="020B0609070205080204" pitchFamily="49" charset="-128"/>
+              </a:rPr>
+              <a:t>などでリアルタイム同期やログ保存</a:t>
+            </a:r>
+          </a:p>
+          <a:p>
+            <a:endParaRPr kumimoji="1" lang="en-US" altLang="ja-JP" sz="1600" dirty="0">
+              <a:latin typeface="ＭＳ ゴシック" panose="020B0609070205080204" pitchFamily="49" charset="-128"/>
+              <a:ea typeface="ＭＳ ゴシック" panose="020B0609070205080204" pitchFamily="49" charset="-128"/>
+            </a:endParaRPr>
+          </a:p>
+          <a:p>
+            <a:endParaRPr kumimoji="1" lang="ja-JP" altLang="en-US" sz="1600" dirty="0">
+              <a:latin typeface="ＭＳ ゴシック" panose="020B0609070205080204" pitchFamily="49" charset="-128"/>
+              <a:ea typeface="ＭＳ ゴシック" panose="020B0609070205080204" pitchFamily="49" charset="-128"/>
+            </a:endParaRPr>
+          </a:p>
+        </p:txBody>
+      </p:sp>
+    </p:spTree>
+    <p:extLst>
+      <p:ext uri="{BB962C8B-B14F-4D97-AF65-F5344CB8AC3E}">
+        <p14:creationId xmlns:p14="http://schemas.microsoft.com/office/powerpoint/2010/main" val="1917879992"/>
+      </p:ext>
+    </p:extLst>
+  </p:cSld>
+  <p:clrMapOvr>
+    <a:masterClrMapping/>
+  </p:clrMapOvr>
+</p:sld>
+</file>
+
+<file path=ppt/slides/slide18.xml><?xml version="1.0" encoding="utf-8"?>
+<p:sld xmlns:a="http://schemas.openxmlformats.org/drawingml/2006/main" xmlns:r="http://schemas.openxmlformats.org/officeDocument/2006/relationships" xmlns:p="http://schemas.openxmlformats.org/presentationml/2006/main">
+  <p:cSld>
+    <p:spTree>
+      <p:nvGrpSpPr>
+        <p:cNvPr id="1" name="">
+          <a:extLst>
+            <a:ext uri="{FF2B5EF4-FFF2-40B4-BE49-F238E27FC236}">
+              <a16:creationId xmlns:a16="http://schemas.microsoft.com/office/drawing/2014/main" id="{4219978E-787C-0D36-76B5-FED3251DC636}"/>
+            </a:ext>
+          </a:extLst>
+        </p:cNvPr>
+        <p:cNvGrpSpPr/>
+        <p:nvPr/>
+      </p:nvGrpSpPr>
+      <p:grpSpPr>
+        <a:xfrm>
+          <a:off x="0" y="0"/>
+          <a:ext cx="0" cy="0"/>
+          <a:chOff x="0" y="0"/>
+          <a:chExt cx="0" cy="0"/>
+        </a:xfrm>
+      </p:grpSpPr>
+      <p:sp>
+        <p:nvSpPr>
+          <p:cNvPr id="2" name="タイトル 1">
+            <a:extLst>
+              <a:ext uri="{FF2B5EF4-FFF2-40B4-BE49-F238E27FC236}">
+                <a16:creationId xmlns:a16="http://schemas.microsoft.com/office/drawing/2014/main" id="{F322BF3D-BD0D-2E9E-FA09-F0CDD08825F1}"/>
+              </a:ext>
+            </a:extLst>
+          </p:cNvPr>
+          <p:cNvSpPr>
+            <a:spLocks noGrp="1"/>
+          </p:cNvSpPr>
+          <p:nvPr>
+            <p:ph type="title"/>
+          </p:nvPr>
+        </p:nvSpPr>
+        <p:spPr/>
+        <p:txBody>
+          <a:bodyPr/>
+          <a:lstStyle/>
+          <a:p>
+            <a:r>
+              <a:rPr kumimoji="1" lang="ja-JP" altLang="en-US" dirty="0"/>
+              <a:t>仕様のアイディア（メモ）</a:t>
+            </a:r>
+          </a:p>
+        </p:txBody>
+      </p:sp>
+      <p:sp>
+        <p:nvSpPr>
+          <p:cNvPr id="3" name="コンテンツ プレースホルダー 2">
+            <a:extLst>
+              <a:ext uri="{FF2B5EF4-FFF2-40B4-BE49-F238E27FC236}">
+                <a16:creationId xmlns:a16="http://schemas.microsoft.com/office/drawing/2014/main" id="{4B68A54E-E0BA-5E3A-B590-D43FD48E41A9}"/>
+              </a:ext>
+            </a:extLst>
+          </p:cNvPr>
+          <p:cNvSpPr>
+            <a:spLocks noGrp="1"/>
+          </p:cNvSpPr>
+          <p:nvPr>
+            <p:ph idx="1"/>
+          </p:nvPr>
+        </p:nvSpPr>
+        <p:spPr>
+          <a:xfrm>
+            <a:off x="960120" y="2601232"/>
+            <a:ext cx="10268712" cy="3938954"/>
+          </a:xfrm>
+        </p:spPr>
+        <p:txBody>
+          <a:bodyPr/>
+          <a:lstStyle/>
+          <a:p>
+            <a:r>
+              <a:rPr kumimoji="1" lang="ja-JP" altLang="en-US" sz="1600" dirty="0">
+                <a:latin typeface="ＭＳ ゴシック" panose="020B0609070205080204" pitchFamily="49" charset="-128"/>
+                <a:ea typeface="ＭＳ ゴシック" panose="020B0609070205080204" pitchFamily="49" charset="-128"/>
+              </a:rPr>
+              <a:t>ゲームロビー	プレイヤーの待機、参加、役職配布</a:t>
+            </a:r>
+          </a:p>
+          <a:p>
+            <a:r>
+              <a:rPr kumimoji="1" lang="ja-JP" altLang="en-US" sz="1600" dirty="0">
+                <a:latin typeface="ＭＳ ゴシック" panose="020B0609070205080204" pitchFamily="49" charset="-128"/>
+                <a:ea typeface="ＭＳ ゴシック" panose="020B0609070205080204" pitchFamily="49" charset="-128"/>
+              </a:rPr>
+              <a:t>プレイヤー管理	誰が誰なのか（名前、役職、</a:t>
+            </a:r>
+            <a:r>
+              <a:rPr kumimoji="1" lang="en-US" altLang="ja-JP" sz="1600" dirty="0">
+                <a:latin typeface="ＭＳ ゴシック" panose="020B0609070205080204" pitchFamily="49" charset="-128"/>
+                <a:ea typeface="ＭＳ ゴシック" panose="020B0609070205080204" pitchFamily="49" charset="-128"/>
+              </a:rPr>
+              <a:t>UID</a:t>
+            </a:r>
+            <a:r>
+              <a:rPr kumimoji="1" lang="ja-JP" altLang="en-US" sz="1600" dirty="0">
+                <a:latin typeface="ＭＳ ゴシック" panose="020B0609070205080204" pitchFamily="49" charset="-128"/>
+                <a:ea typeface="ＭＳ ゴシック" panose="020B0609070205080204" pitchFamily="49" charset="-128"/>
+              </a:rPr>
+              <a:t>など）</a:t>
+            </a:r>
+          </a:p>
+          <a:p>
+            <a:r>
+              <a:rPr kumimoji="1" lang="ja-JP" altLang="en-US" sz="1600" dirty="0">
+                <a:latin typeface="ＭＳ ゴシック" panose="020B0609070205080204" pitchFamily="49" charset="-128"/>
+                <a:ea typeface="ＭＳ ゴシック" panose="020B0609070205080204" pitchFamily="49" charset="-128"/>
+              </a:rPr>
+              <a:t>チャット</a:t>
+            </a:r>
+            <a:r>
+              <a:rPr kumimoji="1" lang="en-US" altLang="ja-JP" sz="1600" dirty="0">
+                <a:latin typeface="ＭＳ ゴシック" panose="020B0609070205080204" pitchFamily="49" charset="-128"/>
+                <a:ea typeface="ＭＳ ゴシック" panose="020B0609070205080204" pitchFamily="49" charset="-128"/>
+              </a:rPr>
+              <a:t>/</a:t>
+            </a:r>
+            <a:r>
+              <a:rPr kumimoji="1" lang="ja-JP" altLang="en-US" sz="1600" dirty="0">
+                <a:latin typeface="ＭＳ ゴシック" panose="020B0609070205080204" pitchFamily="49" charset="-128"/>
+                <a:ea typeface="ＭＳ ゴシック" panose="020B0609070205080204" pitchFamily="49" charset="-128"/>
+              </a:rPr>
+              <a:t>会話画面	プレイヤー同士が推理を進めるための</a:t>
+            </a:r>
+            <a:r>
+              <a:rPr kumimoji="1" lang="en-US" altLang="ja-JP" sz="1600" dirty="0">
+                <a:latin typeface="ＭＳ ゴシック" panose="020B0609070205080204" pitchFamily="49" charset="-128"/>
+                <a:ea typeface="ＭＳ ゴシック" panose="020B0609070205080204" pitchFamily="49" charset="-128"/>
+              </a:rPr>
+              <a:t>UI</a:t>
+            </a:r>
+          </a:p>
+          <a:p>
+            <a:r>
+              <a:rPr kumimoji="1" lang="ja-JP" altLang="en-US" sz="1600" dirty="0">
+                <a:latin typeface="ＭＳ ゴシック" panose="020B0609070205080204" pitchFamily="49" charset="-128"/>
+                <a:ea typeface="ＭＳ ゴシック" panose="020B0609070205080204" pitchFamily="49" charset="-128"/>
+              </a:rPr>
+              <a:t>タイマー機能	推理時間、議論時間の制限</a:t>
+            </a:r>
+          </a:p>
+          <a:p>
+            <a:r>
+              <a:rPr kumimoji="1" lang="ja-JP" altLang="en-US" sz="1600" dirty="0">
+                <a:latin typeface="ＭＳ ゴシック" panose="020B0609070205080204" pitchFamily="49" charset="-128"/>
+                <a:ea typeface="ＭＳ ゴシック" panose="020B0609070205080204" pitchFamily="49" charset="-128"/>
+              </a:rPr>
+              <a:t>ゲーム進行ロジック　ゲームのフェーズ管理（例：昼、夜、投票など）</a:t>
+            </a:r>
+          </a:p>
+          <a:p>
+            <a:r>
+              <a:rPr kumimoji="1" lang="ja-JP" altLang="en-US" sz="1600" dirty="0">
+                <a:latin typeface="ＭＳ ゴシック" panose="020B0609070205080204" pitchFamily="49" charset="-128"/>
+                <a:ea typeface="ＭＳ ゴシック" panose="020B0609070205080204" pitchFamily="49" charset="-128"/>
+              </a:rPr>
+              <a:t>状態管理	</a:t>
+            </a:r>
+            <a:r>
+              <a:rPr kumimoji="1" lang="en-US" altLang="ja-JP" sz="1600" dirty="0">
+                <a:latin typeface="ＭＳ ゴシック" panose="020B0609070205080204" pitchFamily="49" charset="-128"/>
+                <a:ea typeface="ＭＳ ゴシック" panose="020B0609070205080204" pitchFamily="49" charset="-128"/>
+              </a:rPr>
+              <a:t>provider </a:t>
+            </a:r>
+            <a:r>
+              <a:rPr kumimoji="1" lang="ja-JP" altLang="en-US" sz="1600" dirty="0">
+                <a:latin typeface="ＭＳ ゴシック" panose="020B0609070205080204" pitchFamily="49" charset="-128"/>
+                <a:ea typeface="ＭＳ ゴシック" panose="020B0609070205080204" pitchFamily="49" charset="-128"/>
+              </a:rPr>
+              <a:t>や </a:t>
+            </a:r>
+            <a:r>
+              <a:rPr kumimoji="1" lang="en-US" altLang="ja-JP" sz="1600" dirty="0" err="1">
+                <a:latin typeface="ＭＳ ゴシック" panose="020B0609070205080204" pitchFamily="49" charset="-128"/>
+                <a:ea typeface="ＭＳ ゴシック" panose="020B0609070205080204" pitchFamily="49" charset="-128"/>
+              </a:rPr>
+              <a:t>riverpod</a:t>
+            </a:r>
+            <a:r>
+              <a:rPr kumimoji="1" lang="ja-JP" altLang="en-US" sz="1600" dirty="0">
+                <a:latin typeface="ＭＳ ゴシック" panose="020B0609070205080204" pitchFamily="49" charset="-128"/>
+                <a:ea typeface="ＭＳ ゴシック" panose="020B0609070205080204" pitchFamily="49" charset="-128"/>
+              </a:rPr>
+              <a:t>、</a:t>
+            </a:r>
+            <a:r>
+              <a:rPr kumimoji="1" lang="en-US" altLang="ja-JP" sz="1600" dirty="0">
+                <a:latin typeface="ＭＳ ゴシック" panose="020B0609070205080204" pitchFamily="49" charset="-128"/>
+                <a:ea typeface="ＭＳ ゴシック" panose="020B0609070205080204" pitchFamily="49" charset="-128"/>
+              </a:rPr>
+              <a:t>bloc </a:t>
+            </a:r>
+            <a:r>
+              <a:rPr kumimoji="1" lang="ja-JP" altLang="en-US" sz="1600" dirty="0">
+                <a:latin typeface="ＭＳ ゴシック" panose="020B0609070205080204" pitchFamily="49" charset="-128"/>
+                <a:ea typeface="ＭＳ ゴシック" panose="020B0609070205080204" pitchFamily="49" charset="-128"/>
+              </a:rPr>
+              <a:t>などの状態管理の導入を検討。アプリにゲームを進行させる</a:t>
+            </a:r>
+          </a:p>
+          <a:p>
+            <a:r>
+              <a:rPr kumimoji="1" lang="ja-JP" altLang="en-US" sz="1600" dirty="0">
+                <a:latin typeface="ＭＳ ゴシック" panose="020B0609070205080204" pitchFamily="49" charset="-128"/>
+                <a:ea typeface="ＭＳ ゴシック" panose="020B0609070205080204" pitchFamily="49" charset="-128"/>
+              </a:rPr>
+              <a:t>データ保存	</a:t>
+            </a:r>
+            <a:r>
+              <a:rPr kumimoji="1" lang="en-US" altLang="ja-JP" sz="1600" dirty="0" err="1">
+                <a:latin typeface="ＭＳ ゴシック" panose="020B0609070205080204" pitchFamily="49" charset="-128"/>
+                <a:ea typeface="ＭＳ ゴシック" panose="020B0609070205080204" pitchFamily="49" charset="-128"/>
+              </a:rPr>
+              <a:t>Firestore</a:t>
+            </a:r>
+            <a:r>
+              <a:rPr kumimoji="1" lang="ja-JP" altLang="en-US" sz="1600" dirty="0">
+                <a:latin typeface="ＭＳ ゴシック" panose="020B0609070205080204" pitchFamily="49" charset="-128"/>
+                <a:ea typeface="ＭＳ ゴシック" panose="020B0609070205080204" pitchFamily="49" charset="-128"/>
+              </a:rPr>
+              <a:t>などでリアルタイム同期やログ保存</a:t>
+            </a:r>
+          </a:p>
+          <a:p>
+            <a:endParaRPr kumimoji="1" lang="en-US" altLang="ja-JP" sz="1600" dirty="0">
+              <a:latin typeface="ＭＳ ゴシック" panose="020B0609070205080204" pitchFamily="49" charset="-128"/>
+              <a:ea typeface="ＭＳ ゴシック" panose="020B0609070205080204" pitchFamily="49" charset="-128"/>
+            </a:endParaRPr>
+          </a:p>
+          <a:p>
+            <a:endParaRPr kumimoji="1" lang="ja-JP" altLang="en-US" sz="1600" dirty="0">
+              <a:latin typeface="ＭＳ ゴシック" panose="020B0609070205080204" pitchFamily="49" charset="-128"/>
+              <a:ea typeface="ＭＳ ゴシック" panose="020B0609070205080204" pitchFamily="49" charset="-128"/>
+            </a:endParaRPr>
+          </a:p>
+        </p:txBody>
+      </p:sp>
+    </p:spTree>
+    <p:extLst>
+      <p:ext uri="{BB962C8B-B14F-4D97-AF65-F5344CB8AC3E}">
+        <p14:creationId xmlns:p14="http://schemas.microsoft.com/office/powerpoint/2010/main" val="4274935638"/>
+      </p:ext>
+    </p:extLst>
+  </p:cSld>
+  <p:clrMapOvr>
+    <a:masterClrMapping/>
+  </p:clrMapOvr>
+</p:sld>
+</file>
+
+<file path=ppt/slides/slide19.xml><?xml version="1.0" encoding="utf-8"?>
+<p:sld xmlns:a="http://schemas.openxmlformats.org/drawingml/2006/main" xmlns:r="http://schemas.openxmlformats.org/officeDocument/2006/relationships" xmlns:p="http://schemas.openxmlformats.org/presentationml/2006/main">
+  <p:cSld>
+    <p:spTree>
+      <p:nvGrpSpPr>
+        <p:cNvPr id="1" name="">
+          <a:extLst>
+            <a:ext uri="{FF2B5EF4-FFF2-40B4-BE49-F238E27FC236}">
+              <a16:creationId xmlns:a16="http://schemas.microsoft.com/office/drawing/2014/main" id="{972A310B-F325-B540-E452-BE05BE211FE3}"/>
+            </a:ext>
+          </a:extLst>
+        </p:cNvPr>
+        <p:cNvGrpSpPr/>
+        <p:nvPr/>
+      </p:nvGrpSpPr>
+      <p:grpSpPr>
+        <a:xfrm>
+          <a:off x="0" y="0"/>
+          <a:ext cx="0" cy="0"/>
+          <a:chOff x="0" y="0"/>
+          <a:chExt cx="0" cy="0"/>
+        </a:xfrm>
+      </p:grpSpPr>
+      <p:sp>
+        <p:nvSpPr>
+          <p:cNvPr id="2" name="タイトル 1">
+            <a:extLst>
+              <a:ext uri="{FF2B5EF4-FFF2-40B4-BE49-F238E27FC236}">
+                <a16:creationId xmlns:a16="http://schemas.microsoft.com/office/drawing/2014/main" id="{2072EF6F-1D3C-7333-D9BA-90D894190112}"/>
+              </a:ext>
+            </a:extLst>
+          </p:cNvPr>
+          <p:cNvSpPr>
+            <a:spLocks noGrp="1"/>
+          </p:cNvSpPr>
+          <p:nvPr>
+            <p:ph type="title"/>
+          </p:nvPr>
+        </p:nvSpPr>
+        <p:spPr>
+          <a:xfrm>
+            <a:off x="960120" y="317814"/>
+            <a:ext cx="10268712" cy="1700784"/>
+          </a:xfrm>
+        </p:spPr>
+        <p:txBody>
+          <a:bodyPr/>
+          <a:lstStyle/>
+          <a:p>
+            <a:r>
+              <a:rPr kumimoji="1" lang="ja-JP" altLang="en-US" dirty="0"/>
+              <a:t>アプリ</a:t>
+            </a:r>
+            <a:r>
+              <a:rPr kumimoji="1" lang="ja-JP" altLang="en-US" sz="3600" dirty="0"/>
+              <a:t>（マーダーミステリー）考え中</a:t>
+            </a:r>
+            <a:endParaRPr kumimoji="1" lang="ja-JP" altLang="en-US" dirty="0"/>
+          </a:p>
+        </p:txBody>
+      </p:sp>
+      <p:sp>
+        <p:nvSpPr>
+          <p:cNvPr id="3" name="コンテンツ プレースホルダー 2">
+            <a:extLst>
+              <a:ext uri="{FF2B5EF4-FFF2-40B4-BE49-F238E27FC236}">
+                <a16:creationId xmlns:a16="http://schemas.microsoft.com/office/drawing/2014/main" id="{52DA2033-2928-BD65-1563-B950FC5B514B}"/>
+              </a:ext>
+            </a:extLst>
+          </p:cNvPr>
+          <p:cNvSpPr>
+            <a:spLocks noGrp="1"/>
+          </p:cNvSpPr>
+          <p:nvPr>
+            <p:ph idx="1"/>
+          </p:nvPr>
+        </p:nvSpPr>
+        <p:spPr>
+          <a:xfrm>
+            <a:off x="960120" y="2601232"/>
+            <a:ext cx="10268712" cy="3938954"/>
+          </a:xfrm>
+        </p:spPr>
+        <p:txBody>
+          <a:bodyPr/>
+          <a:lstStyle/>
+          <a:p>
+            <a:r>
+              <a:rPr kumimoji="1" lang="ja-JP" altLang="en-US" sz="1800" b="1" dirty="0">
+                <a:latin typeface="ＭＳ ゴシック" panose="020B0609070205080204" pitchFamily="49" charset="-128"/>
+                <a:ea typeface="ＭＳ ゴシック" panose="020B0609070205080204" pitchFamily="49" charset="-128"/>
+              </a:rPr>
+              <a:t>今考えているものゲームの要件</a:t>
+            </a:r>
+          </a:p>
+          <a:p>
+            <a:r>
+              <a:rPr kumimoji="1" lang="ja-JP" altLang="en-US" sz="1600" dirty="0">
+                <a:latin typeface="ＭＳ ゴシック" panose="020B0609070205080204" pitchFamily="49" charset="-128"/>
+                <a:ea typeface="ＭＳ ゴシック" panose="020B0609070205080204" pitchFamily="49" charset="-128"/>
+              </a:rPr>
+              <a:t>できれば一人でもできるようにしたい</a:t>
+            </a:r>
+          </a:p>
+          <a:p>
+            <a:r>
+              <a:rPr kumimoji="1" lang="ja-JP" altLang="en-US" sz="1600" dirty="0">
+                <a:latin typeface="ＭＳ ゴシック" panose="020B0609070205080204" pitchFamily="49" charset="-128"/>
+                <a:ea typeface="ＭＳ ゴシック" panose="020B0609070205080204" pitchFamily="49" charset="-128"/>
+              </a:rPr>
+              <a:t>ルーム参加者待てるところを作る</a:t>
+            </a:r>
+          </a:p>
+          <a:p>
+            <a:r>
+              <a:rPr kumimoji="1" lang="ja-JP" altLang="en-US" sz="1600" dirty="0">
+                <a:latin typeface="ＭＳ ゴシック" panose="020B0609070205080204" pitchFamily="49" charset="-128"/>
+                <a:ea typeface="ＭＳ ゴシック" panose="020B0609070205080204" pitchFamily="49" charset="-128"/>
+              </a:rPr>
+              <a:t>問題を選択できるようにする</a:t>
+            </a:r>
+          </a:p>
+          <a:p>
+            <a:r>
+              <a:rPr kumimoji="1" lang="ja-JP" altLang="en-US" sz="1600" dirty="0">
+                <a:latin typeface="ＭＳ ゴシック" panose="020B0609070205080204" pitchFamily="49" charset="-128"/>
+                <a:ea typeface="ＭＳ ゴシック" panose="020B0609070205080204" pitchFamily="49" charset="-128"/>
+              </a:rPr>
+              <a:t>話ができるところ（チャットできる）</a:t>
+            </a:r>
+          </a:p>
+          <a:p>
+            <a:r>
+              <a:rPr kumimoji="1" lang="ja-JP" altLang="en-US" sz="1600" dirty="0">
+                <a:latin typeface="ＭＳ ゴシック" panose="020B0609070205080204" pitchFamily="49" charset="-128"/>
+                <a:ea typeface="ＭＳ ゴシック" panose="020B0609070205080204" pitchFamily="49" charset="-128"/>
+              </a:rPr>
+              <a:t>個別で話し合いができるところを作る</a:t>
+            </a:r>
+            <a:r>
+              <a:rPr kumimoji="1" lang="en-US" altLang="ja-JP" sz="1600" dirty="0">
+                <a:latin typeface="ＭＳ ゴシック" panose="020B0609070205080204" pitchFamily="49" charset="-128"/>
+                <a:ea typeface="ＭＳ ゴシック" panose="020B0609070205080204" pitchFamily="49" charset="-128"/>
+              </a:rPr>
+              <a:t>(</a:t>
+            </a:r>
+            <a:r>
+              <a:rPr kumimoji="1" lang="ja-JP" altLang="en-US" sz="1600" dirty="0">
+                <a:latin typeface="ＭＳ ゴシック" panose="020B0609070205080204" pitchFamily="49" charset="-128"/>
+                <a:ea typeface="ＭＳ ゴシック" panose="020B0609070205080204" pitchFamily="49" charset="-128"/>
+              </a:rPr>
+              <a:t>個別チャット）</a:t>
+            </a:r>
+          </a:p>
+          <a:p>
+            <a:r>
+              <a:rPr kumimoji="1" lang="ja-JP" altLang="en-US" sz="1600" dirty="0">
+                <a:latin typeface="ＭＳ ゴシック" panose="020B0609070205080204" pitchFamily="49" charset="-128"/>
+                <a:ea typeface="ＭＳ ゴシック" panose="020B0609070205080204" pitchFamily="49" charset="-128"/>
+              </a:rPr>
+              <a:t>投票できるようにする</a:t>
+            </a:r>
+          </a:p>
+          <a:p>
+            <a:r>
+              <a:rPr kumimoji="1" lang="ja-JP" altLang="en-US" sz="1600" dirty="0">
+                <a:latin typeface="ＭＳ ゴシック" panose="020B0609070205080204" pitchFamily="49" charset="-128"/>
+                <a:ea typeface="ＭＳ ゴシック" panose="020B0609070205080204" pitchFamily="49" charset="-128"/>
+              </a:rPr>
+              <a:t>時間制限で次のステップに行けるようにする</a:t>
+            </a:r>
+          </a:p>
+          <a:p>
+            <a:endParaRPr kumimoji="1" lang="ja-JP" altLang="en-US" sz="1600" dirty="0">
+              <a:latin typeface="ＭＳ ゴシック" panose="020B0609070205080204" pitchFamily="49" charset="-128"/>
+              <a:ea typeface="ＭＳ ゴシック" panose="020B0609070205080204" pitchFamily="49" charset="-128"/>
+            </a:endParaRPr>
+          </a:p>
+        </p:txBody>
+      </p:sp>
+    </p:spTree>
+    <p:extLst>
+      <p:ext uri="{BB962C8B-B14F-4D97-AF65-F5344CB8AC3E}">
+        <p14:creationId xmlns:p14="http://schemas.microsoft.com/office/powerpoint/2010/main" val="2299870331"/>
+      </p:ext>
+    </p:extLst>
+  </p:cSld>
+  <p:clrMapOvr>
+    <a:masterClrMapping/>
+  </p:clrMapOvr>
+</p:sld>
+</file>
+
 <file path=ppt/slides/slide2.xml><?xml version="1.0" encoding="utf-8"?>
 <p:sld xmlns:a="http://schemas.openxmlformats.org/drawingml/2006/main" xmlns:r="http://schemas.openxmlformats.org/officeDocument/2006/relationships" xmlns:p="http://schemas.openxmlformats.org/presentationml/2006/main">
   <p:cSld>
@@ -5759,6 +6480,368 @@
     <p:extLst>
       <p:ext uri="{BB962C8B-B14F-4D97-AF65-F5344CB8AC3E}">
         <p14:creationId xmlns:p14="http://schemas.microsoft.com/office/powerpoint/2010/main" val="1561301413"/>
+      </p:ext>
+    </p:extLst>
+  </p:cSld>
+  <p:clrMapOvr>
+    <a:masterClrMapping/>
+  </p:clrMapOvr>
+</p:sld>
+</file>
+
+<file path=ppt/slides/slide20.xml><?xml version="1.0" encoding="utf-8"?>
+<p:sld xmlns:a="http://schemas.openxmlformats.org/drawingml/2006/main" xmlns:r="http://schemas.openxmlformats.org/officeDocument/2006/relationships" xmlns:p="http://schemas.openxmlformats.org/presentationml/2006/main">
+  <p:cSld>
+    <p:spTree>
+      <p:nvGrpSpPr>
+        <p:cNvPr id="1" name="">
+          <a:extLst>
+            <a:ext uri="{FF2B5EF4-FFF2-40B4-BE49-F238E27FC236}">
+              <a16:creationId xmlns:a16="http://schemas.microsoft.com/office/drawing/2014/main" id="{86063609-8D8A-B705-4894-5FD7BF7995CB}"/>
+            </a:ext>
+          </a:extLst>
+        </p:cNvPr>
+        <p:cNvGrpSpPr/>
+        <p:nvPr/>
+      </p:nvGrpSpPr>
+      <p:grpSpPr>
+        <a:xfrm>
+          <a:off x="0" y="0"/>
+          <a:ext cx="0" cy="0"/>
+          <a:chOff x="0" y="0"/>
+          <a:chExt cx="0" cy="0"/>
+        </a:xfrm>
+      </p:grpSpPr>
+      <p:sp>
+        <p:nvSpPr>
+          <p:cNvPr id="2" name="タイトル 1">
+            <a:extLst>
+              <a:ext uri="{FF2B5EF4-FFF2-40B4-BE49-F238E27FC236}">
+                <a16:creationId xmlns:a16="http://schemas.microsoft.com/office/drawing/2014/main" id="{98051DB3-C173-E45B-E888-461F9E295CFE}"/>
+              </a:ext>
+            </a:extLst>
+          </p:cNvPr>
+          <p:cNvSpPr>
+            <a:spLocks noGrp="1"/>
+          </p:cNvSpPr>
+          <p:nvPr>
+            <p:ph type="title"/>
+          </p:nvPr>
+        </p:nvSpPr>
+        <p:spPr>
+          <a:xfrm>
+            <a:off x="960120" y="317814"/>
+            <a:ext cx="10268712" cy="1700784"/>
+          </a:xfrm>
+        </p:spPr>
+        <p:txBody>
+          <a:bodyPr/>
+          <a:lstStyle/>
+          <a:p>
+            <a:r>
+              <a:rPr kumimoji="1" lang="ja-JP" altLang="en-US" dirty="0"/>
+              <a:t>アプリ</a:t>
+            </a:r>
+            <a:r>
+              <a:rPr kumimoji="1" lang="ja-JP" altLang="en-US" sz="3600" dirty="0"/>
+              <a:t>（マーダーミステリー）考え中</a:t>
+            </a:r>
+            <a:endParaRPr kumimoji="1" lang="ja-JP" altLang="en-US" dirty="0"/>
+          </a:p>
+        </p:txBody>
+      </p:sp>
+      <p:sp>
+        <p:nvSpPr>
+          <p:cNvPr id="3" name="コンテンツ プレースホルダー 2">
+            <a:extLst>
+              <a:ext uri="{FF2B5EF4-FFF2-40B4-BE49-F238E27FC236}">
+                <a16:creationId xmlns:a16="http://schemas.microsoft.com/office/drawing/2014/main" id="{4053332A-86FA-40F2-3B5A-02BA8B2D4A97}"/>
+              </a:ext>
+            </a:extLst>
+          </p:cNvPr>
+          <p:cNvSpPr>
+            <a:spLocks noGrp="1"/>
+          </p:cNvSpPr>
+          <p:nvPr>
+            <p:ph idx="1"/>
+          </p:nvPr>
+        </p:nvSpPr>
+        <p:spPr>
+          <a:xfrm>
+            <a:off x="960120" y="2601232"/>
+            <a:ext cx="10268712" cy="3938954"/>
+          </a:xfrm>
+        </p:spPr>
+        <p:txBody>
+          <a:bodyPr/>
+          <a:lstStyle/>
+          <a:p>
+            <a:r>
+              <a:rPr kumimoji="1" lang="ja-JP" altLang="en-US" sz="1800" b="1" dirty="0">
+                <a:latin typeface="ＭＳ ゴシック" panose="020B0609070205080204" pitchFamily="49" charset="-128"/>
+                <a:ea typeface="ＭＳ ゴシック" panose="020B0609070205080204" pitchFamily="49" charset="-128"/>
+              </a:rPr>
+              <a:t>ステップ</a:t>
+            </a:r>
+          </a:p>
+          <a:p>
+            <a:r>
+              <a:rPr kumimoji="1" lang="ja-JP" altLang="en-US" sz="1600" dirty="0">
+                <a:latin typeface="ＭＳ ゴシック" panose="020B0609070205080204" pitchFamily="49" charset="-128"/>
+                <a:ea typeface="ＭＳ ゴシック" panose="020B0609070205080204" pitchFamily="49" charset="-128"/>
+              </a:rPr>
+              <a:t>参加者に役割をランダムに割り振る。その後に自分の役割を知り覚える</a:t>
+            </a:r>
+          </a:p>
+          <a:p>
+            <a:r>
+              <a:rPr kumimoji="1" lang="ja-JP" altLang="en-US" sz="1600" dirty="0">
+                <a:latin typeface="ＭＳ ゴシック" panose="020B0609070205080204" pitchFamily="49" charset="-128"/>
+                <a:ea typeface="ＭＳ ゴシック" panose="020B0609070205080204" pitchFamily="49" charset="-128"/>
+              </a:rPr>
+              <a:t>確認したら、後から知ることができる証拠を選択させる</a:t>
+            </a:r>
+          </a:p>
+          <a:p>
+            <a:r>
+              <a:rPr kumimoji="1" lang="ja-JP" altLang="en-US" sz="1600" dirty="0">
+                <a:latin typeface="ＭＳ ゴシック" panose="020B0609070205080204" pitchFamily="49" charset="-128"/>
+                <a:ea typeface="ＭＳ ゴシック" panose="020B0609070205080204" pitchFamily="49" charset="-128"/>
+              </a:rPr>
+              <a:t>その後話し合いをさせる　制限時間あり</a:t>
+            </a:r>
+          </a:p>
+          <a:p>
+            <a:r>
+              <a:rPr kumimoji="1" lang="ja-JP" altLang="en-US" sz="1800" b="1" dirty="0">
+                <a:latin typeface="ＭＳ ゴシック" panose="020B0609070205080204" pitchFamily="49" charset="-128"/>
+                <a:ea typeface="ＭＳ ゴシック" panose="020B0609070205080204" pitchFamily="49" charset="-128"/>
+              </a:rPr>
+              <a:t>話の流れ</a:t>
+            </a:r>
+          </a:p>
+          <a:p>
+            <a:r>
+              <a:rPr kumimoji="1" lang="ja-JP" altLang="en-US" sz="1600" dirty="0">
+                <a:latin typeface="ＭＳ ゴシック" panose="020B0609070205080204" pitchFamily="49" charset="-128"/>
+                <a:ea typeface="ＭＳ ゴシック" panose="020B0609070205080204" pitchFamily="49" charset="-128"/>
+              </a:rPr>
+              <a:t>最初に全体で話し合いをさせる　制限時間あり</a:t>
+            </a:r>
+          </a:p>
+          <a:p>
+            <a:r>
+              <a:rPr kumimoji="1" lang="ja-JP" altLang="en-US" sz="1600" dirty="0">
+                <a:latin typeface="ＭＳ ゴシック" panose="020B0609070205080204" pitchFamily="49" charset="-128"/>
+                <a:ea typeface="ＭＳ ゴシック" panose="020B0609070205080204" pitchFamily="49" charset="-128"/>
+              </a:rPr>
+              <a:t>その後順番に組合せで個別で話し合いをさせる　制限時間あり</a:t>
+            </a:r>
+          </a:p>
+          <a:p>
+            <a:r>
+              <a:rPr kumimoji="1" lang="ja-JP" altLang="en-US" sz="1600" dirty="0">
+                <a:latin typeface="ＭＳ ゴシック" panose="020B0609070205080204" pitchFamily="49" charset="-128"/>
+                <a:ea typeface="ＭＳ ゴシック" panose="020B0609070205080204" pitchFamily="49" charset="-128"/>
+              </a:rPr>
+              <a:t>上の流れを二回行う</a:t>
+            </a:r>
+          </a:p>
+          <a:p>
+            <a:endParaRPr kumimoji="1" lang="ja-JP" altLang="en-US" sz="1600" dirty="0">
+              <a:latin typeface="ＭＳ ゴシック" panose="020B0609070205080204" pitchFamily="49" charset="-128"/>
+              <a:ea typeface="ＭＳ ゴシック" panose="020B0609070205080204" pitchFamily="49" charset="-128"/>
+            </a:endParaRPr>
+          </a:p>
+        </p:txBody>
+      </p:sp>
+    </p:spTree>
+    <p:extLst>
+      <p:ext uri="{BB962C8B-B14F-4D97-AF65-F5344CB8AC3E}">
+        <p14:creationId xmlns:p14="http://schemas.microsoft.com/office/powerpoint/2010/main" val="375506956"/>
+      </p:ext>
+    </p:extLst>
+  </p:cSld>
+  <p:clrMapOvr>
+    <a:masterClrMapping/>
+  </p:clrMapOvr>
+</p:sld>
+</file>
+
+<file path=ppt/slides/slide21.xml><?xml version="1.0" encoding="utf-8"?>
+<p:sld xmlns:a="http://schemas.openxmlformats.org/drawingml/2006/main" xmlns:r="http://schemas.openxmlformats.org/officeDocument/2006/relationships" xmlns:p="http://schemas.openxmlformats.org/presentationml/2006/main">
+  <p:cSld>
+    <p:spTree>
+      <p:nvGrpSpPr>
+        <p:cNvPr id="1" name="">
+          <a:extLst>
+            <a:ext uri="{FF2B5EF4-FFF2-40B4-BE49-F238E27FC236}">
+              <a16:creationId xmlns:a16="http://schemas.microsoft.com/office/drawing/2014/main" id="{927B50E4-DA49-5408-062C-3013DAA89FA1}"/>
+            </a:ext>
+          </a:extLst>
+        </p:cNvPr>
+        <p:cNvGrpSpPr/>
+        <p:nvPr/>
+      </p:nvGrpSpPr>
+      <p:grpSpPr>
+        <a:xfrm>
+          <a:off x="0" y="0"/>
+          <a:ext cx="0" cy="0"/>
+          <a:chOff x="0" y="0"/>
+          <a:chExt cx="0" cy="0"/>
+        </a:xfrm>
+      </p:grpSpPr>
+      <p:sp>
+        <p:nvSpPr>
+          <p:cNvPr id="2" name="タイトル 1">
+            <a:extLst>
+              <a:ext uri="{FF2B5EF4-FFF2-40B4-BE49-F238E27FC236}">
+                <a16:creationId xmlns:a16="http://schemas.microsoft.com/office/drawing/2014/main" id="{5172EAA3-20A8-F0DE-446A-F79D8EFF1FA8}"/>
+              </a:ext>
+            </a:extLst>
+          </p:cNvPr>
+          <p:cNvSpPr>
+            <a:spLocks noGrp="1"/>
+          </p:cNvSpPr>
+          <p:nvPr>
+            <p:ph type="title"/>
+          </p:nvPr>
+        </p:nvSpPr>
+        <p:spPr>
+          <a:xfrm>
+            <a:off x="960120" y="317814"/>
+            <a:ext cx="10268712" cy="1700784"/>
+          </a:xfrm>
+        </p:spPr>
+        <p:txBody>
+          <a:bodyPr/>
+          <a:lstStyle/>
+          <a:p>
+            <a:r>
+              <a:rPr kumimoji="1" lang="ja-JP" altLang="en-US" dirty="0"/>
+              <a:t>アプリ</a:t>
+            </a:r>
+            <a:r>
+              <a:rPr kumimoji="1" lang="ja-JP" altLang="en-US" sz="3600" dirty="0"/>
+              <a:t>（マーダーミステリー）考え中</a:t>
+            </a:r>
+            <a:endParaRPr kumimoji="1" lang="ja-JP" altLang="en-US" dirty="0"/>
+          </a:p>
+        </p:txBody>
+      </p:sp>
+      <p:sp>
+        <p:nvSpPr>
+          <p:cNvPr id="3" name="コンテンツ プレースホルダー 2">
+            <a:extLst>
+              <a:ext uri="{FF2B5EF4-FFF2-40B4-BE49-F238E27FC236}">
+                <a16:creationId xmlns:a16="http://schemas.microsoft.com/office/drawing/2014/main" id="{08E8EABC-D084-286E-1E84-9E821F984D9A}"/>
+              </a:ext>
+            </a:extLst>
+          </p:cNvPr>
+          <p:cNvSpPr>
+            <a:spLocks noGrp="1"/>
+          </p:cNvSpPr>
+          <p:nvPr>
+            <p:ph idx="1"/>
+          </p:nvPr>
+        </p:nvSpPr>
+        <p:spPr>
+          <a:xfrm>
+            <a:off x="960120" y="2601232"/>
+            <a:ext cx="10268712" cy="3938954"/>
+          </a:xfrm>
+        </p:spPr>
+        <p:txBody>
+          <a:bodyPr/>
+          <a:lstStyle/>
+          <a:p>
+            <a:r>
+              <a:rPr kumimoji="1" lang="ja-JP" altLang="en-US" sz="2000" b="1" dirty="0">
+                <a:latin typeface="ＭＳ ゴシック" panose="020B0609070205080204" pitchFamily="49" charset="-128"/>
+                <a:ea typeface="ＭＳ ゴシック" panose="020B0609070205080204" pitchFamily="49" charset="-128"/>
+              </a:rPr>
+              <a:t>投票</a:t>
+            </a:r>
+            <a:endParaRPr kumimoji="1" lang="en-US" altLang="ja-JP" sz="2000" b="1" dirty="0">
+              <a:latin typeface="ＭＳ ゴシック" panose="020B0609070205080204" pitchFamily="49" charset="-128"/>
+              <a:ea typeface="ＭＳ ゴシック" panose="020B0609070205080204" pitchFamily="49" charset="-128"/>
+            </a:endParaRPr>
+          </a:p>
+          <a:p>
+            <a:r>
+              <a:rPr kumimoji="1" lang="ja-JP" altLang="en-US" sz="1600" dirty="0">
+                <a:latin typeface="ＭＳ ゴシック" panose="020B0609070205080204" pitchFamily="49" charset="-128"/>
+                <a:ea typeface="ＭＳ ゴシック" panose="020B0609070205080204" pitchFamily="49" charset="-128"/>
+              </a:rPr>
+              <a:t>最後の話し合いの後、誰があやしいか順番に聞いていく</a:t>
+            </a:r>
+          </a:p>
+          <a:p>
+            <a:r>
+              <a:rPr kumimoji="1" lang="ja-JP" altLang="en-US" sz="1600" dirty="0">
+                <a:latin typeface="ＭＳ ゴシック" panose="020B0609070205080204" pitchFamily="49" charset="-128"/>
+                <a:ea typeface="ＭＳ ゴシック" panose="020B0609070205080204" pitchFamily="49" charset="-128"/>
+              </a:rPr>
+              <a:t>　なぜ怪しいと思うのかを理由も言ってもらい　制限時間あり</a:t>
+            </a:r>
+          </a:p>
+          <a:p>
+            <a:r>
+              <a:rPr kumimoji="1" lang="ja-JP" altLang="en-US" sz="1600" dirty="0">
+                <a:latin typeface="ＭＳ ゴシック" panose="020B0609070205080204" pitchFamily="49" charset="-128"/>
+                <a:ea typeface="ＭＳ ゴシック" panose="020B0609070205080204" pitchFamily="49" charset="-128"/>
+              </a:rPr>
+              <a:t>　それに対して質問したい人が質問していく　制限時あり</a:t>
+            </a:r>
+          </a:p>
+          <a:p>
+            <a:r>
+              <a:rPr kumimoji="1" lang="ja-JP" altLang="en-US" sz="1600" dirty="0">
+                <a:latin typeface="ＭＳ ゴシック" panose="020B0609070205080204" pitchFamily="49" charset="-128"/>
+                <a:ea typeface="ＭＳ ゴシック" panose="020B0609070205080204" pitchFamily="49" charset="-128"/>
+              </a:rPr>
+              <a:t>最後に投票させる　制限時間あり</a:t>
+            </a:r>
+          </a:p>
+          <a:p>
+            <a:r>
+              <a:rPr kumimoji="1" lang="ja-JP" altLang="en-US" sz="1600" dirty="0">
+                <a:latin typeface="ＭＳ ゴシック" panose="020B0609070205080204" pitchFamily="49" charset="-128"/>
+                <a:ea typeface="ＭＳ ゴシック" panose="020B0609070205080204" pitchFamily="49" charset="-128"/>
+              </a:rPr>
+              <a:t>投票結果で犯人がどのような結果になるかを言い</a:t>
+            </a:r>
+          </a:p>
+          <a:p>
+            <a:r>
+              <a:rPr kumimoji="1" lang="ja-JP" altLang="en-US" sz="1600" dirty="0">
+                <a:latin typeface="ＭＳ ゴシック" panose="020B0609070205080204" pitchFamily="49" charset="-128"/>
+                <a:ea typeface="ＭＳ ゴシック" panose="020B0609070205080204" pitchFamily="49" charset="-128"/>
+              </a:rPr>
+              <a:t>その後の人物がどうなったかを説明する</a:t>
+            </a:r>
+          </a:p>
+          <a:p>
+            <a:r>
+              <a:rPr kumimoji="1" lang="ja-JP" altLang="en-US" sz="1600" dirty="0">
+                <a:latin typeface="ＭＳ ゴシック" panose="020B0609070205080204" pitchFamily="49" charset="-128"/>
+                <a:ea typeface="ＭＳ ゴシック" panose="020B0609070205080204" pitchFamily="49" charset="-128"/>
+              </a:rPr>
+              <a:t>最後にだれが犯人だったのかを教える</a:t>
+            </a:r>
+          </a:p>
+          <a:p>
+            <a:endParaRPr kumimoji="1" lang="ja-JP" altLang="en-US" sz="1600" dirty="0">
+              <a:latin typeface="ＭＳ ゴシック" panose="020B0609070205080204" pitchFamily="49" charset="-128"/>
+              <a:ea typeface="ＭＳ ゴシック" panose="020B0609070205080204" pitchFamily="49" charset="-128"/>
+            </a:endParaRPr>
+          </a:p>
+        </p:txBody>
+      </p:sp>
+    </p:spTree>
+    <p:extLst>
+      <p:ext uri="{BB962C8B-B14F-4D97-AF65-F5344CB8AC3E}">
+        <p14:creationId xmlns:p14="http://schemas.microsoft.com/office/powerpoint/2010/main" val="3604734883"/>
       </p:ext>
     </p:extLst>
   </p:cSld>
